--- a/taskBoardPPT.pptx
+++ b/taskBoardPPT.pptx
@@ -5,35 +5,35 @@
     <p:sldMasterId id="2147483648" r:id="rId1"/>
   </p:sldMasterIdLst>
   <p:notesMasterIdLst>
-    <p:notesMasterId r:id="rId23"/>
+    <p:notesMasterId r:id="rId4"/>
   </p:notesMasterIdLst>
   <p:sldIdLst>
-    <p:sldId id="258" r:id="rId2"/>
-    <p:sldId id="259" r:id="rId3"/>
-    <p:sldId id="260" r:id="rId4"/>
-    <p:sldId id="261" r:id="rId5"/>
-    <p:sldId id="266" r:id="rId6"/>
-    <p:sldId id="263" r:id="rId7"/>
-    <p:sldId id="267" r:id="rId8"/>
-    <p:sldId id="269" r:id="rId9"/>
-    <p:sldId id="270" r:id="rId10"/>
-    <p:sldId id="262" r:id="rId11"/>
-    <p:sldId id="287" r:id="rId12"/>
-    <p:sldId id="286" r:id="rId13"/>
-    <p:sldId id="272" r:id="rId14"/>
-    <p:sldId id="288" r:id="rId15"/>
-    <p:sldId id="289" r:id="rId16"/>
-    <p:sldId id="273" r:id="rId17"/>
-    <p:sldId id="264" r:id="rId18"/>
-    <p:sldId id="276" r:id="rId19"/>
-    <p:sldId id="279" r:id="rId20"/>
-    <p:sldId id="281" r:id="rId21"/>
-    <p:sldId id="284" r:id="rId22"/>
+    <p:sldId id="258" r:id="rId3"/>
+    <p:sldId id="259" r:id="rId5"/>
+    <p:sldId id="260" r:id="rId6"/>
+    <p:sldId id="261" r:id="rId7"/>
+    <p:sldId id="266" r:id="rId8"/>
+    <p:sldId id="263" r:id="rId9"/>
+    <p:sldId id="267" r:id="rId10"/>
+    <p:sldId id="269" r:id="rId11"/>
+    <p:sldId id="270" r:id="rId12"/>
+    <p:sldId id="262" r:id="rId13"/>
+    <p:sldId id="287" r:id="rId14"/>
+    <p:sldId id="286" r:id="rId15"/>
+    <p:sldId id="272" r:id="rId16"/>
+    <p:sldId id="288" r:id="rId17"/>
+    <p:sldId id="289" r:id="rId18"/>
+    <p:sldId id="273" r:id="rId19"/>
+    <p:sldId id="264" r:id="rId20"/>
+    <p:sldId id="276" r:id="rId21"/>
+    <p:sldId id="279" r:id="rId22"/>
+    <p:sldId id="281" r:id="rId23"/>
+    <p:sldId id="284" r:id="rId24"/>
   </p:sldIdLst>
   <p:sldSz cx="9144000" cy="5143500" type="screen16x9"/>
   <p:notesSz cx="6858000" cy="9144000"/>
   <p:custDataLst>
-    <p:tags r:id="rId24"/>
+    <p:tags r:id="rId28"/>
   </p:custDataLst>
   <p:defaultTextStyle>
     <a:defPPr>
@@ -130,27 +130,11 @@
       </a:defRPr>
     </a:lvl9pPr>
   </p:defaultTextStyle>
-  <p:extLst>
-    <p:ext uri="{EFAFB233-063F-42B5-8137-9DF3F51BA10A}">
-      <p15:sldGuideLst xmlns:p15="http://schemas.microsoft.com/office/powerpoint/2012/main">
-        <p15:guide id="1" orient="horz" pos="1620">
-          <p15:clr>
-            <a:srgbClr val="A4A3A4"/>
-          </p15:clr>
-        </p15:guide>
-        <p15:guide id="2" pos="2880">
-          <p15:clr>
-            <a:srgbClr val="A4A3A4"/>
-          </p15:clr>
-        </p15:guide>
-      </p15:sldGuideLst>
-    </p:ext>
-  </p:extLst>
 </p:presentation>
 </file>
 
 <file path=ppt/charts/chart1.xml><?xml version="1.0" encoding="utf-8"?>
-<c:chartSpace xmlns:c="http://schemas.openxmlformats.org/drawingml/2006/chart" xmlns:a="http://schemas.openxmlformats.org/drawingml/2006/main" xmlns:r="http://schemas.openxmlformats.org/officeDocument/2006/relationships" xmlns:c16r2="http://schemas.microsoft.com/office/drawing/2015/06/chart">
+<c:chartSpace xmlns:c="http://schemas.openxmlformats.org/drawingml/2006/chart" xmlns:a="http://schemas.openxmlformats.org/drawingml/2006/main" xmlns:r="http://schemas.openxmlformats.org/officeDocument/2006/relationships">
   <c:date1904 val="0"/>
   <c:lang val="zh-CN"/>
   <c:roundedCorners val="0"/>
@@ -188,6 +172,7 @@
             </a:solidFill>
             <a:effectLst/>
           </c:spPr>
+          <c:explosion val="0"/>
           <c:dPt>
             <c:idx val="0"/>
             <c:bubble3D val="0"/>
@@ -200,11 +185,6 @@
               </a:ln>
               <a:effectLst/>
             </c:spPr>
-            <c:extLst>
-              <c:ext xmlns:c16="http://schemas.microsoft.com/office/drawing/2014/chart" uri="{C3380CC4-5D6E-409C-BE32-E72D297353CC}">
-                <c16:uniqueId val="{00000001-EA52-441C-BF7D-5AB38B793997}"/>
-              </c:ext>
-            </c:extLst>
           </c:dPt>
           <c:dPt>
             <c:idx val="1"/>
@@ -218,11 +198,6 @@
               </a:ln>
               <a:effectLst/>
             </c:spPr>
-            <c:extLst>
-              <c:ext xmlns:c16="http://schemas.microsoft.com/office/drawing/2014/chart" uri="{C3380CC4-5D6E-409C-BE32-E72D297353CC}">
-                <c16:uniqueId val="{00000003-EA52-441C-BF7D-5AB38B793997}"/>
-              </c:ext>
-            </c:extLst>
           </c:dPt>
           <c:dLbls>
             <c:delete val="1"/>
@@ -251,11 +226,6 @@
               </c:numCache>
             </c:numRef>
           </c:val>
-          <c:extLst>
-            <c:ext xmlns:c16="http://schemas.microsoft.com/office/drawing/2014/chart" uri="{C3380CC4-5D6E-409C-BE32-E72D297353CC}">
-              <c16:uniqueId val="{00000004-EA52-441C-BF7D-5AB38B793997}"/>
-            </c:ext>
-          </c:extLst>
         </c:ser>
         <c:dLbls>
           <c:showLegendKey val="0"/>
@@ -284,7 +254,6 @@
       <a:pPr>
         <a:defRPr lang="zh-CN" sz="1800"/>
       </a:pPr>
-      <a:endParaRPr lang="zh-CN"/>
     </a:p>
   </c:txPr>
   <c:externalData r:id="rId1">
@@ -375,7 +344,6 @@
           <a:p>
             <a:fld id="{43218A5A-203C-49E9-8525-81CD1D16CF10}" type="datetimeFigureOut">
               <a:rPr lang="zh-CN" altLang="en-US" smtClean="0"/>
-              <a:t>2020/12/29</a:t>
             </a:fld>
             <a:endParaRPr lang="zh-CN" altLang="en-US"/>
           </a:p>
@@ -442,6 +410,7 @@
               <a:rPr lang="zh-CN" altLang="en-US"/>
               <a:t>编辑母版文本样式</a:t>
             </a:r>
+            <a:endParaRPr lang="zh-CN" altLang="en-US"/>
           </a:p>
           <a:p>
             <a:pPr lvl="1"/>
@@ -449,6 +418,7 @@
               <a:rPr lang="zh-CN" altLang="en-US"/>
               <a:t>第二级</a:t>
             </a:r>
+            <a:endParaRPr lang="zh-CN" altLang="en-US"/>
           </a:p>
           <a:p>
             <a:pPr lvl="2"/>
@@ -456,6 +426,7 @@
               <a:rPr lang="zh-CN" altLang="en-US"/>
               <a:t>第三级</a:t>
             </a:r>
+            <a:endParaRPr lang="zh-CN" altLang="en-US"/>
           </a:p>
           <a:p>
             <a:pPr lvl="3"/>
@@ -463,6 +434,7 @@
               <a:rPr lang="zh-CN" altLang="en-US"/>
               <a:t>第四级</a:t>
             </a:r>
+            <a:endParaRPr lang="zh-CN" altLang="en-US"/>
           </a:p>
           <a:p>
             <a:pPr lvl="4"/>
@@ -470,6 +442,7 @@
               <a:rPr lang="zh-CN" altLang="en-US"/>
               <a:t>第五级</a:t>
             </a:r>
+            <a:endParaRPr lang="zh-CN" altLang="en-US"/>
           </a:p>
         </p:txBody>
       </p:sp>
@@ -533,18 +506,12 @@
           <a:p>
             <a:fld id="{90A6F1AA-0EE8-413B-B194-C87D188FAB8E}" type="slidenum">
               <a:rPr lang="zh-CN" altLang="en-US" smtClean="0"/>
-              <a:t>‹#›</a:t>
             </a:fld>
             <a:endParaRPr lang="zh-CN" altLang="en-US"/>
           </a:p>
         </p:txBody>
       </p:sp>
     </p:spTree>
-    <p:extLst>
-      <p:ext uri="{BB962C8B-B14F-4D97-AF65-F5344CB8AC3E}">
-        <p14:creationId xmlns:p14="http://schemas.microsoft.com/office/powerpoint/2010/main" val="1911188082"/>
-      </p:ext>
-    </p:extLst>
   </p:cSld>
   <p:clrMap bg1="lt1" tx1="dk1" bg2="lt2" tx2="dk2" accent1="accent1" accent2="accent2" accent3="accent3" accent4="accent4" accent5="accent5" accent6="accent6" hlink="hlink" folHlink="folHlink"/>
   <p:notesStyle>
@@ -707,18 +674,12 @@
           <a:p>
             <a:fld id="{90A6F1AA-0EE8-413B-B194-C87D188FAB8E}" type="slidenum">
               <a:rPr lang="zh-CN" altLang="en-US" smtClean="0"/>
-              <a:t>1</a:t>
             </a:fld>
             <a:endParaRPr lang="zh-CN" altLang="en-US"/>
           </a:p>
         </p:txBody>
       </p:sp>
     </p:spTree>
-    <p:extLst>
-      <p:ext uri="{BB962C8B-B14F-4D97-AF65-F5344CB8AC3E}">
-        <p14:creationId xmlns:p14="http://schemas.microsoft.com/office/powerpoint/2010/main" val="3499501094"/>
-      </p:ext>
-    </p:extLst>
   </p:cSld>
   <p:clrMapOvr>
     <a:masterClrMapping/>
@@ -791,18 +752,12 @@
           <a:p>
             <a:fld id="{90A6F1AA-0EE8-413B-B194-C87D188FAB8E}" type="slidenum">
               <a:rPr lang="zh-CN" altLang="en-US" smtClean="0"/>
-              <a:t>10</a:t>
             </a:fld>
             <a:endParaRPr lang="zh-CN" altLang="en-US"/>
           </a:p>
         </p:txBody>
       </p:sp>
     </p:spTree>
-    <p:extLst>
-      <p:ext uri="{BB962C8B-B14F-4D97-AF65-F5344CB8AC3E}">
-        <p14:creationId xmlns:p14="http://schemas.microsoft.com/office/powerpoint/2010/main" val="3283744161"/>
-      </p:ext>
-    </p:extLst>
   </p:cSld>
   <p:clrMapOvr>
     <a:masterClrMapping/>
@@ -887,7 +842,6 @@
               <a:buSzTx/>
               <a:buFontTx/>
               <a:buNone/>
-              <a:tabLst/>
               <a:defRPr/>
             </a:pPr>
             <a:fld id="{90A6F1AA-0EE8-413B-B194-C87D188FAB8E}" type="slidenum">
@@ -901,28 +855,10 @@
                 <a:effectLst/>
                 <a:uLnTx/>
                 <a:uFillTx/>
-                <a:latin typeface="等线"/>
-                <a:ea typeface="等线" panose="02010600030101010101" pitchFamily="2" charset="-122"/>
+                <a:latin typeface="等线" panose="02010600030101010101" charset="-122"/>
+                <a:ea typeface="等线" panose="02010600030101010101" charset="-122"/>
                 <a:cs typeface="+mn-cs"/>
               </a:rPr>
-              <a:pPr marL="0" marR="0" lvl="0" indent="0" algn="r" defTabSz="685800" rtl="0" eaLnBrk="1" fontAlgn="auto" latinLnBrk="0" hangingPunct="1">
-                <a:lnSpc>
-                  <a:spcPct val="100000"/>
-                </a:lnSpc>
-                <a:spcBef>
-                  <a:spcPts val="0"/>
-                </a:spcBef>
-                <a:spcAft>
-                  <a:spcPts val="0"/>
-                </a:spcAft>
-                <a:buClrTx/>
-                <a:buSzTx/>
-                <a:buFontTx/>
-                <a:buNone/>
-                <a:tabLst/>
-                <a:defRPr/>
-              </a:pPr>
-              <a:t>11</a:t>
             </a:fld>
             <a:endParaRPr kumimoji="0" lang="zh-CN" altLang="en-US" sz="1200" b="0" i="0" u="none" strike="noStrike" kern="1200" cap="none" spc="0" normalizeH="0" baseline="0" noProof="0">
               <a:ln>
@@ -934,19 +870,14 @@
               <a:effectLst/>
               <a:uLnTx/>
               <a:uFillTx/>
-              <a:latin typeface="等线"/>
-              <a:ea typeface="等线" panose="02010600030101010101" pitchFamily="2" charset="-122"/>
+              <a:latin typeface="等线" panose="02010600030101010101" charset="-122"/>
+              <a:ea typeface="等线" panose="02010600030101010101" charset="-122"/>
               <a:cs typeface="+mn-cs"/>
             </a:endParaRPr>
           </a:p>
         </p:txBody>
       </p:sp>
     </p:spTree>
-    <p:extLst>
-      <p:ext uri="{BB962C8B-B14F-4D97-AF65-F5344CB8AC3E}">
-        <p14:creationId xmlns:p14="http://schemas.microsoft.com/office/powerpoint/2010/main" val="319580168"/>
-      </p:ext>
-    </p:extLst>
   </p:cSld>
   <p:clrMapOvr>
     <a:masterClrMapping/>
@@ -1031,7 +962,6 @@
               <a:buSzTx/>
               <a:buFontTx/>
               <a:buNone/>
-              <a:tabLst/>
               <a:defRPr/>
             </a:pPr>
             <a:fld id="{90A6F1AA-0EE8-413B-B194-C87D188FAB8E}" type="slidenum">
@@ -1045,28 +975,10 @@
                 <a:effectLst/>
                 <a:uLnTx/>
                 <a:uFillTx/>
-                <a:latin typeface="等线"/>
-                <a:ea typeface="等线" panose="02010600030101010101" pitchFamily="2" charset="-122"/>
+                <a:latin typeface="等线" panose="02010600030101010101" charset="-122"/>
+                <a:ea typeface="等线" panose="02010600030101010101" charset="-122"/>
                 <a:cs typeface="+mn-cs"/>
               </a:rPr>
-              <a:pPr marL="0" marR="0" lvl="0" indent="0" algn="r" defTabSz="685800" rtl="0" eaLnBrk="1" fontAlgn="auto" latinLnBrk="0" hangingPunct="1">
-                <a:lnSpc>
-                  <a:spcPct val="100000"/>
-                </a:lnSpc>
-                <a:spcBef>
-                  <a:spcPts val="0"/>
-                </a:spcBef>
-                <a:spcAft>
-                  <a:spcPts val="0"/>
-                </a:spcAft>
-                <a:buClrTx/>
-                <a:buSzTx/>
-                <a:buFontTx/>
-                <a:buNone/>
-                <a:tabLst/>
-                <a:defRPr/>
-              </a:pPr>
-              <a:t>12</a:t>
             </a:fld>
             <a:endParaRPr kumimoji="0" lang="zh-CN" altLang="en-US" sz="1200" b="0" i="0" u="none" strike="noStrike" kern="1200" cap="none" spc="0" normalizeH="0" baseline="0" noProof="0">
               <a:ln>
@@ -1078,19 +990,14 @@
               <a:effectLst/>
               <a:uLnTx/>
               <a:uFillTx/>
-              <a:latin typeface="等线"/>
-              <a:ea typeface="等线" panose="02010600030101010101" pitchFamily="2" charset="-122"/>
+              <a:latin typeface="等线" panose="02010600030101010101" charset="-122"/>
+              <a:ea typeface="等线" panose="02010600030101010101" charset="-122"/>
               <a:cs typeface="+mn-cs"/>
             </a:endParaRPr>
           </a:p>
         </p:txBody>
       </p:sp>
     </p:spTree>
-    <p:extLst>
-      <p:ext uri="{BB962C8B-B14F-4D97-AF65-F5344CB8AC3E}">
-        <p14:creationId xmlns:p14="http://schemas.microsoft.com/office/powerpoint/2010/main" val="803767772"/>
-      </p:ext>
-    </p:extLst>
   </p:cSld>
   <p:clrMapOvr>
     <a:masterClrMapping/>
@@ -1163,18 +1070,12 @@
           <a:p>
             <a:fld id="{90A6F1AA-0EE8-413B-B194-C87D188FAB8E}" type="slidenum">
               <a:rPr lang="zh-CN" altLang="en-US" smtClean="0"/>
-              <a:t>13</a:t>
             </a:fld>
             <a:endParaRPr lang="zh-CN" altLang="en-US"/>
           </a:p>
         </p:txBody>
       </p:sp>
     </p:spTree>
-    <p:extLst>
-      <p:ext uri="{BB962C8B-B14F-4D97-AF65-F5344CB8AC3E}">
-        <p14:creationId xmlns:p14="http://schemas.microsoft.com/office/powerpoint/2010/main" val="687925594"/>
-      </p:ext>
-    </p:extLst>
   </p:cSld>
   <p:clrMapOvr>
     <a:masterClrMapping/>
@@ -1247,18 +1148,12 @@
           <a:p>
             <a:fld id="{90A6F1AA-0EE8-413B-B194-C87D188FAB8E}" type="slidenum">
               <a:rPr lang="zh-CN" altLang="en-US" smtClean="0"/>
-              <a:t>14</a:t>
             </a:fld>
             <a:endParaRPr lang="zh-CN" altLang="en-US"/>
           </a:p>
         </p:txBody>
       </p:sp>
     </p:spTree>
-    <p:extLst>
-      <p:ext uri="{BB962C8B-B14F-4D97-AF65-F5344CB8AC3E}">
-        <p14:creationId xmlns:p14="http://schemas.microsoft.com/office/powerpoint/2010/main" val="1363527614"/>
-      </p:ext>
-    </p:extLst>
   </p:cSld>
   <p:clrMapOvr>
     <a:masterClrMapping/>
@@ -1331,18 +1226,12 @@
           <a:p>
             <a:fld id="{90A6F1AA-0EE8-413B-B194-C87D188FAB8E}" type="slidenum">
               <a:rPr lang="zh-CN" altLang="en-US" smtClean="0"/>
-              <a:t>15</a:t>
             </a:fld>
             <a:endParaRPr lang="zh-CN" altLang="en-US"/>
           </a:p>
         </p:txBody>
       </p:sp>
     </p:spTree>
-    <p:extLst>
-      <p:ext uri="{BB962C8B-B14F-4D97-AF65-F5344CB8AC3E}">
-        <p14:creationId xmlns:p14="http://schemas.microsoft.com/office/powerpoint/2010/main" val="621040294"/>
-      </p:ext>
-    </p:extLst>
   </p:cSld>
   <p:clrMapOvr>
     <a:masterClrMapping/>
@@ -1415,18 +1304,12 @@
           <a:p>
             <a:fld id="{90A6F1AA-0EE8-413B-B194-C87D188FAB8E}" type="slidenum">
               <a:rPr lang="zh-CN" altLang="en-US" smtClean="0"/>
-              <a:t>16</a:t>
             </a:fld>
             <a:endParaRPr lang="zh-CN" altLang="en-US"/>
           </a:p>
         </p:txBody>
       </p:sp>
     </p:spTree>
-    <p:extLst>
-      <p:ext uri="{BB962C8B-B14F-4D97-AF65-F5344CB8AC3E}">
-        <p14:creationId xmlns:p14="http://schemas.microsoft.com/office/powerpoint/2010/main" val="1080562411"/>
-      </p:ext>
-    </p:extLst>
   </p:cSld>
   <p:clrMapOvr>
     <a:masterClrMapping/>
@@ -1499,18 +1382,12 @@
           <a:p>
             <a:fld id="{90A6F1AA-0EE8-413B-B194-C87D188FAB8E}" type="slidenum">
               <a:rPr lang="zh-CN" altLang="en-US" smtClean="0"/>
-              <a:t>17</a:t>
             </a:fld>
             <a:endParaRPr lang="zh-CN" altLang="en-US"/>
           </a:p>
         </p:txBody>
       </p:sp>
     </p:spTree>
-    <p:extLst>
-      <p:ext uri="{BB962C8B-B14F-4D97-AF65-F5344CB8AC3E}">
-        <p14:creationId xmlns:p14="http://schemas.microsoft.com/office/powerpoint/2010/main" val="2515669706"/>
-      </p:ext>
-    </p:extLst>
   </p:cSld>
   <p:clrMapOvr>
     <a:masterClrMapping/>
@@ -1583,18 +1460,12 @@
           <a:p>
             <a:fld id="{90A6F1AA-0EE8-413B-B194-C87D188FAB8E}" type="slidenum">
               <a:rPr lang="zh-CN" altLang="en-US" smtClean="0"/>
-              <a:t>18</a:t>
             </a:fld>
             <a:endParaRPr lang="zh-CN" altLang="en-US"/>
           </a:p>
         </p:txBody>
       </p:sp>
     </p:spTree>
-    <p:extLst>
-      <p:ext uri="{BB962C8B-B14F-4D97-AF65-F5344CB8AC3E}">
-        <p14:creationId xmlns:p14="http://schemas.microsoft.com/office/powerpoint/2010/main" val="1478852841"/>
-      </p:ext>
-    </p:extLst>
   </p:cSld>
   <p:clrMapOvr>
     <a:masterClrMapping/>
@@ -1667,18 +1538,12 @@
           <a:p>
             <a:fld id="{90A6F1AA-0EE8-413B-B194-C87D188FAB8E}" type="slidenum">
               <a:rPr lang="zh-CN" altLang="en-US" smtClean="0"/>
-              <a:t>19</a:t>
             </a:fld>
             <a:endParaRPr lang="zh-CN" altLang="en-US"/>
           </a:p>
         </p:txBody>
       </p:sp>
     </p:spTree>
-    <p:extLst>
-      <p:ext uri="{BB962C8B-B14F-4D97-AF65-F5344CB8AC3E}">
-        <p14:creationId xmlns:p14="http://schemas.microsoft.com/office/powerpoint/2010/main" val="2885484356"/>
-      </p:ext>
-    </p:extLst>
   </p:cSld>
   <p:clrMapOvr>
     <a:masterClrMapping/>
@@ -1751,18 +1616,12 @@
           <a:p>
             <a:fld id="{90A6F1AA-0EE8-413B-B194-C87D188FAB8E}" type="slidenum">
               <a:rPr lang="zh-CN" altLang="en-US" smtClean="0"/>
-              <a:t>2</a:t>
             </a:fld>
             <a:endParaRPr lang="zh-CN" altLang="en-US"/>
           </a:p>
         </p:txBody>
       </p:sp>
     </p:spTree>
-    <p:extLst>
-      <p:ext uri="{BB962C8B-B14F-4D97-AF65-F5344CB8AC3E}">
-        <p14:creationId xmlns:p14="http://schemas.microsoft.com/office/powerpoint/2010/main" val="1934561575"/>
-      </p:ext>
-    </p:extLst>
   </p:cSld>
   <p:clrMapOvr>
     <a:masterClrMapping/>
@@ -1835,18 +1694,12 @@
           <a:p>
             <a:fld id="{90A6F1AA-0EE8-413B-B194-C87D188FAB8E}" type="slidenum">
               <a:rPr lang="zh-CN" altLang="en-US" smtClean="0"/>
-              <a:t>20</a:t>
             </a:fld>
             <a:endParaRPr lang="zh-CN" altLang="en-US"/>
           </a:p>
         </p:txBody>
       </p:sp>
     </p:spTree>
-    <p:extLst>
-      <p:ext uri="{BB962C8B-B14F-4D97-AF65-F5344CB8AC3E}">
-        <p14:creationId xmlns:p14="http://schemas.microsoft.com/office/powerpoint/2010/main" val="2218660396"/>
-      </p:ext>
-    </p:extLst>
   </p:cSld>
   <p:clrMapOvr>
     <a:masterClrMapping/>
@@ -1931,7 +1784,6 @@
               <a:buSzTx/>
               <a:buFontTx/>
               <a:buNone/>
-              <a:tabLst/>
               <a:defRPr/>
             </a:pPr>
             <a:fld id="{90A6F1AA-0EE8-413B-B194-C87D188FAB8E}" type="slidenum">
@@ -1945,28 +1797,10 @@
                 <a:effectLst/>
                 <a:uLnTx/>
                 <a:uFillTx/>
-                <a:latin typeface="等线"/>
-                <a:ea typeface="等线" panose="02010600030101010101" pitchFamily="2" charset="-122"/>
+                <a:latin typeface="等线" panose="02010600030101010101" charset="-122"/>
+                <a:ea typeface="等线" panose="02010600030101010101" charset="-122"/>
                 <a:cs typeface="+mn-cs"/>
               </a:rPr>
-              <a:pPr marL="0" marR="0" lvl="0" indent="0" algn="r" defTabSz="685800" rtl="0" eaLnBrk="1" fontAlgn="auto" latinLnBrk="0" hangingPunct="1">
-                <a:lnSpc>
-                  <a:spcPct val="100000"/>
-                </a:lnSpc>
-                <a:spcBef>
-                  <a:spcPts val="0"/>
-                </a:spcBef>
-                <a:spcAft>
-                  <a:spcPts val="0"/>
-                </a:spcAft>
-                <a:buClrTx/>
-                <a:buSzTx/>
-                <a:buFontTx/>
-                <a:buNone/>
-                <a:tabLst/>
-                <a:defRPr/>
-              </a:pPr>
-              <a:t>21</a:t>
             </a:fld>
             <a:endParaRPr kumimoji="0" lang="zh-CN" altLang="en-US" sz="1200" b="0" i="0" u="none" strike="noStrike" kern="1200" cap="none" spc="0" normalizeH="0" baseline="0" noProof="0">
               <a:ln>
@@ -1978,19 +1812,14 @@
               <a:effectLst/>
               <a:uLnTx/>
               <a:uFillTx/>
-              <a:latin typeface="等线"/>
-              <a:ea typeface="等线" panose="02010600030101010101" pitchFamily="2" charset="-122"/>
+              <a:latin typeface="等线" panose="02010600030101010101" charset="-122"/>
+              <a:ea typeface="等线" panose="02010600030101010101" charset="-122"/>
               <a:cs typeface="+mn-cs"/>
             </a:endParaRPr>
           </a:p>
         </p:txBody>
       </p:sp>
     </p:spTree>
-    <p:extLst>
-      <p:ext uri="{BB962C8B-B14F-4D97-AF65-F5344CB8AC3E}">
-        <p14:creationId xmlns:p14="http://schemas.microsoft.com/office/powerpoint/2010/main" val="3028722324"/>
-      </p:ext>
-    </p:extLst>
   </p:cSld>
   <p:clrMapOvr>
     <a:masterClrMapping/>
@@ -2063,18 +1892,12 @@
           <a:p>
             <a:fld id="{90A6F1AA-0EE8-413B-B194-C87D188FAB8E}" type="slidenum">
               <a:rPr lang="zh-CN" altLang="en-US" smtClean="0"/>
-              <a:t>3</a:t>
             </a:fld>
             <a:endParaRPr lang="zh-CN" altLang="en-US"/>
           </a:p>
         </p:txBody>
       </p:sp>
     </p:spTree>
-    <p:extLst>
-      <p:ext uri="{BB962C8B-B14F-4D97-AF65-F5344CB8AC3E}">
-        <p14:creationId xmlns:p14="http://schemas.microsoft.com/office/powerpoint/2010/main" val="3778694145"/>
-      </p:ext>
-    </p:extLst>
   </p:cSld>
   <p:clrMapOvr>
     <a:masterClrMapping/>
@@ -2147,18 +1970,12 @@
           <a:p>
             <a:fld id="{90A6F1AA-0EE8-413B-B194-C87D188FAB8E}" type="slidenum">
               <a:rPr lang="zh-CN" altLang="en-US" smtClean="0"/>
-              <a:t>4</a:t>
             </a:fld>
             <a:endParaRPr lang="zh-CN" altLang="en-US"/>
           </a:p>
         </p:txBody>
       </p:sp>
     </p:spTree>
-    <p:extLst>
-      <p:ext uri="{BB962C8B-B14F-4D97-AF65-F5344CB8AC3E}">
-        <p14:creationId xmlns:p14="http://schemas.microsoft.com/office/powerpoint/2010/main" val="4205558094"/>
-      </p:ext>
-    </p:extLst>
   </p:cSld>
   <p:clrMapOvr>
     <a:masterClrMapping/>
@@ -2231,18 +2048,12 @@
           <a:p>
             <a:fld id="{90A6F1AA-0EE8-413B-B194-C87D188FAB8E}" type="slidenum">
               <a:rPr lang="zh-CN" altLang="en-US" smtClean="0"/>
-              <a:t>5</a:t>
             </a:fld>
             <a:endParaRPr lang="zh-CN" altLang="en-US"/>
           </a:p>
         </p:txBody>
       </p:sp>
     </p:spTree>
-    <p:extLst>
-      <p:ext uri="{BB962C8B-B14F-4D97-AF65-F5344CB8AC3E}">
-        <p14:creationId xmlns:p14="http://schemas.microsoft.com/office/powerpoint/2010/main" val="1406850503"/>
-      </p:ext>
-    </p:extLst>
   </p:cSld>
   <p:clrMapOvr>
     <a:masterClrMapping/>
@@ -2315,18 +2126,12 @@
           <a:p>
             <a:fld id="{90A6F1AA-0EE8-413B-B194-C87D188FAB8E}" type="slidenum">
               <a:rPr lang="zh-CN" altLang="en-US" smtClean="0"/>
-              <a:t>6</a:t>
             </a:fld>
             <a:endParaRPr lang="zh-CN" altLang="en-US"/>
           </a:p>
         </p:txBody>
       </p:sp>
     </p:spTree>
-    <p:extLst>
-      <p:ext uri="{BB962C8B-B14F-4D97-AF65-F5344CB8AC3E}">
-        <p14:creationId xmlns:p14="http://schemas.microsoft.com/office/powerpoint/2010/main" val="3801968314"/>
-      </p:ext>
-    </p:extLst>
   </p:cSld>
   <p:clrMapOvr>
     <a:masterClrMapping/>
@@ -2399,18 +2204,12 @@
           <a:p>
             <a:fld id="{90A6F1AA-0EE8-413B-B194-C87D188FAB8E}" type="slidenum">
               <a:rPr lang="zh-CN" altLang="en-US" smtClean="0"/>
-              <a:t>7</a:t>
             </a:fld>
             <a:endParaRPr lang="zh-CN" altLang="en-US"/>
           </a:p>
         </p:txBody>
       </p:sp>
     </p:spTree>
-    <p:extLst>
-      <p:ext uri="{BB962C8B-B14F-4D97-AF65-F5344CB8AC3E}">
-        <p14:creationId xmlns:p14="http://schemas.microsoft.com/office/powerpoint/2010/main" val="2608777366"/>
-      </p:ext>
-    </p:extLst>
   </p:cSld>
   <p:clrMapOvr>
     <a:masterClrMapping/>
@@ -2483,18 +2282,12 @@
           <a:p>
             <a:fld id="{90A6F1AA-0EE8-413B-B194-C87D188FAB8E}" type="slidenum">
               <a:rPr lang="zh-CN" altLang="en-US" smtClean="0"/>
-              <a:t>8</a:t>
             </a:fld>
             <a:endParaRPr lang="zh-CN" altLang="en-US"/>
           </a:p>
         </p:txBody>
       </p:sp>
     </p:spTree>
-    <p:extLst>
-      <p:ext uri="{BB962C8B-B14F-4D97-AF65-F5344CB8AC3E}">
-        <p14:creationId xmlns:p14="http://schemas.microsoft.com/office/powerpoint/2010/main" val="3792224689"/>
-      </p:ext>
-    </p:extLst>
   </p:cSld>
   <p:clrMapOvr>
     <a:masterClrMapping/>
@@ -2567,18 +2360,12 @@
           <a:p>
             <a:fld id="{90A6F1AA-0EE8-413B-B194-C87D188FAB8E}" type="slidenum">
               <a:rPr lang="zh-CN" altLang="en-US" smtClean="0"/>
-              <a:t>9</a:t>
             </a:fld>
             <a:endParaRPr lang="zh-CN" altLang="en-US"/>
           </a:p>
         </p:txBody>
       </p:sp>
     </p:spTree>
-    <p:extLst>
-      <p:ext uri="{BB962C8B-B14F-4D97-AF65-F5344CB8AC3E}">
-        <p14:creationId xmlns:p14="http://schemas.microsoft.com/office/powerpoint/2010/main" val="855822983"/>
-      </p:ext>
-    </p:extLst>
   </p:cSld>
   <p:clrMapOvr>
     <a:masterClrMapping/>
@@ -2608,13 +2395,13 @@
   <p:clrMapOvr>
     <a:masterClrMapping/>
   </p:clrMapOvr>
-  <mc:AlternateContent xmlns:mc="http://schemas.openxmlformats.org/markup-compatibility/2006" xmlns:p14="http://schemas.microsoft.com/office/powerpoint/2010/main">
-    <mc:Choice Requires="p14">
+  <mc:AlternateContent xmlns:mc="http://schemas.openxmlformats.org/markup-compatibility/2006">
+    <mc:Choice xmlns:p14="http://schemas.microsoft.com/office/powerpoint/2010/main" Requires="p14">
       <p:transition spd="med" p14:dur="700" advTm="3000">
         <p:push/>
       </p:transition>
     </mc:Choice>
-    <mc:Fallback xmlns="">
+    <mc:Fallback>
       <p:transition spd="med" advTm="3000">
         <p:push/>
       </p:transition>
@@ -2654,13 +2441,13 @@
   <p:sldLayoutIdLst>
     <p:sldLayoutId id="2147483649" r:id="rId1"/>
   </p:sldLayoutIdLst>
-  <mc:AlternateContent xmlns:mc="http://schemas.openxmlformats.org/markup-compatibility/2006" xmlns:p14="http://schemas.microsoft.com/office/powerpoint/2010/main">
-    <mc:Choice Requires="p14">
+  <mc:AlternateContent xmlns:mc="http://schemas.openxmlformats.org/markup-compatibility/2006">
+    <mc:Choice xmlns:p14="http://schemas.microsoft.com/office/powerpoint/2010/main" Requires="p14">
       <p:transition spd="med" p14:dur="700" advTm="3000">
         <p:push/>
       </p:transition>
     </mc:Choice>
-    <mc:Fallback xmlns="">
+    <mc:Fallback>
       <p:transition spd="med" advTm="3000">
         <p:push/>
       </p:transition>
@@ -2968,20 +2755,14 @@
       </p:grpSpPr>
       <p:pic>
         <p:nvPicPr>
-          <p:cNvPr id="12" name="图片 11">
-            <a:extLst>
-              <a:ext uri="{FF2B5EF4-FFF2-40B4-BE49-F238E27FC236}">
-                <a16:creationId xmlns:a16="http://schemas.microsoft.com/office/drawing/2014/main" id="{0F6C9FAF-C78D-4046-8005-6EA8C309BEE9}"/>
-              </a:ext>
-            </a:extLst>
-          </p:cNvPr>
+          <p:cNvPr id="12" name="图片 11"/>
           <p:cNvPicPr>
             <a:picLocks noChangeAspect="1"/>
           </p:cNvPicPr>
           <p:nvPr/>
         </p:nvPicPr>
         <p:blipFill rotWithShape="1">
-          <a:blip r:embed="rId4" cstate="print">
+          <a:blip r:embed="rId1" cstate="print">
             <a:extLst>
               <a:ext uri="{28A0092B-C50C-407E-A947-70E740481C1C}">
                 <a14:useLocalDpi xmlns:a14="http://schemas.microsoft.com/office/drawing/2010/main" val="0"/>
@@ -2989,7 +2770,9 @@
             </a:extLst>
           </a:blip>
           <a:srcRect l="7832" r="7832"/>
-          <a:stretch/>
+          <a:stretch>
+            <a:fillRect/>
+          </a:stretch>
         </p:blipFill>
         <p:spPr>
           <a:xfrm rot="16200000">
@@ -3408,23 +3191,21 @@
             <a:pPr algn="ctr"/>
             <a:r>
               <a:rPr lang="en-US" altLang="zh-CN" sz="1200" dirty="0">
-                <a:latin typeface="华文细黑" pitchFamily="2" charset="-122"/>
-                <a:ea typeface="华文细黑" pitchFamily="2" charset="-122"/>
+                <a:latin typeface="华文细黑" panose="02010600040101010101" pitchFamily="2" charset="-122"/>
+                <a:ea typeface="华文细黑" panose="02010600040101010101" pitchFamily="2" charset="-122"/>
               </a:rPr>
               <a:t>Welcome change and be brave and innovative </a:t>
             </a:r>
+            <a:endParaRPr lang="en-US" altLang="zh-CN" sz="1200" dirty="0">
+              <a:latin typeface="华文细黑" panose="02010600040101010101" pitchFamily="2" charset="-122"/>
+              <a:ea typeface="华文细黑" panose="02010600040101010101" pitchFamily="2" charset="-122"/>
+            </a:endParaRPr>
           </a:p>
         </p:txBody>
       </p:sp>
       <p:grpSp>
         <p:nvGrpSpPr>
-          <p:cNvPr id="9" name="组合 8">
-            <a:extLst>
-              <a:ext uri="{FF2B5EF4-FFF2-40B4-BE49-F238E27FC236}">
-                <a16:creationId xmlns:a16="http://schemas.microsoft.com/office/drawing/2014/main" id="{884CB751-D07D-4223-B931-C3D714FE6033}"/>
-              </a:ext>
-            </a:extLst>
-          </p:cNvPr>
+          <p:cNvPr id="9" name="组合 8"/>
           <p:cNvGrpSpPr/>
           <p:nvPr/>
         </p:nvGrpSpPr>
@@ -3525,89 +3306,88 @@
                 </a:pPr>
                 <a:r>
                   <a:rPr lang="zh-CN" altLang="en-US" sz="1100" dirty="0">
-                    <a:latin typeface="Verdana" pitchFamily="34" charset="0"/>
-                    <a:ea typeface="微软雅黑" pitchFamily="34" charset="-122"/>
-                    <a:sym typeface="微软雅黑" pitchFamily="34" charset="-122"/>
+                    <a:latin typeface="Verdana" panose="020B0604030504040204" pitchFamily="34" charset="0"/>
+                    <a:ea typeface="微软雅黑" panose="020B0503020204020204" pitchFamily="34" charset="-122"/>
+                    <a:sym typeface="微软雅黑" panose="020B0503020204020204" pitchFamily="34" charset="-122"/>
                   </a:rPr>
                   <a:t>功能介绍</a:t>
                 </a:r>
                 <a:r>
                   <a:rPr lang="en-US" altLang="zh-CN" sz="1100" dirty="0">
-                    <a:latin typeface="Verdana" pitchFamily="34" charset="0"/>
-                    <a:ea typeface="微软雅黑" pitchFamily="34" charset="-122"/>
-                    <a:sym typeface="微软雅黑" pitchFamily="34" charset="-122"/>
+                    <a:latin typeface="Verdana" panose="020B0604030504040204" pitchFamily="34" charset="0"/>
+                    <a:ea typeface="微软雅黑" panose="020B0503020204020204" pitchFamily="34" charset="-122"/>
+                    <a:sym typeface="微软雅黑" panose="020B0503020204020204" pitchFamily="34" charset="-122"/>
                   </a:rPr>
                   <a:t>| </a:t>
                 </a:r>
                 <a:r>
                   <a:rPr lang="zh-CN" altLang="en-US" sz="1100" dirty="0">
-                    <a:latin typeface="Verdana" pitchFamily="34" charset="0"/>
-                    <a:ea typeface="微软雅黑" pitchFamily="34" charset="-122"/>
-                    <a:sym typeface="微软雅黑" pitchFamily="34" charset="-122"/>
+                    <a:latin typeface="Verdana" panose="020B0604030504040204" pitchFamily="34" charset="0"/>
+                    <a:ea typeface="微软雅黑" panose="020B0503020204020204" pitchFamily="34" charset="-122"/>
+                    <a:sym typeface="微软雅黑" panose="020B0503020204020204" pitchFamily="34" charset="-122"/>
                   </a:rPr>
                   <a:t>技术难点</a:t>
                 </a:r>
                 <a:r>
                   <a:rPr lang="en-US" altLang="zh-CN" sz="1100" dirty="0">
-                    <a:latin typeface="Verdana" pitchFamily="34" charset="0"/>
-                    <a:ea typeface="微软雅黑" pitchFamily="34" charset="-122"/>
-                    <a:sym typeface="微软雅黑" pitchFamily="34" charset="-122"/>
+                    <a:latin typeface="Verdana" panose="020B0604030504040204" pitchFamily="34" charset="0"/>
+                    <a:ea typeface="微软雅黑" panose="020B0503020204020204" pitchFamily="34" charset="-122"/>
+                    <a:sym typeface="微软雅黑" panose="020B0503020204020204" pitchFamily="34" charset="-122"/>
                   </a:rPr>
                   <a:t>|</a:t>
                 </a:r>
                 <a:r>
                   <a:rPr lang="zh-CN" altLang="en-US" sz="1100" dirty="0">
-                    <a:latin typeface="Verdana" pitchFamily="34" charset="0"/>
-                    <a:ea typeface="微软雅黑" pitchFamily="34" charset="-122"/>
-                    <a:sym typeface="微软雅黑" pitchFamily="34" charset="-122"/>
+                    <a:latin typeface="Verdana" panose="020B0604030504040204" pitchFamily="34" charset="0"/>
+                    <a:ea typeface="微软雅黑" panose="020B0503020204020204" pitchFamily="34" charset="-122"/>
+                    <a:sym typeface="微软雅黑" panose="020B0503020204020204" pitchFamily="34" charset="-122"/>
                   </a:rPr>
                   <a:t>用户体验 </a:t>
                 </a:r>
                 <a:r>
                   <a:rPr lang="en-US" altLang="zh-CN" sz="1100" dirty="0">
-                    <a:latin typeface="Verdana" pitchFamily="34" charset="0"/>
-                    <a:ea typeface="微软雅黑" pitchFamily="34" charset="-122"/>
-                    <a:sym typeface="微软雅黑" pitchFamily="34" charset="-122"/>
+                    <a:latin typeface="Verdana" panose="020B0604030504040204" pitchFamily="34" charset="0"/>
+                    <a:ea typeface="微软雅黑" panose="020B0503020204020204" pitchFamily="34" charset="-122"/>
+                    <a:sym typeface="微软雅黑" panose="020B0503020204020204" pitchFamily="34" charset="-122"/>
                   </a:rPr>
                   <a:t>| </a:t>
                 </a:r>
                 <a:r>
                   <a:rPr lang="zh-CN" altLang="en-US" sz="1100" dirty="0">
-                    <a:latin typeface="Verdana" pitchFamily="34" charset="0"/>
-                    <a:ea typeface="微软雅黑" pitchFamily="34" charset="-122"/>
-                    <a:sym typeface="微软雅黑" pitchFamily="34" charset="-122"/>
+                    <a:latin typeface="Verdana" panose="020B0604030504040204" pitchFamily="34" charset="0"/>
+                    <a:ea typeface="微软雅黑" panose="020B0503020204020204" pitchFamily="34" charset="-122"/>
+                    <a:sym typeface="微软雅黑" panose="020B0503020204020204" pitchFamily="34" charset="-122"/>
                   </a:rPr>
                   <a:t>改进更新</a:t>
                 </a:r>
                 <a:r>
                   <a:rPr lang="en-US" altLang="zh-CN" sz="1100" dirty="0">
-                    <a:latin typeface="Verdana" pitchFamily="34" charset="0"/>
-                    <a:ea typeface="微软雅黑" pitchFamily="34" charset="-122"/>
-                    <a:sym typeface="微软雅黑" pitchFamily="34" charset="-122"/>
+                    <a:latin typeface="Verdana" panose="020B0604030504040204" pitchFamily="34" charset="0"/>
+                    <a:ea typeface="微软雅黑" panose="020B0503020204020204" pitchFamily="34" charset="-122"/>
+                    <a:sym typeface="微软雅黑" panose="020B0503020204020204" pitchFamily="34" charset="-122"/>
                   </a:rPr>
                   <a:t>| </a:t>
                 </a:r>
                 <a:r>
                   <a:rPr lang="zh-CN" altLang="en-US" sz="1100" dirty="0">
-                    <a:latin typeface="Verdana" pitchFamily="34" charset="0"/>
-                    <a:ea typeface="微软雅黑" pitchFamily="34" charset="-122"/>
-                    <a:sym typeface="微软雅黑" pitchFamily="34" charset="-122"/>
+                    <a:latin typeface="Verdana" panose="020B0604030504040204" pitchFamily="34" charset="0"/>
+                    <a:ea typeface="微软雅黑" panose="020B0503020204020204" pitchFamily="34" charset="-122"/>
+                    <a:sym typeface="微软雅黑" panose="020B0503020204020204" pitchFamily="34" charset="-122"/>
                   </a:rPr>
                   <a:t>分工说明</a:t>
                 </a:r>
+                <a:endParaRPr lang="zh-CN" altLang="en-US" sz="1100" dirty="0">
+                  <a:latin typeface="Verdana" panose="020B0604030504040204" pitchFamily="34" charset="0"/>
+                  <a:ea typeface="微软雅黑" panose="020B0503020204020204" pitchFamily="34" charset="-122"/>
+                  <a:sym typeface="微软雅黑" panose="020B0503020204020204" pitchFamily="34" charset="-122"/>
+                </a:endParaRPr>
               </a:p>
             </p:txBody>
           </p:sp>
         </p:grpSp>
         <p:sp>
           <p:nvSpPr>
-            <p:cNvPr id="20" name="矩形 19">
-              <a:extLst>
-                <a:ext uri="{FF2B5EF4-FFF2-40B4-BE49-F238E27FC236}">
-                  <a16:creationId xmlns:a16="http://schemas.microsoft.com/office/drawing/2014/main" id="{BA759070-9F64-4CDE-A32C-B8823C137383}"/>
-                </a:ext>
-              </a:extLst>
-            </p:cNvPr>
+            <p:cNvPr id="20" name="矩形 19"/>
             <p:cNvSpPr/>
             <p:nvPr/>
           </p:nvSpPr>
@@ -3661,7 +3441,7 @@
           <p:nvPr/>
         </p:nvPicPr>
         <p:blipFill>
-          <a:blip r:embed="rId5" cstate="print">
+          <a:blip r:embed="rId2" cstate="print">
             <a:extLst>
               <a:ext uri="{28A0092B-C50C-407E-A947-70E740481C1C}">
                 <a14:useLocalDpi xmlns:a14="http://schemas.microsoft.com/office/drawing/2010/main" val="0"/>
@@ -3684,13 +3464,7 @@
       </p:pic>
       <p:sp>
         <p:nvSpPr>
-          <p:cNvPr id="6" name="文本框 5">
-            <a:extLst>
-              <a:ext uri="{FF2B5EF4-FFF2-40B4-BE49-F238E27FC236}">
-                <a16:creationId xmlns:a16="http://schemas.microsoft.com/office/drawing/2014/main" id="{B9E55B91-54C8-47E6-87AB-3396ACC5C2C4}"/>
-              </a:ext>
-            </a:extLst>
-          </p:cNvPr>
+          <p:cNvPr id="6" name="文本框 5"/>
           <p:cNvSpPr txBox="1"/>
           <p:nvPr/>
         </p:nvSpPr>
@@ -3760,24 +3534,28 @@
               </a:rPr>
               <a:t>柯俊炜 </a:t>
             </a:r>
+            <a:endParaRPr lang="zh-CN" altLang="en-US" dirty="0">
+              <a:latin typeface="微软雅黑" panose="020B0503020204020204" pitchFamily="34" charset="-122"/>
+              <a:ea typeface="微软雅黑" panose="020B0503020204020204" pitchFamily="34" charset="-122"/>
+            </a:endParaRPr>
           </a:p>
         </p:txBody>
       </p:sp>
     </p:spTree>
     <p:custDataLst>
-      <p:tags r:id="rId1"/>
+      <p:tags r:id="rId3"/>
     </p:custDataLst>
   </p:cSld>
   <p:clrMapOvr>
     <a:masterClrMapping/>
   </p:clrMapOvr>
-  <mc:AlternateContent xmlns:mc="http://schemas.openxmlformats.org/markup-compatibility/2006" xmlns:p14="http://schemas.microsoft.com/office/powerpoint/2010/main">
-    <mc:Choice Requires="p14">
+  <mc:AlternateContent xmlns:mc="http://schemas.openxmlformats.org/markup-compatibility/2006">
+    <mc:Choice xmlns:p14="http://schemas.microsoft.com/office/powerpoint/2010/main" Requires="p14">
       <p:transition spd="med" p14:dur="700" advTm="3000">
         <p:push/>
       </p:transition>
     </mc:Choice>
-    <mc:Fallback xmlns="">
+    <mc:Fallback>
       <p:transition spd="med" advTm="3000">
         <p:push/>
       </p:transition>
@@ -3805,20 +3583,14 @@
       </p:grpSpPr>
       <p:pic>
         <p:nvPicPr>
-          <p:cNvPr id="25" name="图片 24">
-            <a:extLst>
-              <a:ext uri="{FF2B5EF4-FFF2-40B4-BE49-F238E27FC236}">
-                <a16:creationId xmlns:a16="http://schemas.microsoft.com/office/drawing/2014/main" id="{27EB7D94-E491-4555-8C97-BB9B4BCFDDAA}"/>
-              </a:ext>
-            </a:extLst>
-          </p:cNvPr>
+          <p:cNvPr id="25" name="图片 24"/>
           <p:cNvPicPr>
             <a:picLocks noChangeAspect="1"/>
           </p:cNvPicPr>
           <p:nvPr/>
         </p:nvPicPr>
         <p:blipFill>
-          <a:blip r:embed="rId3" cstate="print">
+          <a:blip r:embed="rId1" cstate="print">
             <a:extLst>
               <a:ext uri="{28A0092B-C50C-407E-A947-70E740481C1C}">
                 <a14:useLocalDpi xmlns:a14="http://schemas.microsoft.com/office/drawing/2010/main" val="0"/>
@@ -3841,13 +3613,7 @@
       </p:pic>
       <p:sp>
         <p:nvSpPr>
-          <p:cNvPr id="24" name="Freeform 73">
-            <a:extLst>
-              <a:ext uri="{FF2B5EF4-FFF2-40B4-BE49-F238E27FC236}">
-                <a16:creationId xmlns:a16="http://schemas.microsoft.com/office/drawing/2014/main" id="{A8919703-FE02-4E98-B3DA-D22A995217A6}"/>
-              </a:ext>
-            </a:extLst>
-          </p:cNvPr>
+          <p:cNvPr id="24" name="Freeform 73"/>
           <p:cNvSpPr/>
           <p:nvPr/>
         </p:nvSpPr>
@@ -3877,7 +3643,7 @@
           <a:bodyPr vert="horz" wrap="square" lIns="121920" tIns="60960" rIns="121920" bIns="60960" numCol="1" anchor="t" anchorCtr="0" compatLnSpc="1"/>
           <a:lstStyle/>
           <a:p>
-            <a:pPr defTabSz="913924"/>
+            <a:pPr defTabSz="913765"/>
             <a:endParaRPr lang="zh-CN" altLang="en-US" sz="1800" kern="0">
               <a:solidFill>
                 <a:sysClr val="windowText" lastClr="000000"/>
@@ -3942,7 +3708,7 @@
             <a:bodyPr vert="horz" wrap="square" lIns="121920" tIns="60960" rIns="121920" bIns="60960" numCol="1" anchor="t" anchorCtr="0" compatLnSpc="1"/>
             <a:lstStyle/>
             <a:p>
-              <a:pPr defTabSz="913924"/>
+              <a:pPr defTabSz="913765"/>
               <a:endParaRPr lang="zh-CN" altLang="en-US" sz="1800" kern="0">
                 <a:solidFill>
                   <a:sysClr val="windowText" lastClr="000000"/>
@@ -3987,7 +3753,7 @@
               </a:bodyPr>
               <a:lstStyle/>
               <a:p>
-                <a:pPr algn="ctr" defTabSz="913924"/>
+                <a:pPr algn="ctr" defTabSz="913765"/>
                 <a:r>
                   <a:rPr lang="en-US" altLang="zh-CN" sz="1800" kern="0" dirty="0">
                     <a:solidFill>
@@ -3998,6 +3764,13 @@
                   </a:rPr>
                   <a:t>Contents</a:t>
                 </a:r>
+                <a:endParaRPr lang="en-US" altLang="zh-CN" sz="1800" kern="0" dirty="0">
+                  <a:solidFill>
+                    <a:schemeClr val="bg1"/>
+                  </a:solidFill>
+                  <a:latin typeface="微软雅黑" panose="020B0503020204020204" pitchFamily="34" charset="-122"/>
+                  <a:ea typeface="微软雅黑" panose="020B0503020204020204" pitchFamily="34" charset="-122"/>
+                </a:endParaRPr>
               </a:p>
             </p:txBody>
           </p:sp>
@@ -4022,7 +3795,7 @@
               </a:bodyPr>
               <a:lstStyle/>
               <a:p>
-                <a:pPr algn="ctr" defTabSz="913924"/>
+                <a:pPr algn="ctr" defTabSz="913765"/>
                 <a:r>
                   <a:rPr lang="en-US" altLang="zh-CN" sz="4000" b="1" kern="0" dirty="0">
                     <a:solidFill>
@@ -4101,13 +3874,13 @@
   <p:clrMapOvr>
     <a:masterClrMapping/>
   </p:clrMapOvr>
-  <mc:AlternateContent xmlns:mc="http://schemas.openxmlformats.org/markup-compatibility/2006" xmlns:p14="http://schemas.microsoft.com/office/powerpoint/2010/main">
-    <mc:Choice Requires="p14">
+  <mc:AlternateContent xmlns:mc="http://schemas.openxmlformats.org/markup-compatibility/2006">
+    <mc:Choice xmlns:p14="http://schemas.microsoft.com/office/powerpoint/2010/main" Requires="p14">
       <p:transition spd="med" p14:dur="700" advTm="3000">
         <p:push/>
       </p:transition>
     </mc:Choice>
-    <mc:Fallback xmlns="">
+    <mc:Fallback>
       <p:transition spd="med" advTm="3000">
         <p:push/>
       </p:transition>
@@ -4227,7 +4000,7 @@
           <p:nvPr/>
         </p:nvPicPr>
         <p:blipFill>
-          <a:blip r:embed="rId3" cstate="print">
+          <a:blip r:embed="rId1" cstate="print">
             <a:extLst>
               <a:ext uri="{28A0092B-C50C-407E-A947-70E740481C1C}">
                 <a14:useLocalDpi xmlns:a14="http://schemas.microsoft.com/office/drawing/2010/main" val="0"/>
@@ -4250,13 +4023,7 @@
       </p:pic>
       <p:sp>
         <p:nvSpPr>
-          <p:cNvPr id="30" name="文本框 2">
-            <a:extLst>
-              <a:ext uri="{FF2B5EF4-FFF2-40B4-BE49-F238E27FC236}">
-                <a16:creationId xmlns:a16="http://schemas.microsoft.com/office/drawing/2014/main" id="{9B30BF44-F535-4129-8859-D08B8641F7A1}"/>
-              </a:ext>
-            </a:extLst>
-          </p:cNvPr>
+          <p:cNvPr id="30" name="文本框 2"/>
           <p:cNvSpPr txBox="1"/>
           <p:nvPr/>
         </p:nvSpPr>
@@ -4290,7 +4057,6 @@
               <a:buSzTx/>
               <a:buFontTx/>
               <a:buNone/>
-              <a:tabLst/>
               <a:defRPr/>
             </a:pPr>
             <a:r>
@@ -4310,25 +4076,33 @@
               </a:rPr>
               <a:t>产品测试</a:t>
             </a:r>
+            <a:endParaRPr kumimoji="0" lang="zh-CN" altLang="en-US" sz="1800" b="1" i="0" u="none" strike="noStrike" kern="1200" cap="none" spc="0" normalizeH="0" baseline="0" noProof="0" dirty="0">
+              <a:ln>
+                <a:noFill/>
+              </a:ln>
+              <a:solidFill>
+                <a:srgbClr val="000000"/>
+              </a:solidFill>
+              <a:effectLst/>
+              <a:uLnTx/>
+              <a:uFillTx/>
+              <a:latin typeface="微软雅黑" panose="020B0503020204020204" pitchFamily="34" charset="-122"/>
+              <a:ea typeface="微软雅黑" panose="020B0503020204020204" pitchFamily="34" charset="-122"/>
+              <a:cs typeface="+mn-cs"/>
+            </a:endParaRPr>
           </a:p>
         </p:txBody>
       </p:sp>
       <p:pic>
         <p:nvPicPr>
-          <p:cNvPr id="3" name="图片 2">
-            <a:extLst>
-              <a:ext uri="{FF2B5EF4-FFF2-40B4-BE49-F238E27FC236}">
-                <a16:creationId xmlns:a16="http://schemas.microsoft.com/office/drawing/2014/main" id="{1076915B-591C-4965-A3F2-E643E8246811}"/>
-              </a:ext>
-            </a:extLst>
-          </p:cNvPr>
+          <p:cNvPr id="3" name="图片 2"/>
           <p:cNvPicPr>
             <a:picLocks noChangeAspect="1"/>
           </p:cNvPicPr>
           <p:nvPr/>
         </p:nvPicPr>
         <p:blipFill>
-          <a:blip r:embed="rId4"/>
+          <a:blip r:embed="rId2"/>
           <a:stretch>
             <a:fillRect/>
           </a:stretch>
@@ -4344,22 +4118,17 @@
         </p:spPr>
       </p:pic>
     </p:spTree>
-    <p:extLst>
-      <p:ext uri="{BB962C8B-B14F-4D97-AF65-F5344CB8AC3E}">
-        <p14:creationId xmlns:p14="http://schemas.microsoft.com/office/powerpoint/2010/main" val="3140016812"/>
-      </p:ext>
-    </p:extLst>
   </p:cSld>
   <p:clrMapOvr>
     <a:masterClrMapping/>
   </p:clrMapOvr>
-  <mc:AlternateContent xmlns:mc="http://schemas.openxmlformats.org/markup-compatibility/2006" xmlns:p14="http://schemas.microsoft.com/office/powerpoint/2010/main">
-    <mc:Choice Requires="p14">
+  <mc:AlternateContent xmlns:mc="http://schemas.openxmlformats.org/markup-compatibility/2006">
+    <mc:Choice xmlns:p14="http://schemas.microsoft.com/office/powerpoint/2010/main" Requires="p14">
       <p:transition spd="med" p14:dur="700" advTm="3000">
         <p:push/>
       </p:transition>
     </mc:Choice>
-    <mc:Fallback xmlns="">
+    <mc:Fallback>
       <p:transition spd="med" advTm="3000">
         <p:push/>
       </p:transition>
@@ -4479,7 +4248,7 @@
           <p:nvPr/>
         </p:nvPicPr>
         <p:blipFill>
-          <a:blip r:embed="rId3" cstate="print">
+          <a:blip r:embed="rId1" cstate="print">
             <a:extLst>
               <a:ext uri="{28A0092B-C50C-407E-A947-70E740481C1C}">
                 <a14:useLocalDpi xmlns:a14="http://schemas.microsoft.com/office/drawing/2010/main" val="0"/>
@@ -4502,13 +4271,7 @@
       </p:pic>
       <p:sp>
         <p:nvSpPr>
-          <p:cNvPr id="30" name="文本框 2">
-            <a:extLst>
-              <a:ext uri="{FF2B5EF4-FFF2-40B4-BE49-F238E27FC236}">
-                <a16:creationId xmlns:a16="http://schemas.microsoft.com/office/drawing/2014/main" id="{9B30BF44-F535-4129-8859-D08B8641F7A1}"/>
-              </a:ext>
-            </a:extLst>
-          </p:cNvPr>
+          <p:cNvPr id="30" name="文本框 2"/>
           <p:cNvSpPr txBox="1"/>
           <p:nvPr/>
         </p:nvSpPr>
@@ -4542,7 +4305,6 @@
               <a:buSzTx/>
               <a:buFontTx/>
               <a:buNone/>
-              <a:tabLst/>
               <a:defRPr/>
             </a:pPr>
             <a:r>
@@ -4562,25 +4324,33 @@
               </a:rPr>
               <a:t>产品测试</a:t>
             </a:r>
+            <a:endParaRPr kumimoji="0" lang="zh-CN" altLang="en-US" sz="1800" b="1" i="0" u="none" strike="noStrike" kern="1200" cap="none" spc="0" normalizeH="0" baseline="0" noProof="0" dirty="0">
+              <a:ln>
+                <a:noFill/>
+              </a:ln>
+              <a:solidFill>
+                <a:srgbClr val="000000"/>
+              </a:solidFill>
+              <a:effectLst/>
+              <a:uLnTx/>
+              <a:uFillTx/>
+              <a:latin typeface="微软雅黑" panose="020B0503020204020204" pitchFamily="34" charset="-122"/>
+              <a:ea typeface="微软雅黑" panose="020B0503020204020204" pitchFamily="34" charset="-122"/>
+              <a:cs typeface="+mn-cs"/>
+            </a:endParaRPr>
           </a:p>
         </p:txBody>
       </p:sp>
       <p:pic>
         <p:nvPicPr>
-          <p:cNvPr id="4" name="图片 3">
-            <a:extLst>
-              <a:ext uri="{FF2B5EF4-FFF2-40B4-BE49-F238E27FC236}">
-                <a16:creationId xmlns:a16="http://schemas.microsoft.com/office/drawing/2014/main" id="{4C34540D-2BE5-4C29-BA61-21185707B77C}"/>
-              </a:ext>
-            </a:extLst>
-          </p:cNvPr>
+          <p:cNvPr id="4" name="图片 3"/>
           <p:cNvPicPr>
             <a:picLocks noChangeAspect="1"/>
           </p:cNvPicPr>
           <p:nvPr/>
         </p:nvPicPr>
         <p:blipFill>
-          <a:blip r:embed="rId4"/>
+          <a:blip r:embed="rId2"/>
           <a:stretch>
             <a:fillRect/>
           </a:stretch>
@@ -4596,22 +4366,17 @@
         </p:spPr>
       </p:pic>
     </p:spTree>
-    <p:extLst>
-      <p:ext uri="{BB962C8B-B14F-4D97-AF65-F5344CB8AC3E}">
-        <p14:creationId xmlns:p14="http://schemas.microsoft.com/office/powerpoint/2010/main" val="2934945710"/>
-      </p:ext>
-    </p:extLst>
   </p:cSld>
   <p:clrMapOvr>
     <a:masterClrMapping/>
   </p:clrMapOvr>
-  <mc:AlternateContent xmlns:mc="http://schemas.openxmlformats.org/markup-compatibility/2006" xmlns:p14="http://schemas.microsoft.com/office/powerpoint/2010/main">
-    <mc:Choice Requires="p14">
+  <mc:AlternateContent xmlns:mc="http://schemas.openxmlformats.org/markup-compatibility/2006">
+    <mc:Choice xmlns:p14="http://schemas.microsoft.com/office/powerpoint/2010/main" Requires="p14">
       <p:transition spd="med" p14:dur="700" advTm="3000">
         <p:push/>
       </p:transition>
     </mc:Choice>
-    <mc:Fallback xmlns="">
+    <mc:Fallback>
       <p:transition spd="med" advTm="3000">
         <p:push/>
       </p:transition>
@@ -4731,7 +4496,7 @@
           <p:nvPr/>
         </p:nvPicPr>
         <p:blipFill>
-          <a:blip r:embed="rId3" cstate="print">
+          <a:blip r:embed="rId1" cstate="print">
             <a:extLst>
               <a:ext uri="{28A0092B-C50C-407E-A947-70E740481C1C}">
                 <a14:useLocalDpi xmlns:a14="http://schemas.microsoft.com/office/drawing/2010/main" val="0"/>
@@ -4754,13 +4519,7 @@
       </p:pic>
       <p:sp>
         <p:nvSpPr>
-          <p:cNvPr id="30" name="文本框 2">
-            <a:extLst>
-              <a:ext uri="{FF2B5EF4-FFF2-40B4-BE49-F238E27FC236}">
-                <a16:creationId xmlns:a16="http://schemas.microsoft.com/office/drawing/2014/main" id="{9B30BF44-F535-4129-8859-D08B8641F7A1}"/>
-              </a:ext>
-            </a:extLst>
-          </p:cNvPr>
+          <p:cNvPr id="30" name="文本框 2"/>
           <p:cNvSpPr txBox="1"/>
           <p:nvPr/>
         </p:nvSpPr>
@@ -4788,25 +4547,23 @@
               </a:rPr>
               <a:t>产品测试</a:t>
             </a:r>
+            <a:endParaRPr lang="zh-CN" altLang="en-US" sz="1800" b="1" dirty="0">
+              <a:latin typeface="微软雅黑" panose="020B0503020204020204" pitchFamily="34" charset="-122"/>
+              <a:ea typeface="微软雅黑" panose="020B0503020204020204" pitchFamily="34" charset="-122"/>
+            </a:endParaRPr>
           </a:p>
         </p:txBody>
       </p:sp>
       <p:pic>
         <p:nvPicPr>
-          <p:cNvPr id="5" name="图片 4">
-            <a:extLst>
-              <a:ext uri="{FF2B5EF4-FFF2-40B4-BE49-F238E27FC236}">
-                <a16:creationId xmlns:a16="http://schemas.microsoft.com/office/drawing/2014/main" id="{4790E95F-16B4-44A1-9B11-9F556EA21A3C}"/>
-              </a:ext>
-            </a:extLst>
-          </p:cNvPr>
+          <p:cNvPr id="5" name="图片 4"/>
           <p:cNvPicPr>
             <a:picLocks noChangeAspect="1"/>
           </p:cNvPicPr>
           <p:nvPr/>
         </p:nvPicPr>
         <p:blipFill>
-          <a:blip r:embed="rId4">
+          <a:blip r:embed="rId2">
             <a:extLst>
               <a:ext uri="{28A0092B-C50C-407E-A947-70E740481C1C}">
                 <a14:useLocalDpi xmlns:a14="http://schemas.microsoft.com/office/drawing/2010/main" val="0"/>
@@ -4832,13 +4589,13 @@
   <p:clrMapOvr>
     <a:masterClrMapping/>
   </p:clrMapOvr>
-  <mc:AlternateContent xmlns:mc="http://schemas.openxmlformats.org/markup-compatibility/2006" xmlns:p14="http://schemas.microsoft.com/office/powerpoint/2010/main">
-    <mc:Choice Requires="p14">
+  <mc:AlternateContent xmlns:mc="http://schemas.openxmlformats.org/markup-compatibility/2006">
+    <mc:Choice xmlns:p14="http://schemas.microsoft.com/office/powerpoint/2010/main" Requires="p14">
       <p:transition spd="med" p14:dur="700" advTm="3000">
         <p:push/>
       </p:transition>
     </mc:Choice>
-    <mc:Fallback xmlns="">
+    <mc:Fallback>
       <p:transition spd="med" advTm="3000">
         <p:push/>
       </p:transition>
@@ -4958,7 +4715,7 @@
           <p:nvPr/>
         </p:nvPicPr>
         <p:blipFill>
-          <a:blip r:embed="rId3" cstate="print">
+          <a:blip r:embed="rId1" cstate="print">
             <a:extLst>
               <a:ext uri="{28A0092B-C50C-407E-A947-70E740481C1C}">
                 <a14:useLocalDpi xmlns:a14="http://schemas.microsoft.com/office/drawing/2010/main" val="0"/>
@@ -4981,13 +4738,7 @@
       </p:pic>
       <p:sp>
         <p:nvSpPr>
-          <p:cNvPr id="30" name="文本框 2">
-            <a:extLst>
-              <a:ext uri="{FF2B5EF4-FFF2-40B4-BE49-F238E27FC236}">
-                <a16:creationId xmlns:a16="http://schemas.microsoft.com/office/drawing/2014/main" id="{9B30BF44-F535-4129-8859-D08B8641F7A1}"/>
-              </a:ext>
-            </a:extLst>
-          </p:cNvPr>
+          <p:cNvPr id="30" name="文本框 2"/>
           <p:cNvSpPr txBox="1"/>
           <p:nvPr/>
         </p:nvSpPr>
@@ -5015,25 +4766,23 @@
               </a:rPr>
               <a:t>产品测试</a:t>
             </a:r>
+            <a:endParaRPr lang="zh-CN" altLang="en-US" sz="1800" b="1" dirty="0">
+              <a:latin typeface="微软雅黑" panose="020B0503020204020204" pitchFamily="34" charset="-122"/>
+              <a:ea typeface="微软雅黑" panose="020B0503020204020204" pitchFamily="34" charset="-122"/>
+            </a:endParaRPr>
           </a:p>
         </p:txBody>
       </p:sp>
       <p:pic>
         <p:nvPicPr>
-          <p:cNvPr id="3" name="图片 2">
-            <a:extLst>
-              <a:ext uri="{FF2B5EF4-FFF2-40B4-BE49-F238E27FC236}">
-                <a16:creationId xmlns:a16="http://schemas.microsoft.com/office/drawing/2014/main" id="{DAA653B0-D7D4-4D1A-902F-075306DCD552}"/>
-              </a:ext>
-            </a:extLst>
-          </p:cNvPr>
+          <p:cNvPr id="3" name="图片 2"/>
           <p:cNvPicPr>
             <a:picLocks noChangeAspect="1"/>
           </p:cNvPicPr>
           <p:nvPr/>
         </p:nvPicPr>
         <p:blipFill>
-          <a:blip r:embed="rId4">
+          <a:blip r:embed="rId2">
             <a:extLst>
               <a:ext uri="{28A0092B-C50C-407E-A947-70E740481C1C}">
                 <a14:useLocalDpi xmlns:a14="http://schemas.microsoft.com/office/drawing/2010/main" val="0"/>
@@ -5055,22 +4804,17 @@
         </p:spPr>
       </p:pic>
     </p:spTree>
-    <p:extLst>
-      <p:ext uri="{BB962C8B-B14F-4D97-AF65-F5344CB8AC3E}">
-        <p14:creationId xmlns:p14="http://schemas.microsoft.com/office/powerpoint/2010/main" val="2815317658"/>
-      </p:ext>
-    </p:extLst>
   </p:cSld>
   <p:clrMapOvr>
     <a:masterClrMapping/>
   </p:clrMapOvr>
-  <mc:AlternateContent xmlns:mc="http://schemas.openxmlformats.org/markup-compatibility/2006" xmlns:p14="http://schemas.microsoft.com/office/powerpoint/2010/main">
-    <mc:Choice Requires="p14">
+  <mc:AlternateContent xmlns:mc="http://schemas.openxmlformats.org/markup-compatibility/2006">
+    <mc:Choice xmlns:p14="http://schemas.microsoft.com/office/powerpoint/2010/main" Requires="p14">
       <p:transition spd="med" p14:dur="700" advTm="3000">
         <p:push/>
       </p:transition>
     </mc:Choice>
-    <mc:Fallback xmlns="">
+    <mc:Fallback>
       <p:transition spd="med" advTm="3000">
         <p:push/>
       </p:transition>
@@ -5190,7 +4934,7 @@
           <p:nvPr/>
         </p:nvPicPr>
         <p:blipFill>
-          <a:blip r:embed="rId3" cstate="print">
+          <a:blip r:embed="rId1" cstate="print">
             <a:extLst>
               <a:ext uri="{28A0092B-C50C-407E-A947-70E740481C1C}">
                 <a14:useLocalDpi xmlns:a14="http://schemas.microsoft.com/office/drawing/2010/main" val="0"/>
@@ -5213,13 +4957,7 @@
       </p:pic>
       <p:sp>
         <p:nvSpPr>
-          <p:cNvPr id="30" name="文本框 2">
-            <a:extLst>
-              <a:ext uri="{FF2B5EF4-FFF2-40B4-BE49-F238E27FC236}">
-                <a16:creationId xmlns:a16="http://schemas.microsoft.com/office/drawing/2014/main" id="{9B30BF44-F535-4129-8859-D08B8641F7A1}"/>
-              </a:ext>
-            </a:extLst>
-          </p:cNvPr>
+          <p:cNvPr id="30" name="文本框 2"/>
           <p:cNvSpPr txBox="1"/>
           <p:nvPr/>
         </p:nvSpPr>
@@ -5247,25 +4985,23 @@
               </a:rPr>
               <a:t>产品测试</a:t>
             </a:r>
+            <a:endParaRPr lang="zh-CN" altLang="en-US" sz="1800" b="1" dirty="0">
+              <a:latin typeface="微软雅黑" panose="020B0503020204020204" pitchFamily="34" charset="-122"/>
+              <a:ea typeface="微软雅黑" panose="020B0503020204020204" pitchFamily="34" charset="-122"/>
+            </a:endParaRPr>
           </a:p>
         </p:txBody>
       </p:sp>
       <p:pic>
         <p:nvPicPr>
-          <p:cNvPr id="4" name="图片 3">
-            <a:extLst>
-              <a:ext uri="{FF2B5EF4-FFF2-40B4-BE49-F238E27FC236}">
-                <a16:creationId xmlns:a16="http://schemas.microsoft.com/office/drawing/2014/main" id="{E6FA38E0-631A-44FF-80F3-8F5AC303F424}"/>
-              </a:ext>
-            </a:extLst>
-          </p:cNvPr>
+          <p:cNvPr id="4" name="图片 3"/>
           <p:cNvPicPr>
             <a:picLocks noChangeAspect="1"/>
           </p:cNvPicPr>
           <p:nvPr/>
         </p:nvPicPr>
         <p:blipFill>
-          <a:blip r:embed="rId4">
+          <a:blip r:embed="rId2">
             <a:extLst>
               <a:ext uri="{28A0092B-C50C-407E-A947-70E740481C1C}">
                 <a14:useLocalDpi xmlns:a14="http://schemas.microsoft.com/office/drawing/2010/main" val="0"/>
@@ -5287,22 +5023,17 @@
         </p:spPr>
       </p:pic>
     </p:spTree>
-    <p:extLst>
-      <p:ext uri="{BB962C8B-B14F-4D97-AF65-F5344CB8AC3E}">
-        <p14:creationId xmlns:p14="http://schemas.microsoft.com/office/powerpoint/2010/main" val="4024948737"/>
-      </p:ext>
-    </p:extLst>
   </p:cSld>
   <p:clrMapOvr>
     <a:masterClrMapping/>
   </p:clrMapOvr>
-  <mc:AlternateContent xmlns:mc="http://schemas.openxmlformats.org/markup-compatibility/2006" xmlns:p14="http://schemas.microsoft.com/office/powerpoint/2010/main">
-    <mc:Choice Requires="p14">
+  <mc:AlternateContent xmlns:mc="http://schemas.openxmlformats.org/markup-compatibility/2006">
+    <mc:Choice xmlns:p14="http://schemas.microsoft.com/office/powerpoint/2010/main" Requires="p14">
       <p:transition spd="med" p14:dur="700" advTm="3000">
         <p:push/>
       </p:transition>
     </mc:Choice>
-    <mc:Fallback xmlns="">
+    <mc:Fallback>
       <p:transition spd="med" advTm="3000">
         <p:push/>
       </p:transition>
@@ -5372,6 +5103,10 @@
                 </a:rPr>
                 <a:t>用户建议</a:t>
               </a:r>
+              <a:endParaRPr lang="zh-CN" altLang="en-US" sz="1800" b="1" dirty="0">
+                <a:latin typeface="微软雅黑" panose="020B0503020204020204" pitchFamily="34" charset="-122"/>
+                <a:ea typeface="微软雅黑" panose="020B0503020204020204" pitchFamily="34" charset="-122"/>
+              </a:endParaRPr>
             </a:p>
           </p:txBody>
         </p:sp>
@@ -5455,7 +5190,7 @@
           <p:nvPr/>
         </p:nvPicPr>
         <p:blipFill>
-          <a:blip r:embed="rId3" cstate="print">
+          <a:blip r:embed="rId1" cstate="print">
             <a:extLst>
               <a:ext uri="{28A0092B-C50C-407E-A947-70E740481C1C}">
                 <a14:useLocalDpi xmlns:a14="http://schemas.microsoft.com/office/drawing/2010/main" val="0"/>
@@ -5478,13 +5213,7 @@
       </p:pic>
       <p:sp>
         <p:nvSpPr>
-          <p:cNvPr id="2" name="文本框 1">
-            <a:extLst>
-              <a:ext uri="{FF2B5EF4-FFF2-40B4-BE49-F238E27FC236}">
-                <a16:creationId xmlns:a16="http://schemas.microsoft.com/office/drawing/2014/main" id="{C11C6FBB-CA77-4FD7-B9B8-7F12BE6030D2}"/>
-              </a:ext>
-            </a:extLst>
-          </p:cNvPr>
+          <p:cNvPr id="2" name="文本框 1"/>
           <p:cNvSpPr txBox="1"/>
           <p:nvPr/>
         </p:nvSpPr>
@@ -5514,12 +5243,18 @@
             <a:r>
               <a:rPr lang="zh-CN" altLang="zh-CN" sz="1800" kern="100" dirty="0">
                 <a:effectLst/>
-                <a:latin typeface="等线" panose="02010600030101010101" pitchFamily="2" charset="-122"/>
-                <a:ea typeface="等线" panose="02010600030101010101" pitchFamily="2" charset="-122"/>
+                <a:latin typeface="等线" panose="02010600030101010101" charset="-122"/>
+                <a:ea typeface="等线" panose="02010600030101010101" charset="-122"/>
                 <a:cs typeface="Times New Roman" panose="02020603050405020304" pitchFamily="18" charset="0"/>
               </a:rPr>
               <a:t>界面希望可以更换</a:t>
             </a:r>
+            <a:endParaRPr lang="zh-CN" altLang="zh-CN" sz="1800" kern="100" dirty="0">
+              <a:effectLst/>
+              <a:latin typeface="等线" panose="02010600030101010101" charset="-122"/>
+              <a:ea typeface="等线" panose="02010600030101010101" charset="-122"/>
+              <a:cs typeface="Times New Roman" panose="02020603050405020304" pitchFamily="18" charset="0"/>
+            </a:endParaRPr>
           </a:p>
           <a:p>
             <a:pPr marL="342900" indent="-342900" algn="just">
@@ -5532,12 +5267,18 @@
             <a:r>
               <a:rPr lang="zh-CN" altLang="zh-CN" sz="1800" kern="100" dirty="0">
                 <a:effectLst/>
-                <a:latin typeface="等线" panose="02010600030101010101" pitchFamily="2" charset="-122"/>
-                <a:ea typeface="等线" panose="02010600030101010101" pitchFamily="2" charset="-122"/>
+                <a:latin typeface="等线" panose="02010600030101010101" charset="-122"/>
+                <a:ea typeface="等线" panose="02010600030101010101" charset="-122"/>
                 <a:cs typeface="Times New Roman" panose="02020603050405020304" pitchFamily="18" charset="0"/>
               </a:rPr>
               <a:t>退出时希望有提示（已添加）</a:t>
             </a:r>
+            <a:endParaRPr lang="zh-CN" altLang="zh-CN" sz="1800" kern="100" dirty="0">
+              <a:effectLst/>
+              <a:latin typeface="等线" panose="02010600030101010101" charset="-122"/>
+              <a:ea typeface="等线" panose="02010600030101010101" charset="-122"/>
+              <a:cs typeface="Times New Roman" panose="02020603050405020304" pitchFamily="18" charset="0"/>
+            </a:endParaRPr>
           </a:p>
           <a:p>
             <a:pPr marL="342900" indent="-342900" algn="just">
@@ -5550,12 +5291,18 @@
             <a:r>
               <a:rPr lang="zh-CN" altLang="zh-CN" sz="1800" kern="100" dirty="0">
                 <a:effectLst/>
-                <a:latin typeface="等线" panose="02010600030101010101" pitchFamily="2" charset="-122"/>
-                <a:ea typeface="等线" panose="02010600030101010101" pitchFamily="2" charset="-122"/>
+                <a:latin typeface="等线" panose="02010600030101010101" charset="-122"/>
+                <a:ea typeface="等线" panose="02010600030101010101" charset="-122"/>
                 <a:cs typeface="Times New Roman" panose="02020603050405020304" pitchFamily="18" charset="0"/>
               </a:rPr>
               <a:t>个人信息可以上传自己的头像</a:t>
             </a:r>
+            <a:endParaRPr lang="zh-CN" altLang="zh-CN" sz="1800" kern="100" dirty="0">
+              <a:effectLst/>
+              <a:latin typeface="等线" panose="02010600030101010101" charset="-122"/>
+              <a:ea typeface="等线" panose="02010600030101010101" charset="-122"/>
+              <a:cs typeface="Times New Roman" panose="02020603050405020304" pitchFamily="18" charset="0"/>
+            </a:endParaRPr>
           </a:p>
           <a:p>
             <a:pPr marL="342900" indent="-342900" algn="just">
@@ -5568,12 +5315,18 @@
             <a:r>
               <a:rPr lang="zh-CN" altLang="zh-CN" sz="1800" kern="100" dirty="0">
                 <a:effectLst/>
-                <a:latin typeface="等线" panose="02010600030101010101" pitchFamily="2" charset="-122"/>
-                <a:ea typeface="等线" panose="02010600030101010101" pitchFamily="2" charset="-122"/>
+                <a:latin typeface="等线" panose="02010600030101010101" charset="-122"/>
+                <a:ea typeface="等线" panose="02010600030101010101" charset="-122"/>
                 <a:cs typeface="Times New Roman" panose="02020603050405020304" pitchFamily="18" charset="0"/>
               </a:rPr>
               <a:t>用户密码不要显示出来</a:t>
             </a:r>
+            <a:endParaRPr lang="zh-CN" altLang="zh-CN" sz="1800" kern="100" dirty="0">
+              <a:effectLst/>
+              <a:latin typeface="等线" panose="02010600030101010101" charset="-122"/>
+              <a:ea typeface="等线" panose="02010600030101010101" charset="-122"/>
+              <a:cs typeface="Times New Roman" panose="02020603050405020304" pitchFamily="18" charset="0"/>
+            </a:endParaRPr>
           </a:p>
           <a:p>
             <a:pPr marL="342900" indent="-342900" algn="just">
@@ -5586,12 +5339,18 @@
             <a:r>
               <a:rPr lang="zh-CN" altLang="zh-CN" sz="1800" kern="100" dirty="0">
                 <a:effectLst/>
-                <a:latin typeface="等线" panose="02010600030101010101" pitchFamily="2" charset="-122"/>
-                <a:ea typeface="等线" panose="02010600030101010101" pitchFamily="2" charset="-122"/>
+                <a:latin typeface="等线" panose="02010600030101010101" charset="-122"/>
+                <a:ea typeface="等线" panose="02010600030101010101" charset="-122"/>
                 <a:cs typeface="Times New Roman" panose="02020603050405020304" pitchFamily="18" charset="0"/>
               </a:rPr>
               <a:t>可以修改密码</a:t>
             </a:r>
+            <a:endParaRPr lang="zh-CN" altLang="zh-CN" sz="1800" kern="100" dirty="0">
+              <a:effectLst/>
+              <a:latin typeface="等线" panose="02010600030101010101" charset="-122"/>
+              <a:ea typeface="等线" panose="02010600030101010101" charset="-122"/>
+              <a:cs typeface="Times New Roman" panose="02020603050405020304" pitchFamily="18" charset="0"/>
+            </a:endParaRPr>
           </a:p>
           <a:p>
             <a:pPr marL="342900" indent="-342900" algn="just">
@@ -5604,12 +5363,18 @@
             <a:r>
               <a:rPr lang="zh-CN" altLang="zh-CN" sz="1800" kern="100" dirty="0">
                 <a:effectLst/>
-                <a:latin typeface="等线" panose="02010600030101010101" pitchFamily="2" charset="-122"/>
-                <a:ea typeface="等线" panose="02010600030101010101" pitchFamily="2" charset="-122"/>
+                <a:latin typeface="等线" panose="02010600030101010101" charset="-122"/>
+                <a:ea typeface="等线" panose="02010600030101010101" charset="-122"/>
                 <a:cs typeface="Times New Roman" panose="02020603050405020304" pitchFamily="18" charset="0"/>
               </a:rPr>
               <a:t>个人信息界面返回时如果使用手机的返回键，会跳转到错误的界面（已修复）</a:t>
             </a:r>
+            <a:endParaRPr lang="zh-CN" altLang="zh-CN" sz="1800" kern="100" dirty="0">
+              <a:effectLst/>
+              <a:latin typeface="等线" panose="02010600030101010101" charset="-122"/>
+              <a:ea typeface="等线" panose="02010600030101010101" charset="-122"/>
+              <a:cs typeface="Times New Roman" panose="02020603050405020304" pitchFamily="18" charset="0"/>
+            </a:endParaRPr>
           </a:p>
           <a:p>
             <a:pPr marL="342900" indent="-342900" algn="just">
@@ -5622,8 +5387,8 @@
             <a:r>
               <a:rPr lang="zh-CN" altLang="zh-CN" sz="1800" kern="100" dirty="0">
                 <a:effectLst/>
-                <a:latin typeface="等线" panose="02010600030101010101" pitchFamily="2" charset="-122"/>
-                <a:ea typeface="等线" panose="02010600030101010101" pitchFamily="2" charset="-122"/>
+                <a:latin typeface="等线" panose="02010600030101010101" charset="-122"/>
+                <a:ea typeface="等线" panose="02010600030101010101" charset="-122"/>
                 <a:cs typeface="Times New Roman" panose="02020603050405020304" pitchFamily="18" charset="0"/>
               </a:rPr>
               <a:t>像</a:t>
@@ -5631,8 +5396,8 @@
             <a:r>
               <a:rPr lang="en-US" altLang="zh-CN" sz="1800" kern="100" dirty="0">
                 <a:effectLst/>
-                <a:latin typeface="等线" panose="02010600030101010101" pitchFamily="2" charset="-122"/>
-                <a:ea typeface="等线" panose="02010600030101010101" pitchFamily="2" charset="-122"/>
+                <a:latin typeface="等线" panose="02010600030101010101" charset="-122"/>
+                <a:ea typeface="等线" panose="02010600030101010101" charset="-122"/>
                 <a:cs typeface="Times New Roman" panose="02020603050405020304" pitchFamily="18" charset="0"/>
               </a:rPr>
               <a:t>“</a:t>
@@ -5640,8 +5405,8 @@
             <a:r>
               <a:rPr lang="zh-CN" altLang="zh-CN" sz="1800" kern="100" dirty="0">
                 <a:effectLst/>
-                <a:latin typeface="等线" panose="02010600030101010101" pitchFamily="2" charset="-122"/>
-                <a:ea typeface="等线" panose="02010600030101010101" pitchFamily="2" charset="-122"/>
+                <a:latin typeface="等线" panose="02010600030101010101" charset="-122"/>
+                <a:ea typeface="等线" panose="02010600030101010101" charset="-122"/>
                 <a:cs typeface="Times New Roman" panose="02020603050405020304" pitchFamily="18" charset="0"/>
               </a:rPr>
               <a:t>发布成功</a:t>
@@ -5649,8 +5414,8 @@
             <a:r>
               <a:rPr lang="en-US" altLang="zh-CN" sz="1800" kern="100" dirty="0">
                 <a:effectLst/>
-                <a:latin typeface="等线" panose="02010600030101010101" pitchFamily="2" charset="-122"/>
-                <a:ea typeface="等线" panose="02010600030101010101" pitchFamily="2" charset="-122"/>
+                <a:latin typeface="等线" panose="02010600030101010101" charset="-122"/>
+                <a:ea typeface="等线" panose="02010600030101010101" charset="-122"/>
                 <a:cs typeface="Times New Roman" panose="02020603050405020304" pitchFamily="18" charset="0"/>
               </a:rPr>
               <a:t>”</a:t>
@@ -5658,12 +5423,18 @@
             <a:r>
               <a:rPr lang="zh-CN" altLang="zh-CN" sz="1800" kern="100" dirty="0">
                 <a:effectLst/>
-                <a:latin typeface="等线" panose="02010600030101010101" pitchFamily="2" charset="-122"/>
-                <a:ea typeface="等线" panose="02010600030101010101" pitchFamily="2" charset="-122"/>
+                <a:latin typeface="等线" panose="02010600030101010101" charset="-122"/>
+                <a:ea typeface="等线" panose="02010600030101010101" charset="-122"/>
                 <a:cs typeface="Times New Roman" panose="02020603050405020304" pitchFamily="18" charset="0"/>
               </a:rPr>
               <a:t>之类的提示时间太长了（已修改）</a:t>
             </a:r>
+            <a:endParaRPr lang="zh-CN" altLang="zh-CN" sz="1800" kern="100" dirty="0">
+              <a:effectLst/>
+              <a:latin typeface="等线" panose="02010600030101010101" charset="-122"/>
+              <a:ea typeface="等线" panose="02010600030101010101" charset="-122"/>
+              <a:cs typeface="Times New Roman" panose="02020603050405020304" pitchFamily="18" charset="0"/>
+            </a:endParaRPr>
           </a:p>
           <a:p>
             <a:pPr marL="342900" indent="-342900" algn="just">
@@ -5676,12 +5447,18 @@
             <a:r>
               <a:rPr lang="zh-CN" altLang="zh-CN" sz="1800" kern="100" dirty="0">
                 <a:effectLst/>
-                <a:latin typeface="等线" panose="02010600030101010101" pitchFamily="2" charset="-122"/>
-                <a:ea typeface="等线" panose="02010600030101010101" pitchFamily="2" charset="-122"/>
+                <a:latin typeface="等线" panose="02010600030101010101" charset="-122"/>
+                <a:ea typeface="等线" panose="02010600030101010101" charset="-122"/>
                 <a:cs typeface="Times New Roman" panose="02020603050405020304" pitchFamily="18" charset="0"/>
               </a:rPr>
               <a:t>可以无限次注册，最好加上限制</a:t>
             </a:r>
+            <a:endParaRPr lang="zh-CN" altLang="zh-CN" sz="1800" kern="100" dirty="0">
+              <a:effectLst/>
+              <a:latin typeface="等线" panose="02010600030101010101" charset="-122"/>
+              <a:ea typeface="等线" panose="02010600030101010101" charset="-122"/>
+              <a:cs typeface="Times New Roman" panose="02020603050405020304" pitchFamily="18" charset="0"/>
+            </a:endParaRPr>
           </a:p>
           <a:p>
             <a:pPr marL="342900" indent="-342900" algn="just">
@@ -5694,12 +5471,18 @@
             <a:r>
               <a:rPr lang="zh-CN" altLang="zh-CN" sz="1800" kern="100" dirty="0">
                 <a:effectLst/>
-                <a:latin typeface="等线" panose="02010600030101010101" pitchFamily="2" charset="-122"/>
-                <a:ea typeface="等线" panose="02010600030101010101" pitchFamily="2" charset="-122"/>
+                <a:latin typeface="等线" panose="02010600030101010101" charset="-122"/>
+                <a:ea typeface="等线" panose="02010600030101010101" charset="-122"/>
                 <a:cs typeface="Times New Roman" panose="02020603050405020304" pitchFamily="18" charset="0"/>
               </a:rPr>
               <a:t>登录时密码不允许输入换行符</a:t>
             </a:r>
+            <a:endParaRPr lang="zh-CN" altLang="zh-CN" sz="1800" kern="100" dirty="0">
+              <a:effectLst/>
+              <a:latin typeface="等线" panose="02010600030101010101" charset="-122"/>
+              <a:ea typeface="等线" panose="02010600030101010101" charset="-122"/>
+              <a:cs typeface="Times New Roman" panose="02020603050405020304" pitchFamily="18" charset="0"/>
+            </a:endParaRPr>
           </a:p>
           <a:p>
             <a:pPr marL="342900" indent="-342900" algn="just">
@@ -5712,16 +5495,16 @@
             <a:r>
               <a:rPr lang="zh-CN" altLang="zh-CN" sz="1800" kern="100" dirty="0">
                 <a:effectLst/>
-                <a:latin typeface="等线" panose="02010600030101010101" pitchFamily="2" charset="-122"/>
-                <a:ea typeface="等线" panose="02010600030101010101" pitchFamily="2" charset="-122"/>
+                <a:latin typeface="等线" panose="02010600030101010101" charset="-122"/>
+                <a:ea typeface="等线" panose="02010600030101010101" charset="-122"/>
                 <a:cs typeface="Times New Roman" panose="02020603050405020304" pitchFamily="18" charset="0"/>
               </a:rPr>
               <a:t>希望可以修改发布中的任务</a:t>
             </a:r>
             <a:endParaRPr lang="en-US" altLang="zh-CN" sz="1800" kern="100" dirty="0">
               <a:effectLst/>
-              <a:latin typeface="等线" panose="02010600030101010101" pitchFamily="2" charset="-122"/>
-              <a:ea typeface="等线" panose="02010600030101010101" pitchFamily="2" charset="-122"/>
+              <a:latin typeface="等线" panose="02010600030101010101" charset="-122"/>
+              <a:ea typeface="等线" panose="02010600030101010101" charset="-122"/>
               <a:cs typeface="Times New Roman" panose="02020603050405020304" pitchFamily="18" charset="0"/>
             </a:endParaRPr>
           </a:p>
@@ -5736,16 +5519,16 @@
             <a:r>
               <a:rPr lang="zh-CN" altLang="en-US" sz="1800" kern="100" dirty="0">
                 <a:effectLst/>
-                <a:latin typeface="等线" panose="02010600030101010101" pitchFamily="2" charset="-122"/>
-                <a:ea typeface="等线" panose="02010600030101010101" pitchFamily="2" charset="-122"/>
+                <a:latin typeface="等线" panose="02010600030101010101" charset="-122"/>
+                <a:ea typeface="等线" panose="02010600030101010101" charset="-122"/>
                 <a:cs typeface="Times New Roman" panose="02020603050405020304" pitchFamily="18" charset="0"/>
               </a:rPr>
               <a:t>界面跳转时间太长</a:t>
             </a:r>
             <a:endParaRPr lang="zh-CN" altLang="zh-CN" sz="1800" kern="100" dirty="0">
               <a:effectLst/>
-              <a:latin typeface="等线" panose="02010600030101010101" pitchFamily="2" charset="-122"/>
-              <a:ea typeface="等线" panose="02010600030101010101" pitchFamily="2" charset="-122"/>
+              <a:latin typeface="等线" panose="02010600030101010101" charset="-122"/>
+              <a:ea typeface="等线" panose="02010600030101010101" charset="-122"/>
               <a:cs typeface="Times New Roman" panose="02020603050405020304" pitchFamily="18" charset="0"/>
             </a:endParaRPr>
           </a:p>
@@ -5756,13 +5539,13 @@
   <p:clrMapOvr>
     <a:masterClrMapping/>
   </p:clrMapOvr>
-  <mc:AlternateContent xmlns:mc="http://schemas.openxmlformats.org/markup-compatibility/2006" xmlns:p14="http://schemas.microsoft.com/office/powerpoint/2010/main">
-    <mc:Choice Requires="p14">
+  <mc:AlternateContent xmlns:mc="http://schemas.openxmlformats.org/markup-compatibility/2006">
+    <mc:Choice xmlns:p14="http://schemas.microsoft.com/office/powerpoint/2010/main" Requires="p14">
       <p:transition spd="med" p14:dur="700" advTm="3000">
         <p:push/>
       </p:transition>
     </mc:Choice>
-    <mc:Fallback xmlns="">
+    <mc:Fallback>
       <p:transition spd="med" advTm="3000">
         <p:push/>
       </p:transition>
@@ -5790,20 +5573,14 @@
       </p:grpSpPr>
       <p:pic>
         <p:nvPicPr>
-          <p:cNvPr id="28" name="图片 27">
-            <a:extLst>
-              <a:ext uri="{FF2B5EF4-FFF2-40B4-BE49-F238E27FC236}">
-                <a16:creationId xmlns:a16="http://schemas.microsoft.com/office/drawing/2014/main" id="{6A08BAED-938D-4A76-A9CC-01FBC78AE136}"/>
-              </a:ext>
-            </a:extLst>
-          </p:cNvPr>
+          <p:cNvPr id="28" name="图片 27"/>
           <p:cNvPicPr>
             <a:picLocks noChangeAspect="1"/>
           </p:cNvPicPr>
           <p:nvPr/>
         </p:nvPicPr>
         <p:blipFill>
-          <a:blip r:embed="rId3" cstate="print">
+          <a:blip r:embed="rId1" cstate="print">
             <a:extLst>
               <a:ext uri="{28A0092B-C50C-407E-A947-70E740481C1C}">
                 <a14:useLocalDpi xmlns:a14="http://schemas.microsoft.com/office/drawing/2010/main" val="0"/>
@@ -5826,13 +5603,7 @@
       </p:pic>
       <p:sp>
         <p:nvSpPr>
-          <p:cNvPr id="24" name="Freeform 73">
-            <a:extLst>
-              <a:ext uri="{FF2B5EF4-FFF2-40B4-BE49-F238E27FC236}">
-                <a16:creationId xmlns:a16="http://schemas.microsoft.com/office/drawing/2014/main" id="{FBAD8E03-01FC-47D8-A384-22CF44535013}"/>
-              </a:ext>
-            </a:extLst>
-          </p:cNvPr>
+          <p:cNvPr id="24" name="Freeform 73"/>
           <p:cNvSpPr/>
           <p:nvPr/>
         </p:nvSpPr>
@@ -5862,7 +5633,7 @@
           <a:bodyPr vert="horz" wrap="square" lIns="121920" tIns="60960" rIns="121920" bIns="60960" numCol="1" anchor="t" anchorCtr="0" compatLnSpc="1"/>
           <a:lstStyle/>
           <a:p>
-            <a:pPr defTabSz="913924"/>
+            <a:pPr defTabSz="913765"/>
             <a:endParaRPr lang="zh-CN" altLang="en-US" sz="1800" kern="0">
               <a:solidFill>
                 <a:sysClr val="windowText" lastClr="000000"/>
@@ -5927,7 +5698,7 @@
             <a:bodyPr vert="horz" wrap="square" lIns="121920" tIns="60960" rIns="121920" bIns="60960" numCol="1" anchor="t" anchorCtr="0" compatLnSpc="1"/>
             <a:lstStyle/>
             <a:p>
-              <a:pPr defTabSz="913924"/>
+              <a:pPr defTabSz="913765"/>
               <a:endParaRPr lang="zh-CN" altLang="en-US" sz="1800" kern="0" dirty="0">
                 <a:solidFill>
                   <a:sysClr val="windowText" lastClr="000000"/>
@@ -5972,7 +5743,7 @@
               </a:bodyPr>
               <a:lstStyle/>
               <a:p>
-                <a:pPr algn="ctr" defTabSz="913924"/>
+                <a:pPr algn="ctr" defTabSz="913765"/>
                 <a:r>
                   <a:rPr lang="en-US" altLang="zh-CN" sz="1800" kern="0" dirty="0">
                     <a:solidFill>
@@ -5983,6 +5754,13 @@
                   </a:rPr>
                   <a:t>Contents</a:t>
                 </a:r>
+                <a:endParaRPr lang="en-US" altLang="zh-CN" sz="1800" kern="0" dirty="0">
+                  <a:solidFill>
+                    <a:schemeClr val="bg1"/>
+                  </a:solidFill>
+                  <a:latin typeface="微软雅黑" panose="020B0503020204020204" pitchFamily="34" charset="-122"/>
+                  <a:ea typeface="微软雅黑" panose="020B0503020204020204" pitchFamily="34" charset="-122"/>
+                </a:endParaRPr>
               </a:p>
             </p:txBody>
           </p:sp>
@@ -6007,7 +5785,7 @@
               </a:bodyPr>
               <a:lstStyle/>
               <a:p>
-                <a:pPr algn="ctr" defTabSz="913924"/>
+                <a:pPr algn="ctr" defTabSz="913765"/>
                 <a:r>
                   <a:rPr lang="en-US" altLang="zh-CN" sz="4000" b="1" kern="0" dirty="0">
                     <a:solidFill>
@@ -6069,6 +5847,15 @@
               </a:rPr>
               <a:t>改进与未来发展计划</a:t>
             </a:r>
+            <a:endParaRPr lang="zh-CN" altLang="en-US" sz="2800" b="1" spc="225" dirty="0">
+              <a:solidFill>
+                <a:srgbClr val="333333"/>
+              </a:solidFill>
+              <a:latin typeface="微软雅黑" panose="020B0503020204020204" pitchFamily="34" charset="-122"/>
+              <a:ea typeface="微软雅黑" panose="020B0503020204020204" pitchFamily="34" charset="-122"/>
+              <a:cs typeface="+mn-ea"/>
+              <a:sym typeface="+mn-lt"/>
+            </a:endParaRPr>
           </a:p>
         </p:txBody>
       </p:sp>
@@ -6077,13 +5864,13 @@
   <p:clrMapOvr>
     <a:masterClrMapping/>
   </p:clrMapOvr>
-  <mc:AlternateContent xmlns:mc="http://schemas.openxmlformats.org/markup-compatibility/2006" xmlns:p14="http://schemas.microsoft.com/office/powerpoint/2010/main">
-    <mc:Choice Requires="p14">
+  <mc:AlternateContent xmlns:mc="http://schemas.openxmlformats.org/markup-compatibility/2006">
+    <mc:Choice xmlns:p14="http://schemas.microsoft.com/office/powerpoint/2010/main" Requires="p14">
       <p:transition spd="med" p14:dur="700" advTm="3000">
         <p:push/>
       </p:transition>
     </mc:Choice>
-    <mc:Fallback xmlns="">
+    <mc:Fallback>
       <p:transition spd="med" advTm="3000">
         <p:push/>
       </p:transition>
@@ -6153,6 +5940,10 @@
                 </a:rPr>
                 <a:t>改进更新</a:t>
               </a:r>
+              <a:endParaRPr lang="zh-CN" altLang="en-US" sz="1800" b="1" dirty="0">
+                <a:latin typeface="微软雅黑" panose="020B0503020204020204" pitchFamily="34" charset="-122"/>
+                <a:ea typeface="微软雅黑" panose="020B0503020204020204" pitchFamily="34" charset="-122"/>
+              </a:endParaRPr>
             </a:p>
           </p:txBody>
         </p:sp>
@@ -6260,6 +6051,7 @@
               <a:rPr lang="zh-CN" altLang="zh-CN" dirty="0"/>
               <a:t>修复当查看发布中的任务时，无法查看已经发布但是还没有人承接的任务的问题</a:t>
             </a:r>
+            <a:endParaRPr lang="zh-CN" altLang="zh-CN" dirty="0"/>
           </a:p>
           <a:p>
             <a:pPr marL="342900" indent="-342900">
@@ -6273,6 +6065,7 @@
               <a:rPr lang="zh-CN" altLang="zh-CN" dirty="0"/>
               <a:t>修复了当任务已经被承接者完成之后可以被放弃的问题</a:t>
             </a:r>
+            <a:endParaRPr lang="zh-CN" altLang="zh-CN" dirty="0"/>
           </a:p>
           <a:p>
             <a:pPr marL="342900" indent="-342900">
@@ -6286,6 +6079,7 @@
               <a:rPr lang="zh-CN" altLang="zh-CN" dirty="0"/>
               <a:t>修复了查看发布中任务详细信息后本地用户信息丢失的问题</a:t>
             </a:r>
+            <a:endParaRPr lang="zh-CN" altLang="zh-CN" dirty="0"/>
           </a:p>
           <a:p>
             <a:pPr marL="342900" indent="-342900">
@@ -6299,6 +6093,7 @@
               <a:rPr lang="zh-CN" altLang="zh-CN" dirty="0"/>
               <a:t>修复了部分手机因为分辨率不同导致的显示不符合预期的问题</a:t>
             </a:r>
+            <a:endParaRPr lang="zh-CN" altLang="zh-CN" dirty="0"/>
           </a:p>
           <a:p>
             <a:pPr marL="342900" indent="-342900">
@@ -6312,6 +6107,7 @@
               <a:rPr lang="zh-CN" altLang="zh-CN" dirty="0"/>
               <a:t>添加了在承接任务时可以查看承接人用户名的功能</a:t>
             </a:r>
+            <a:endParaRPr lang="zh-CN" altLang="zh-CN" dirty="0"/>
           </a:p>
           <a:p>
             <a:pPr marL="342900" indent="-342900">
@@ -6325,6 +6121,7 @@
               <a:rPr lang="zh-CN" altLang="zh-CN" dirty="0"/>
               <a:t>修复了发布时间显示不完整的问题</a:t>
             </a:r>
+            <a:endParaRPr lang="zh-CN" altLang="zh-CN" dirty="0"/>
           </a:p>
           <a:p>
             <a:pPr marL="342900" indent="-342900">
@@ -6338,6 +6135,7 @@
               <a:rPr lang="zh-CN" altLang="zh-CN" dirty="0"/>
               <a:t>增加了发布任务后，把该任务的发布接口自动关闭的功能</a:t>
             </a:r>
+            <a:endParaRPr lang="zh-CN" altLang="zh-CN" dirty="0"/>
           </a:p>
           <a:p>
             <a:pPr marL="342900" indent="-342900">
@@ -6351,6 +6149,7 @@
               <a:rPr lang="zh-CN" altLang="zh-CN" dirty="0"/>
               <a:t>添加了个人信息页面显示用户名和账号的功能</a:t>
             </a:r>
+            <a:endParaRPr lang="zh-CN" altLang="zh-CN" dirty="0"/>
           </a:p>
           <a:p>
             <a:pPr marL="342900" indent="-342900">
@@ -6364,6 +6163,7 @@
               <a:rPr lang="zh-CN" altLang="zh-CN" dirty="0"/>
               <a:t>禁止了发布任务时任务名可以留空的机制</a:t>
             </a:r>
+            <a:endParaRPr lang="zh-CN" altLang="zh-CN" dirty="0"/>
           </a:p>
           <a:p>
             <a:pPr marL="342900" indent="-342900">
@@ -6385,6 +6185,7 @@
               <a:rPr lang="zh-CN" altLang="zh-CN" dirty="0"/>
               <a:t>按钮返回时界面跳转出错的问题</a:t>
             </a:r>
+            <a:endParaRPr lang="zh-CN" altLang="zh-CN" dirty="0"/>
           </a:p>
           <a:p>
             <a:pPr marL="342900" indent="-342900">
@@ -6398,6 +6199,7 @@
               <a:rPr lang="zh-CN" altLang="zh-CN" dirty="0"/>
               <a:t>修改了在个人信息界面进行退出登录操作后，功能选择界面没有注销的问题</a:t>
             </a:r>
+            <a:endParaRPr lang="zh-CN" altLang="zh-CN" dirty="0"/>
           </a:p>
           <a:p>
             <a:pPr marL="342900" indent="-342900">
@@ -6411,6 +6213,7 @@
               <a:rPr lang="zh-CN" altLang="zh-CN" dirty="0"/>
               <a:t>添加了注册页面的返回按钮</a:t>
             </a:r>
+            <a:endParaRPr lang="zh-CN" altLang="zh-CN" dirty="0"/>
           </a:p>
           <a:p>
             <a:pPr marL="342900" indent="-342900">
@@ -6424,6 +6227,7 @@
               <a:rPr lang="zh-CN" altLang="zh-CN" dirty="0"/>
               <a:t>修复了可以通过反复切换页面，重复领取奖励的功能</a:t>
             </a:r>
+            <a:endParaRPr lang="zh-CN" altLang="zh-CN" dirty="0"/>
           </a:p>
           <a:p>
             <a:pPr marL="342900" indent="-342900">
@@ -6437,6 +6241,7 @@
               <a:rPr lang="zh-CN" altLang="zh-CN" dirty="0"/>
               <a:t>删除了部分界面的隐藏文本</a:t>
             </a:r>
+            <a:endParaRPr lang="zh-CN" altLang="zh-CN" dirty="0"/>
           </a:p>
           <a:p>
             <a:pPr marL="342900" indent="-342900">
@@ -6450,6 +6255,7 @@
               <a:rPr lang="zh-CN" altLang="zh-CN" dirty="0"/>
               <a:t>兼容了手机自带的返回键功能</a:t>
             </a:r>
+            <a:endParaRPr lang="zh-CN" altLang="zh-CN" dirty="0"/>
           </a:p>
           <a:p>
             <a:pPr marL="342900" indent="-342900">
@@ -6471,6 +6277,7 @@
               <a:rPr lang="zh-CN" altLang="zh-CN" dirty="0"/>
               <a:t>的名字</a:t>
             </a:r>
+            <a:endParaRPr lang="zh-CN" altLang="zh-CN" dirty="0"/>
           </a:p>
           <a:p>
             <a:pPr marL="342900" indent="-342900">
@@ -6484,6 +6291,7 @@
               <a:rPr lang="zh-CN" altLang="zh-CN" dirty="0"/>
               <a:t>添加了在退出时会弹出确认提示的功能</a:t>
             </a:r>
+            <a:endParaRPr lang="zh-CN" altLang="zh-CN" dirty="0"/>
           </a:p>
           <a:p>
             <a:pPr marL="342900" indent="-342900">
@@ -6497,6 +6305,7 @@
               <a:rPr lang="zh-CN" altLang="zh-CN" dirty="0"/>
               <a:t>修复了部分页面退出时动画效果丢失的问题</a:t>
             </a:r>
+            <a:endParaRPr lang="zh-CN" altLang="zh-CN" dirty="0"/>
           </a:p>
           <a:p>
             <a:endParaRPr lang="en-US" altLang="zh-CN" sz="1600" b="1" dirty="0">
@@ -6521,7 +6330,7 @@
           <p:nvPr/>
         </p:nvPicPr>
         <p:blipFill>
-          <a:blip r:embed="rId3" cstate="print">
+          <a:blip r:embed="rId1" cstate="print">
             <a:extLst>
               <a:ext uri="{28A0092B-C50C-407E-A947-70E740481C1C}">
                 <a14:useLocalDpi xmlns:a14="http://schemas.microsoft.com/office/drawing/2010/main" val="0"/>
@@ -6547,13 +6356,13 @@
   <p:clrMapOvr>
     <a:masterClrMapping/>
   </p:clrMapOvr>
-  <mc:AlternateContent xmlns:mc="http://schemas.openxmlformats.org/markup-compatibility/2006" xmlns:p14="http://schemas.microsoft.com/office/powerpoint/2010/main">
-    <mc:Choice Requires="p14">
+  <mc:AlternateContent xmlns:mc="http://schemas.openxmlformats.org/markup-compatibility/2006">
+    <mc:Choice xmlns:p14="http://schemas.microsoft.com/office/powerpoint/2010/main" Requires="p14">
       <p:transition spd="med" p14:dur="700" advTm="3000">
         <p:push/>
       </p:transition>
     </mc:Choice>
-    <mc:Fallback xmlns="">
+    <mc:Fallback>
       <p:transition spd="med" advTm="3000">
         <p:push/>
       </p:transition>
@@ -6622,6 +6431,10 @@
                 </a:rPr>
                 <a:t>未来发展工作</a:t>
               </a:r>
+              <a:endParaRPr lang="zh-CN" altLang="en-US" sz="1800" b="1" dirty="0">
+                <a:latin typeface="微软雅黑" panose="020B0503020204020204" pitchFamily="34" charset="-122"/>
+                <a:ea typeface="微软雅黑" panose="020B0503020204020204" pitchFamily="34" charset="-122"/>
+              </a:endParaRPr>
             </a:p>
           </p:txBody>
         </p:sp>
@@ -6787,6 +6600,15 @@
                 </a:rPr>
                 <a:t>好友分组</a:t>
               </a:r>
+              <a:endParaRPr lang="zh-CN" altLang="en-US" sz="1600" b="1" dirty="0">
+                <a:solidFill>
+                  <a:srgbClr val="2AB7C2"/>
+                </a:solidFill>
+                <a:latin typeface="+mn-lt"/>
+                <a:ea typeface="+mn-ea"/>
+                <a:cs typeface="+mn-ea"/>
+                <a:sym typeface="+mn-lt"/>
+              </a:endParaRPr>
             </a:p>
           </p:txBody>
         </p:sp>
@@ -6840,6 +6662,12 @@
                 </a:rPr>
                 <a:t>用户可以修改界面皮肤</a:t>
               </a:r>
+              <a:endParaRPr lang="zh-CN" altLang="en-US" sz="1100" dirty="0">
+                <a:latin typeface="+mn-lt"/>
+                <a:ea typeface="+mn-ea"/>
+                <a:cs typeface="+mn-ea"/>
+                <a:sym typeface="+mn-lt"/>
+              </a:endParaRPr>
             </a:p>
           </p:txBody>
         </p:sp>
@@ -6878,6 +6706,15 @@
                 </a:rPr>
                 <a:t>界面皮肤</a:t>
               </a:r>
+              <a:endParaRPr lang="zh-CN" altLang="en-US" sz="1600" b="1" dirty="0">
+                <a:solidFill>
+                  <a:srgbClr val="6F93C6"/>
+                </a:solidFill>
+                <a:latin typeface="+mn-lt"/>
+                <a:ea typeface="+mn-ea"/>
+                <a:cs typeface="+mn-ea"/>
+                <a:sym typeface="+mn-lt"/>
+              </a:endParaRPr>
             </a:p>
           </p:txBody>
         </p:sp>
@@ -6931,6 +6768,12 @@
                 </a:rPr>
                 <a:t>用户通过以完成任务数量、时间等达到一定的成就，系统给予成就标志</a:t>
               </a:r>
+              <a:endParaRPr lang="zh-CN" altLang="en-US" sz="1100" dirty="0">
+                <a:latin typeface="+mn-lt"/>
+                <a:ea typeface="+mn-ea"/>
+                <a:cs typeface="+mn-ea"/>
+                <a:sym typeface="+mn-lt"/>
+              </a:endParaRPr>
             </a:p>
           </p:txBody>
         </p:sp>
@@ -6968,6 +6811,15 @@
                 </a:rPr>
                 <a:t>成就系统</a:t>
               </a:r>
+              <a:endParaRPr lang="zh-CN" altLang="en-US" sz="1600" b="1" dirty="0">
+                <a:solidFill>
+                  <a:srgbClr val="2AB7C2"/>
+                </a:solidFill>
+                <a:latin typeface="+mn-lt"/>
+                <a:ea typeface="+mn-ea"/>
+                <a:cs typeface="+mn-ea"/>
+                <a:sym typeface="+mn-lt"/>
+              </a:endParaRPr>
             </a:p>
           </p:txBody>
         </p:sp>
@@ -7021,6 +6873,12 @@
                 </a:rPr>
                 <a:t>用户可以通过完成任务获取积分</a:t>
               </a:r>
+              <a:endParaRPr lang="zh-CN" altLang="en-US" sz="1100" dirty="0">
+                <a:latin typeface="+mn-lt"/>
+                <a:ea typeface="+mn-ea"/>
+                <a:cs typeface="+mn-ea"/>
+                <a:sym typeface="+mn-lt"/>
+              </a:endParaRPr>
             </a:p>
           </p:txBody>
         </p:sp>
@@ -7058,6 +6916,15 @@
                 </a:rPr>
                 <a:t>积分奖励</a:t>
               </a:r>
+              <a:endParaRPr lang="zh-CN" altLang="en-US" sz="1600" b="1" dirty="0">
+                <a:solidFill>
+                  <a:srgbClr val="6F93C6"/>
+                </a:solidFill>
+                <a:latin typeface="+mn-lt"/>
+                <a:ea typeface="+mn-ea"/>
+                <a:cs typeface="+mn-ea"/>
+                <a:sym typeface="+mn-lt"/>
+              </a:endParaRPr>
             </a:p>
           </p:txBody>
         </p:sp>
@@ -10687,7 +10554,7 @@
           <p:nvPr/>
         </p:nvPicPr>
         <p:blipFill>
-          <a:blip r:embed="rId3" cstate="print">
+          <a:blip r:embed="rId1" cstate="print">
             <a:extLst>
               <a:ext uri="{28A0092B-C50C-407E-A947-70E740481C1C}">
                 <a14:useLocalDpi xmlns:a14="http://schemas.microsoft.com/office/drawing/2010/main" val="0"/>
@@ -10713,13 +10580,13 @@
   <p:clrMapOvr>
     <a:masterClrMapping/>
   </p:clrMapOvr>
-  <mc:AlternateContent xmlns:mc="http://schemas.openxmlformats.org/markup-compatibility/2006" xmlns:p14="http://schemas.microsoft.com/office/powerpoint/2010/main">
-    <mc:Choice Requires="p14">
+  <mc:AlternateContent xmlns:mc="http://schemas.openxmlformats.org/markup-compatibility/2006">
+    <mc:Choice xmlns:p14="http://schemas.microsoft.com/office/powerpoint/2010/main" Requires="p14">
       <p:transition spd="med" p14:dur="700" advTm="3000">
         <p:push/>
       </p:transition>
     </mc:Choice>
-    <mc:Fallback xmlns="">
+    <mc:Fallback>
       <p:transition spd="med" advTm="3000">
         <p:push/>
       </p:transition>
@@ -10909,9 +10776,7 @@
           <p:sp>
             <p:nvSpPr>
               <p:cNvPr id="72" name="ísļîḋè"/>
-              <p:cNvSpPr>
-                <a:spLocks/>
-              </p:cNvSpPr>
+              <p:cNvSpPr/>
               <p:nvPr/>
             </p:nvSpPr>
             <p:spPr bwMode="auto">
@@ -12267,13 +12132,11 @@
               <a:effectLst/>
               <a:extLst>
                 <a:ext uri="{91240B29-F687-4F45-9708-019B960494DF}">
-                  <a14:hiddenLine xmlns:a14="http://schemas.microsoft.com/office/drawing/2010/main" w="9525" cap="flat">
+                  <a14:hiddenLine xmlns:a14="http://schemas.microsoft.com/office/drawing/2010/main" w="9525">
                     <a:solidFill>
                       <a:srgbClr val="808080"/>
                     </a:solidFill>
                     <a:bevel/>
-                    <a:headEnd/>
-                    <a:tailEnd/>
                   </a14:hiddenLine>
                 </a:ext>
                 <a:ext uri="{AF507438-7753-43E0-B8FC-AC1667EBCBE1}">
@@ -12839,6 +12702,12 @@
                 </a:rPr>
                 <a:t>3</a:t>
               </a:r>
+              <a:endParaRPr lang="en-US" sz="1500" b="1" dirty="0">
+                <a:solidFill>
+                  <a:srgbClr val="2AB7C2"/>
+                </a:solidFill>
+                <a:latin typeface="Agency FB" panose="020B0503020202020204" pitchFamily="34" charset="0"/>
+              </a:endParaRPr>
             </a:p>
           </p:txBody>
         </p:sp>
@@ -12979,6 +12848,12 @@
                 </a:rPr>
                 <a:t>2</a:t>
               </a:r>
+              <a:endParaRPr lang="en-US" sz="1500" b="1" dirty="0">
+                <a:solidFill>
+                  <a:srgbClr val="6F93C6"/>
+                </a:solidFill>
+                <a:latin typeface="Agency FB" panose="020B0503020202020204" pitchFamily="34" charset="0"/>
+              </a:endParaRPr>
             </a:p>
           </p:txBody>
         </p:sp>
@@ -13119,6 +12994,12 @@
                 </a:rPr>
                 <a:t>1</a:t>
               </a:r>
+              <a:endParaRPr lang="en-US" sz="1500" b="1" dirty="0">
+                <a:solidFill>
+                  <a:srgbClr val="6F93C6"/>
+                </a:solidFill>
+                <a:latin typeface="Agency FB" panose="020B0503020202020204" pitchFamily="34" charset="0"/>
+              </a:endParaRPr>
             </a:p>
           </p:txBody>
         </p:sp>
@@ -13259,6 +13140,12 @@
                 </a:rPr>
                 <a:t>4</a:t>
               </a:r>
+              <a:endParaRPr lang="en-US" sz="1500" b="1" dirty="0">
+                <a:solidFill>
+                  <a:srgbClr val="2AB7C2"/>
+                </a:solidFill>
+                <a:latin typeface="Agency FB" panose="020B0503020202020204" pitchFamily="34" charset="0"/>
+              </a:endParaRPr>
             </a:p>
           </p:txBody>
         </p:sp>
@@ -13299,11 +13186,21 @@
                     <a:lumOff val="35000"/>
                   </a:schemeClr>
                 </a:solidFill>
-                <a:latin typeface="微软雅黑" pitchFamily="34" charset="-122"/>
-                <a:ea typeface="微软雅黑" pitchFamily="34" charset="-122"/>
+                <a:latin typeface="微软雅黑" panose="020B0503020204020204" pitchFamily="34" charset="-122"/>
+                <a:ea typeface="微软雅黑" panose="020B0503020204020204" pitchFamily="34" charset="-122"/>
               </a:rPr>
               <a:t>功能描述</a:t>
             </a:r>
+            <a:endParaRPr lang="zh-CN" altLang="en-US" sz="1200" b="1" dirty="0">
+              <a:solidFill>
+                <a:schemeClr val="tx1">
+                  <a:lumMod val="65000"/>
+                  <a:lumOff val="35000"/>
+                </a:schemeClr>
+              </a:solidFill>
+              <a:latin typeface="微软雅黑" panose="020B0503020204020204" pitchFamily="34" charset="-122"/>
+              <a:ea typeface="微软雅黑" panose="020B0503020204020204" pitchFamily="34" charset="-122"/>
+            </a:endParaRPr>
           </a:p>
         </p:txBody>
       </p:sp>
@@ -13503,8 +13400,8 @@
                     <a:lumOff val="25000"/>
                   </a:schemeClr>
                 </a:solidFill>
-                <a:latin typeface="微软雅黑" pitchFamily="34" charset="-122"/>
-                <a:ea typeface="微软雅黑" pitchFamily="34" charset="-122"/>
+                <a:latin typeface="微软雅黑" panose="020B0503020204020204" pitchFamily="34" charset="-122"/>
+                <a:ea typeface="微软雅黑" panose="020B0503020204020204" pitchFamily="34" charset="-122"/>
                 <a:cs typeface="Aharoni" panose="02010803020104030203" pitchFamily="2" charset="-79"/>
               </a:rPr>
               <a:t>目录</a:t>
@@ -13517,8 +13414,8 @@
                     <a:lumOff val="25000"/>
                   </a:schemeClr>
                 </a:solidFill>
-                <a:latin typeface="微软雅黑" pitchFamily="34" charset="-122"/>
-                <a:ea typeface="微软雅黑" pitchFamily="34" charset="-122"/>
+                <a:latin typeface="微软雅黑" panose="020B0503020204020204" pitchFamily="34" charset="-122"/>
+                <a:ea typeface="微软雅黑" panose="020B0503020204020204" pitchFamily="34" charset="-122"/>
                 <a:cs typeface="Aharoni" panose="02010803020104030203" pitchFamily="2" charset="-79"/>
               </a:rPr>
               <a:t>  </a:t>
@@ -13531,8 +13428,8 @@
                     <a:lumOff val="25000"/>
                   </a:schemeClr>
                 </a:solidFill>
-                <a:latin typeface="微软雅黑" pitchFamily="34" charset="-122"/>
-                <a:ea typeface="微软雅黑" pitchFamily="34" charset="-122"/>
+                <a:latin typeface="微软雅黑" panose="020B0503020204020204" pitchFamily="34" charset="-122"/>
+                <a:ea typeface="微软雅黑" panose="020B0503020204020204" pitchFamily="34" charset="-122"/>
                 <a:cs typeface="Aharoni" panose="02010803020104030203" pitchFamily="2" charset="-79"/>
               </a:rPr>
               <a:t>CONTENTS</a:t>
@@ -13544,8 +13441,8 @@
                   <a:lumOff val="25000"/>
                 </a:schemeClr>
               </a:solidFill>
-              <a:latin typeface="微软雅黑" pitchFamily="34" charset="-122"/>
-              <a:ea typeface="微软雅黑" pitchFamily="34" charset="-122"/>
+              <a:latin typeface="微软雅黑" panose="020B0503020204020204" pitchFamily="34" charset="-122"/>
+              <a:ea typeface="微软雅黑" panose="020B0503020204020204" pitchFamily="34" charset="-122"/>
               <a:cs typeface="Aharoni" panose="02010803020104030203" pitchFamily="2" charset="-79"/>
             </a:endParaRPr>
           </a:p>
@@ -13553,13 +13450,7 @@
       </p:sp>
       <p:sp>
         <p:nvSpPr>
-          <p:cNvPr id="37" name="iṩlíḍè">
-            <a:extLst>
-              <a:ext uri="{FF2B5EF4-FFF2-40B4-BE49-F238E27FC236}">
-                <a16:creationId xmlns:a16="http://schemas.microsoft.com/office/drawing/2014/main" id="{AFA17B1A-ADE2-4192-B1E0-5C875414F647}"/>
-              </a:ext>
-            </a:extLst>
-          </p:cNvPr>
+          <p:cNvPr id="37" name="iṩlíḍè"/>
           <p:cNvSpPr/>
           <p:nvPr/>
         </p:nvSpPr>
@@ -13692,20 +13583,20 @@
                 </a:solidFill>
                 <a:latin typeface="Agency FB" panose="020B0503020202020204" pitchFamily="34" charset="0"/>
               </a:rPr>
-              <a:t>4</a:t>
+              <a:t>5</a:t>
             </a:r>
+            <a:endParaRPr lang="en-US" sz="1500" b="1" dirty="0">
+              <a:solidFill>
+                <a:srgbClr val="2AB7C2"/>
+              </a:solidFill>
+              <a:latin typeface="Agency FB" panose="020B0503020202020204" pitchFamily="34" charset="0"/>
+            </a:endParaRPr>
           </a:p>
         </p:txBody>
       </p:sp>
       <p:grpSp>
         <p:nvGrpSpPr>
-          <p:cNvPr id="38" name="ïŝļidé">
-            <a:extLst>
-              <a:ext uri="{FF2B5EF4-FFF2-40B4-BE49-F238E27FC236}">
-                <a16:creationId xmlns:a16="http://schemas.microsoft.com/office/drawing/2014/main" id="{0D275106-F417-40A8-93E6-F50EA080717C}"/>
-              </a:ext>
-            </a:extLst>
-          </p:cNvPr>
+          <p:cNvPr id="38" name="ïŝļidé"/>
           <p:cNvGrpSpPr/>
           <p:nvPr/>
         </p:nvGrpSpPr>
@@ -13719,13 +13610,7 @@
         </p:grpSpPr>
         <p:sp>
           <p:nvSpPr>
-            <p:cNvPr id="41" name="ïṡḷîde">
-              <a:extLst>
-                <a:ext uri="{FF2B5EF4-FFF2-40B4-BE49-F238E27FC236}">
-                  <a16:creationId xmlns:a16="http://schemas.microsoft.com/office/drawing/2014/main" id="{02B017C2-427A-4050-9EB4-792F30656295}"/>
-                </a:ext>
-              </a:extLst>
-            </p:cNvPr>
+            <p:cNvPr id="41" name="ïṡḷîde"/>
             <p:cNvSpPr/>
             <p:nvPr/>
           </p:nvSpPr>
@@ -13858,13 +13743,7 @@
         </p:sp>
         <p:sp>
           <p:nvSpPr>
-            <p:cNvPr id="40" name="îṧlíḍé">
-              <a:extLst>
-                <a:ext uri="{FF2B5EF4-FFF2-40B4-BE49-F238E27FC236}">
-                  <a16:creationId xmlns:a16="http://schemas.microsoft.com/office/drawing/2014/main" id="{8225F172-0237-4ED4-BFBC-905B6FA7088E}"/>
-                </a:ext>
-              </a:extLst>
-            </p:cNvPr>
+            <p:cNvPr id="40" name="îṧlíḍé"/>
             <p:cNvSpPr/>
             <p:nvPr/>
           </p:nvSpPr>
@@ -14010,13 +13889,7 @@
       </p:grpSp>
       <p:sp>
         <p:nvSpPr>
-          <p:cNvPr id="43" name="文本框 51">
-            <a:extLst>
-              <a:ext uri="{FF2B5EF4-FFF2-40B4-BE49-F238E27FC236}">
-                <a16:creationId xmlns:a16="http://schemas.microsoft.com/office/drawing/2014/main" id="{CFA0CA03-7ACF-4ABB-9B88-D54A56CE9C17}"/>
-              </a:ext>
-            </a:extLst>
-          </p:cNvPr>
+          <p:cNvPr id="43" name="文本框 51"/>
           <p:cNvSpPr txBox="1"/>
           <p:nvPr/>
         </p:nvSpPr>
@@ -14050,23 +13923,27 @@
                     <a:lumOff val="35000"/>
                   </a:schemeClr>
                 </a:solidFill>
-                <a:latin typeface="微软雅黑" pitchFamily="34" charset="-122"/>
-                <a:ea typeface="微软雅黑" pitchFamily="34" charset="-122"/>
+                <a:latin typeface="微软雅黑" panose="020B0503020204020204" pitchFamily="34" charset="-122"/>
+                <a:ea typeface="微软雅黑" panose="020B0503020204020204" pitchFamily="34" charset="-122"/>
               </a:rPr>
               <a:t>技术难点</a:t>
             </a:r>
+            <a:endParaRPr lang="zh-CN" altLang="en-US" sz="1200" b="1" dirty="0">
+              <a:solidFill>
+                <a:schemeClr val="tx1">
+                  <a:lumMod val="65000"/>
+                  <a:lumOff val="35000"/>
+                </a:schemeClr>
+              </a:solidFill>
+              <a:latin typeface="微软雅黑" panose="020B0503020204020204" pitchFamily="34" charset="-122"/>
+              <a:ea typeface="微软雅黑" panose="020B0503020204020204" pitchFamily="34" charset="-122"/>
+            </a:endParaRPr>
           </a:p>
         </p:txBody>
       </p:sp>
       <p:grpSp>
         <p:nvGrpSpPr>
-          <p:cNvPr id="44" name="ïŝļidé">
-            <a:extLst>
-              <a:ext uri="{FF2B5EF4-FFF2-40B4-BE49-F238E27FC236}">
-                <a16:creationId xmlns:a16="http://schemas.microsoft.com/office/drawing/2014/main" id="{B7A23811-C89B-49B0-8354-8EB1C85A0B92}"/>
-              </a:ext>
-            </a:extLst>
-          </p:cNvPr>
+          <p:cNvPr id="44" name="ïŝļidé"/>
           <p:cNvGrpSpPr/>
           <p:nvPr/>
         </p:nvGrpSpPr>
@@ -14080,13 +13957,7 @@
         </p:grpSpPr>
         <p:sp>
           <p:nvSpPr>
-            <p:cNvPr id="50" name="ïṡḷîde">
-              <a:extLst>
-                <a:ext uri="{FF2B5EF4-FFF2-40B4-BE49-F238E27FC236}">
-                  <a16:creationId xmlns:a16="http://schemas.microsoft.com/office/drawing/2014/main" id="{5A719BA0-2672-40FB-88BC-CE4273DB051B}"/>
-                </a:ext>
-              </a:extLst>
-            </p:cNvPr>
+            <p:cNvPr id="50" name="ïṡḷîde"/>
             <p:cNvSpPr/>
             <p:nvPr/>
           </p:nvSpPr>
@@ -14219,13 +14090,7 @@
         </p:sp>
         <p:sp>
           <p:nvSpPr>
-            <p:cNvPr id="47" name="îṧlíḍé">
-              <a:extLst>
-                <a:ext uri="{FF2B5EF4-FFF2-40B4-BE49-F238E27FC236}">
-                  <a16:creationId xmlns:a16="http://schemas.microsoft.com/office/drawing/2014/main" id="{9C6EEE3E-E3DD-4165-BCB0-1E730B9614BA}"/>
-                </a:ext>
-              </a:extLst>
-            </p:cNvPr>
+            <p:cNvPr id="47" name="îṧlíḍé"/>
             <p:cNvSpPr/>
             <p:nvPr/>
           </p:nvSpPr>
@@ -14371,13 +14236,7 @@
       </p:grpSp>
       <p:grpSp>
         <p:nvGrpSpPr>
-          <p:cNvPr id="83" name="ïŝļidé">
-            <a:extLst>
-              <a:ext uri="{FF2B5EF4-FFF2-40B4-BE49-F238E27FC236}">
-                <a16:creationId xmlns:a16="http://schemas.microsoft.com/office/drawing/2014/main" id="{D80BF50D-E9CF-4F88-92E4-32D8ED79BC6E}"/>
-              </a:ext>
-            </a:extLst>
-          </p:cNvPr>
+          <p:cNvPr id="83" name="ïŝļidé"/>
           <p:cNvGrpSpPr/>
           <p:nvPr/>
         </p:nvGrpSpPr>
@@ -14391,13 +14250,7 @@
         </p:grpSpPr>
         <p:sp>
           <p:nvSpPr>
-            <p:cNvPr id="86" name="ïṡḷîde">
-              <a:extLst>
-                <a:ext uri="{FF2B5EF4-FFF2-40B4-BE49-F238E27FC236}">
-                  <a16:creationId xmlns:a16="http://schemas.microsoft.com/office/drawing/2014/main" id="{69ED88A0-4383-403E-8FBC-02FE29FBF6A4}"/>
-                </a:ext>
-              </a:extLst>
-            </p:cNvPr>
+            <p:cNvPr id="86" name="ïṡḷîde"/>
             <p:cNvSpPr/>
             <p:nvPr/>
           </p:nvSpPr>
@@ -14530,13 +14383,7 @@
         </p:sp>
         <p:sp>
           <p:nvSpPr>
-            <p:cNvPr id="85" name="îṧlíḍé">
-              <a:extLst>
-                <a:ext uri="{FF2B5EF4-FFF2-40B4-BE49-F238E27FC236}">
-                  <a16:creationId xmlns:a16="http://schemas.microsoft.com/office/drawing/2014/main" id="{3CE45D96-AAF9-4F58-AFC7-41C375D9E0AE}"/>
-                </a:ext>
-              </a:extLst>
-            </p:cNvPr>
+            <p:cNvPr id="85" name="îṧlíḍé"/>
             <p:cNvSpPr/>
             <p:nvPr/>
           </p:nvSpPr>
@@ -14682,13 +14529,7 @@
       </p:grpSp>
       <p:grpSp>
         <p:nvGrpSpPr>
-          <p:cNvPr id="88" name="ïŝļidé">
-            <a:extLst>
-              <a:ext uri="{FF2B5EF4-FFF2-40B4-BE49-F238E27FC236}">
-                <a16:creationId xmlns:a16="http://schemas.microsoft.com/office/drawing/2014/main" id="{62BD1313-A903-47EE-B91D-B55E0DA3A720}"/>
-              </a:ext>
-            </a:extLst>
-          </p:cNvPr>
+          <p:cNvPr id="88" name="ïŝļidé"/>
           <p:cNvGrpSpPr/>
           <p:nvPr/>
         </p:nvGrpSpPr>
@@ -14702,13 +14543,7 @@
         </p:grpSpPr>
         <p:grpSp>
           <p:nvGrpSpPr>
-            <p:cNvPr id="89" name="îŝḷiḋé">
-              <a:extLst>
-                <a:ext uri="{FF2B5EF4-FFF2-40B4-BE49-F238E27FC236}">
-                  <a16:creationId xmlns:a16="http://schemas.microsoft.com/office/drawing/2014/main" id="{131A280F-6803-42E2-A945-48BDA1D4B984}"/>
-                </a:ext>
-              </a:extLst>
-            </p:cNvPr>
+            <p:cNvPr id="89" name="îŝḷiḋé"/>
             <p:cNvGrpSpPr/>
             <p:nvPr/>
           </p:nvGrpSpPr>
@@ -14722,13 +14557,7 @@
           </p:grpSpPr>
           <p:sp>
             <p:nvSpPr>
-              <p:cNvPr id="91" name="ïṡḷîde">
-                <a:extLst>
-                  <a:ext uri="{FF2B5EF4-FFF2-40B4-BE49-F238E27FC236}">
-                    <a16:creationId xmlns:a16="http://schemas.microsoft.com/office/drawing/2014/main" id="{33FFA452-5866-47EC-AFAF-F473079B9BA9}"/>
-                  </a:ext>
-                </a:extLst>
-              </p:cNvPr>
+              <p:cNvPr id="91" name="ïṡḷîde"/>
               <p:cNvSpPr/>
               <p:nvPr/>
             </p:nvSpPr>
@@ -14861,16 +14690,8 @@
           </p:sp>
           <p:sp>
             <p:nvSpPr>
-              <p:cNvPr id="92" name="ísļîḋè">
-                <a:extLst>
-                  <a:ext uri="{FF2B5EF4-FFF2-40B4-BE49-F238E27FC236}">
-                    <a16:creationId xmlns:a16="http://schemas.microsoft.com/office/drawing/2014/main" id="{E32DA349-0477-4175-A7C9-43478214BB37}"/>
-                  </a:ext>
-                </a:extLst>
-              </p:cNvPr>
-              <p:cNvSpPr>
-                <a:spLocks/>
-              </p:cNvSpPr>
+              <p:cNvPr id="92" name="ísļîḋè"/>
+              <p:cNvSpPr/>
               <p:nvPr/>
             </p:nvSpPr>
             <p:spPr bwMode="auto">
@@ -16226,13 +16047,11 @@
               <a:effectLst/>
               <a:extLst>
                 <a:ext uri="{91240B29-F687-4F45-9708-019B960494DF}">
-                  <a14:hiddenLine xmlns:a14="http://schemas.microsoft.com/office/drawing/2010/main" w="9525" cap="flat">
+                  <a14:hiddenLine xmlns:a14="http://schemas.microsoft.com/office/drawing/2010/main" w="9525">
                     <a:solidFill>
                       <a:srgbClr val="808080"/>
                     </a:solidFill>
                     <a:bevel/>
-                    <a:headEnd/>
-                    <a:tailEnd/>
                   </a14:hiddenLine>
                 </a:ext>
                 <a:ext uri="{AF507438-7753-43E0-B8FC-AC1667EBCBE1}">
@@ -16359,13 +16178,7 @@
         </p:grpSp>
         <p:sp>
           <p:nvSpPr>
-            <p:cNvPr id="90" name="îṧlíḍé">
-              <a:extLst>
-                <a:ext uri="{FF2B5EF4-FFF2-40B4-BE49-F238E27FC236}">
-                  <a16:creationId xmlns:a16="http://schemas.microsoft.com/office/drawing/2014/main" id="{93A730C6-A618-48D7-857F-403808BDDC94}"/>
-                </a:ext>
-              </a:extLst>
-            </p:cNvPr>
+            <p:cNvPr id="90" name="îṧlíḍé"/>
             <p:cNvSpPr/>
             <p:nvPr/>
           </p:nvSpPr>
@@ -16511,13 +16324,7 @@
       </p:grpSp>
       <p:sp>
         <p:nvSpPr>
-          <p:cNvPr id="93" name="文本框 51">
-            <a:extLst>
-              <a:ext uri="{FF2B5EF4-FFF2-40B4-BE49-F238E27FC236}">
-                <a16:creationId xmlns:a16="http://schemas.microsoft.com/office/drawing/2014/main" id="{562B5722-D37A-4A55-8E63-DB8A4F1B5B44}"/>
-              </a:ext>
-            </a:extLst>
-          </p:cNvPr>
+          <p:cNvPr id="93" name="文本框 51"/>
           <p:cNvSpPr txBox="1"/>
           <p:nvPr/>
         </p:nvSpPr>
@@ -16551,23 +16358,27 @@
                     <a:lumOff val="35000"/>
                   </a:schemeClr>
                 </a:solidFill>
-                <a:latin typeface="微软雅黑" pitchFamily="34" charset="-122"/>
-                <a:ea typeface="微软雅黑" pitchFamily="34" charset="-122"/>
+                <a:latin typeface="微软雅黑" panose="020B0503020204020204" pitchFamily="34" charset="-122"/>
+                <a:ea typeface="微软雅黑" panose="020B0503020204020204" pitchFamily="34" charset="-122"/>
               </a:rPr>
               <a:t>产品测试与用户建议</a:t>
             </a:r>
+            <a:endParaRPr lang="zh-CN" altLang="en-US" sz="1200" b="1" dirty="0">
+              <a:solidFill>
+                <a:schemeClr val="tx1">
+                  <a:lumMod val="65000"/>
+                  <a:lumOff val="35000"/>
+                </a:schemeClr>
+              </a:solidFill>
+              <a:latin typeface="微软雅黑" panose="020B0503020204020204" pitchFamily="34" charset="-122"/>
+              <a:ea typeface="微软雅黑" panose="020B0503020204020204" pitchFamily="34" charset="-122"/>
+            </a:endParaRPr>
           </a:p>
         </p:txBody>
       </p:sp>
       <p:sp>
         <p:nvSpPr>
-          <p:cNvPr id="94" name="文本框 51">
-            <a:extLst>
-              <a:ext uri="{FF2B5EF4-FFF2-40B4-BE49-F238E27FC236}">
-                <a16:creationId xmlns:a16="http://schemas.microsoft.com/office/drawing/2014/main" id="{029275E4-0A04-4BB2-94A6-8162198834D3}"/>
-              </a:ext>
-            </a:extLst>
-          </p:cNvPr>
+          <p:cNvPr id="94" name="文本框 51"/>
           <p:cNvSpPr txBox="1"/>
           <p:nvPr/>
         </p:nvSpPr>
@@ -16601,23 +16412,27 @@
                     <a:lumOff val="35000"/>
                   </a:schemeClr>
                 </a:solidFill>
-                <a:latin typeface="微软雅黑" pitchFamily="34" charset="-122"/>
-                <a:ea typeface="微软雅黑" pitchFamily="34" charset="-122"/>
+                <a:latin typeface="微软雅黑" panose="020B0503020204020204" pitchFamily="34" charset="-122"/>
+                <a:ea typeface="微软雅黑" panose="020B0503020204020204" pitchFamily="34" charset="-122"/>
               </a:rPr>
               <a:t>改进与发展</a:t>
             </a:r>
+            <a:endParaRPr lang="zh-CN" altLang="en-US" sz="1200" b="1" dirty="0">
+              <a:solidFill>
+                <a:schemeClr val="tx1">
+                  <a:lumMod val="65000"/>
+                  <a:lumOff val="35000"/>
+                </a:schemeClr>
+              </a:solidFill>
+              <a:latin typeface="微软雅黑" panose="020B0503020204020204" pitchFamily="34" charset="-122"/>
+              <a:ea typeface="微软雅黑" panose="020B0503020204020204" pitchFamily="34" charset="-122"/>
+            </a:endParaRPr>
           </a:p>
         </p:txBody>
       </p:sp>
       <p:sp>
         <p:nvSpPr>
-          <p:cNvPr id="95" name="文本框 51">
-            <a:extLst>
-              <a:ext uri="{FF2B5EF4-FFF2-40B4-BE49-F238E27FC236}">
-                <a16:creationId xmlns:a16="http://schemas.microsoft.com/office/drawing/2014/main" id="{FECD89F3-D299-425F-82B7-4AA4F6D9482C}"/>
-              </a:ext>
-            </a:extLst>
-          </p:cNvPr>
+          <p:cNvPr id="95" name="文本框 51"/>
           <p:cNvSpPr txBox="1"/>
           <p:nvPr/>
         </p:nvSpPr>
@@ -16651,26 +16466,28 @@
                     <a:lumOff val="35000"/>
                   </a:schemeClr>
                 </a:solidFill>
-                <a:latin typeface="微软雅黑" pitchFamily="34" charset="-122"/>
-                <a:ea typeface="微软雅黑" pitchFamily="34" charset="-122"/>
+                <a:latin typeface="微软雅黑" panose="020B0503020204020204" pitchFamily="34" charset="-122"/>
+                <a:ea typeface="微软雅黑" panose="020B0503020204020204" pitchFamily="34" charset="-122"/>
               </a:rPr>
               <a:t>分工说明</a:t>
             </a:r>
+            <a:endParaRPr lang="zh-CN" altLang="en-US" sz="1200" b="1" dirty="0">
+              <a:solidFill>
+                <a:schemeClr val="tx1">
+                  <a:lumMod val="65000"/>
+                  <a:lumOff val="35000"/>
+                </a:schemeClr>
+              </a:solidFill>
+              <a:latin typeface="微软雅黑" panose="020B0503020204020204" pitchFamily="34" charset="-122"/>
+              <a:ea typeface="微软雅黑" panose="020B0503020204020204" pitchFamily="34" charset="-122"/>
+            </a:endParaRPr>
           </a:p>
         </p:txBody>
       </p:sp>
       <p:sp>
         <p:nvSpPr>
-          <p:cNvPr id="96" name="iṩļíḋè">
-            <a:extLst>
-              <a:ext uri="{FF2B5EF4-FFF2-40B4-BE49-F238E27FC236}">
-                <a16:creationId xmlns:a16="http://schemas.microsoft.com/office/drawing/2014/main" id="{913E8164-3E7E-4C7A-BF0F-43DEFF4131F7}"/>
-              </a:ext>
-            </a:extLst>
-          </p:cNvPr>
-          <p:cNvSpPr>
-            <a:spLocks/>
-          </p:cNvSpPr>
+          <p:cNvPr id="96" name="iṩļíḋè"/>
+          <p:cNvSpPr/>
           <p:nvPr/>
         </p:nvSpPr>
         <p:spPr bwMode="auto">
@@ -17741,13 +17558,11 @@
           <a:effectLst/>
           <a:extLst>
             <a:ext uri="{91240B29-F687-4F45-9708-019B960494DF}">
-              <a14:hiddenLine xmlns:a14="http://schemas.microsoft.com/office/drawing/2010/main" w="9525" cap="flat">
+              <a14:hiddenLine xmlns:a14="http://schemas.microsoft.com/office/drawing/2010/main" w="9525">
                 <a:solidFill>
                   <a:srgbClr val="808080"/>
                 </a:solidFill>
                 <a:bevel/>
-                <a:headEnd/>
-                <a:tailEnd/>
               </a14:hiddenLine>
             </a:ext>
             <a:ext uri="{AF507438-7753-43E0-B8FC-AC1667EBCBE1}">
@@ -17873,16 +17688,8 @@
       </p:sp>
       <p:sp>
         <p:nvSpPr>
-          <p:cNvPr id="97" name="íṧ1íḓe">
-            <a:extLst>
-              <a:ext uri="{FF2B5EF4-FFF2-40B4-BE49-F238E27FC236}">
-                <a16:creationId xmlns:a16="http://schemas.microsoft.com/office/drawing/2014/main" id="{1AC5BDFE-E209-4030-A3E2-BCF3E9FD7F5E}"/>
-              </a:ext>
-            </a:extLst>
-          </p:cNvPr>
-          <p:cNvSpPr>
-            <a:spLocks/>
-          </p:cNvSpPr>
+          <p:cNvPr id="97" name="íṧ1íḓe"/>
+          <p:cNvSpPr/>
           <p:nvPr/>
         </p:nvSpPr>
         <p:spPr bwMode="auto">
@@ -18371,13 +18178,11 @@
           <a:effectLst/>
           <a:extLst>
             <a:ext uri="{91240B29-F687-4F45-9708-019B960494DF}">
-              <a14:hiddenLine xmlns:a14="http://schemas.microsoft.com/office/drawing/2010/main" w="9525" cap="flat">
+              <a14:hiddenLine xmlns:a14="http://schemas.microsoft.com/office/drawing/2010/main" w="9525">
                 <a:solidFill>
                   <a:srgbClr val="808080"/>
                 </a:solidFill>
                 <a:bevel/>
-                <a:headEnd/>
-                <a:tailEnd/>
               </a14:hiddenLine>
             </a:ext>
             <a:ext uri="{AF507438-7753-43E0-B8FC-AC1667EBCBE1}">
@@ -18503,16 +18308,8 @@
       </p:sp>
       <p:sp>
         <p:nvSpPr>
-          <p:cNvPr id="98" name="îs1îḋè">
-            <a:extLst>
-              <a:ext uri="{FF2B5EF4-FFF2-40B4-BE49-F238E27FC236}">
-                <a16:creationId xmlns:a16="http://schemas.microsoft.com/office/drawing/2014/main" id="{4CD63BDD-2A2A-447E-BD20-3E48B5A75CA9}"/>
-              </a:ext>
-            </a:extLst>
-          </p:cNvPr>
-          <p:cNvSpPr>
-            <a:spLocks/>
-          </p:cNvSpPr>
+          <p:cNvPr id="98" name="îs1îḋè"/>
+          <p:cNvSpPr/>
           <p:nvPr/>
         </p:nvSpPr>
         <p:spPr bwMode="auto">
@@ -18976,13 +18773,11 @@
           <a:effectLst/>
           <a:extLst>
             <a:ext uri="{91240B29-F687-4F45-9708-019B960494DF}">
-              <a14:hiddenLine xmlns:a14="http://schemas.microsoft.com/office/drawing/2010/main" w="9525" cap="flat">
+              <a14:hiddenLine xmlns:a14="http://schemas.microsoft.com/office/drawing/2010/main" w="9525">
                 <a:solidFill>
                   <a:srgbClr val="808080"/>
                 </a:solidFill>
                 <a:bevel/>
-                <a:headEnd/>
-                <a:tailEnd/>
               </a14:hiddenLine>
             </a:ext>
             <a:ext uri="{AF507438-7753-43E0-B8FC-AC1667EBCBE1}">
@@ -19108,13 +18903,7 @@
       </p:sp>
       <p:sp>
         <p:nvSpPr>
-          <p:cNvPr id="100" name="文本框 195">
-            <a:extLst>
-              <a:ext uri="{FF2B5EF4-FFF2-40B4-BE49-F238E27FC236}">
-                <a16:creationId xmlns:a16="http://schemas.microsoft.com/office/drawing/2014/main" id="{33A50F48-52A8-4D19-95D3-E6FBC1826E48}"/>
-              </a:ext>
-            </a:extLst>
-          </p:cNvPr>
+          <p:cNvPr id="100" name="文本框 195"/>
           <p:cNvSpPr txBox="1"/>
           <p:nvPr/>
         </p:nvSpPr>
@@ -19160,13 +18949,7 @@
       </p:sp>
       <p:sp>
         <p:nvSpPr>
-          <p:cNvPr id="101" name="文本框 195">
-            <a:extLst>
-              <a:ext uri="{FF2B5EF4-FFF2-40B4-BE49-F238E27FC236}">
-                <a16:creationId xmlns:a16="http://schemas.microsoft.com/office/drawing/2014/main" id="{27110A21-A53F-4E26-B11D-3AECDABA4D06}"/>
-              </a:ext>
-            </a:extLst>
-          </p:cNvPr>
+          <p:cNvPr id="101" name="文本框 195"/>
           <p:cNvSpPr txBox="1"/>
           <p:nvPr/>
         </p:nvSpPr>
@@ -19215,13 +18998,13 @@
   <p:clrMapOvr>
     <a:masterClrMapping/>
   </p:clrMapOvr>
-  <mc:AlternateContent xmlns:mc="http://schemas.openxmlformats.org/markup-compatibility/2006" xmlns:p14="http://schemas.microsoft.com/office/powerpoint/2010/main">
-    <mc:Choice Requires="p14">
+  <mc:AlternateContent xmlns:mc="http://schemas.openxmlformats.org/markup-compatibility/2006">
+    <mc:Choice xmlns:p14="http://schemas.microsoft.com/office/powerpoint/2010/main" Requires="p14">
       <p:transition spd="med" p14:dur="700" advTm="3000">
         <p:push/>
       </p:transition>
     </mc:Choice>
-    <mc:Fallback xmlns="">
+    <mc:Fallback>
       <p:transition spd="med" advTm="3000">
         <p:push/>
       </p:transition>
@@ -19291,6 +19074,10 @@
                 </a:rPr>
                 <a:t>分工说明</a:t>
               </a:r>
+              <a:endParaRPr lang="zh-CN" altLang="en-US" sz="1800" b="1" dirty="0">
+                <a:latin typeface="微软雅黑" panose="020B0503020204020204" pitchFamily="34" charset="-122"/>
+                <a:ea typeface="微软雅黑" panose="020B0503020204020204" pitchFamily="34" charset="-122"/>
+              </a:endParaRPr>
             </a:p>
           </p:txBody>
         </p:sp>
@@ -19367,13 +19154,7 @@
       </p:grpSp>
       <p:sp>
         <p:nvSpPr>
-          <p:cNvPr id="3" name="文本框 2">
-            <a:extLst>
-              <a:ext uri="{FF2B5EF4-FFF2-40B4-BE49-F238E27FC236}">
-                <a16:creationId xmlns:a16="http://schemas.microsoft.com/office/drawing/2014/main" id="{B72D3EAF-1CBA-4F96-BEEF-1762D1077E28}"/>
-              </a:ext>
-            </a:extLst>
-          </p:cNvPr>
+          <p:cNvPr id="3" name="文本框 2"/>
           <p:cNvSpPr txBox="1"/>
           <p:nvPr/>
         </p:nvSpPr>
@@ -19405,18 +19186,13 @@
               <a:rPr lang="zh-CN" altLang="en-US" dirty="0"/>
               <a:t>文件导出与使用说明；</a:t>
             </a:r>
+            <a:endParaRPr lang="zh-CN" altLang="en-US" dirty="0"/>
           </a:p>
         </p:txBody>
       </p:sp>
       <p:sp>
         <p:nvSpPr>
-          <p:cNvPr id="37" name="文本框 36">
-            <a:extLst>
-              <a:ext uri="{FF2B5EF4-FFF2-40B4-BE49-F238E27FC236}">
-                <a16:creationId xmlns:a16="http://schemas.microsoft.com/office/drawing/2014/main" id="{0EF4126C-3B25-4E92-93D2-5DC1B3E6D3A3}"/>
-              </a:ext>
-            </a:extLst>
-          </p:cNvPr>
+          <p:cNvPr id="37" name="文本框 36"/>
           <p:cNvSpPr txBox="1"/>
           <p:nvPr/>
         </p:nvSpPr>
@@ -19448,18 +19224,13 @@
               <a:rPr lang="zh-CN" altLang="en-US" dirty="0"/>
               <a:t>上传；</a:t>
             </a:r>
+            <a:endParaRPr lang="zh-CN" altLang="en-US" dirty="0"/>
           </a:p>
         </p:txBody>
       </p:sp>
       <p:sp>
         <p:nvSpPr>
-          <p:cNvPr id="38" name="文本框 37">
-            <a:extLst>
-              <a:ext uri="{FF2B5EF4-FFF2-40B4-BE49-F238E27FC236}">
-                <a16:creationId xmlns:a16="http://schemas.microsoft.com/office/drawing/2014/main" id="{F5BE6770-DBE9-4732-B27A-D819807E22CB}"/>
-              </a:ext>
-            </a:extLst>
-          </p:cNvPr>
+          <p:cNvPr id="38" name="文本框 37"/>
           <p:cNvSpPr txBox="1"/>
           <p:nvPr/>
         </p:nvSpPr>
@@ -19491,18 +19262,13 @@
               <a:rPr lang="zh-CN" altLang="en-US" dirty="0"/>
               <a:t>主要管理；产品测试；</a:t>
             </a:r>
+            <a:endParaRPr lang="zh-CN" altLang="en-US" dirty="0"/>
           </a:p>
         </p:txBody>
       </p:sp>
       <p:sp>
         <p:nvSpPr>
-          <p:cNvPr id="39" name="文本框 38">
-            <a:extLst>
-              <a:ext uri="{FF2B5EF4-FFF2-40B4-BE49-F238E27FC236}">
-                <a16:creationId xmlns:a16="http://schemas.microsoft.com/office/drawing/2014/main" id="{B02618B3-0B2A-4871-AED7-EAD19C1D7A66}"/>
-              </a:ext>
-            </a:extLst>
-          </p:cNvPr>
+          <p:cNvPr id="39" name="文本框 38"/>
           <p:cNvSpPr txBox="1"/>
           <p:nvPr/>
         </p:nvSpPr>
@@ -19526,6 +19292,7 @@
               <a:rPr lang="zh-CN" altLang="en-US" dirty="0"/>
               <a:t>柯俊炜：数据类型设计；任务详情界面功能实现；第三阶段汇报主要工作；</a:t>
             </a:r>
+            <a:endParaRPr lang="zh-CN" altLang="en-US" dirty="0"/>
           </a:p>
         </p:txBody>
       </p:sp>
@@ -19534,13 +19301,13 @@
   <p:clrMapOvr>
     <a:masterClrMapping/>
   </p:clrMapOvr>
-  <mc:AlternateContent xmlns:mc="http://schemas.openxmlformats.org/markup-compatibility/2006" xmlns:p14="http://schemas.microsoft.com/office/powerpoint/2010/main">
-    <mc:Choice Requires="p14">
+  <mc:AlternateContent xmlns:mc="http://schemas.openxmlformats.org/markup-compatibility/2006">
+    <mc:Choice xmlns:p14="http://schemas.microsoft.com/office/powerpoint/2010/main" Requires="p14">
       <p:transition spd="med" p14:dur="700" advTm="3000">
         <p:push/>
       </p:transition>
     </mc:Choice>
-    <mc:Fallback xmlns="">
+    <mc:Fallback>
       <p:transition spd="med" advTm="3000">
         <p:push/>
       </p:transition>
@@ -19568,20 +19335,14 @@
       </p:grpSpPr>
       <p:pic>
         <p:nvPicPr>
-          <p:cNvPr id="19" name="图片 18">
-            <a:extLst>
-              <a:ext uri="{FF2B5EF4-FFF2-40B4-BE49-F238E27FC236}">
-                <a16:creationId xmlns:a16="http://schemas.microsoft.com/office/drawing/2014/main" id="{8E078DB7-376F-44CF-B0FF-B15C8F302ABD}"/>
-              </a:ext>
-            </a:extLst>
-          </p:cNvPr>
+          <p:cNvPr id="19" name="图片 18"/>
           <p:cNvPicPr>
             <a:picLocks noChangeAspect="1"/>
           </p:cNvPicPr>
           <p:nvPr/>
         </p:nvPicPr>
         <p:blipFill rotWithShape="1">
-          <a:blip r:embed="rId4" cstate="print">
+          <a:blip r:embed="rId1" cstate="print">
             <a:extLst>
               <a:ext uri="{28A0092B-C50C-407E-A947-70E740481C1C}">
                 <a14:useLocalDpi xmlns:a14="http://schemas.microsoft.com/office/drawing/2010/main" val="0"/>
@@ -19589,7 +19350,9 @@
             </a:extLst>
           </a:blip>
           <a:srcRect l="7832" r="7832"/>
-          <a:stretch/>
+          <a:stretch>
+            <a:fillRect/>
+          </a:stretch>
         </p:blipFill>
         <p:spPr>
           <a:xfrm rot="16200000">
@@ -19670,7 +19433,6 @@
                 <a:buSzTx/>
                 <a:buFontTx/>
                 <a:buNone/>
-                <a:tabLst/>
                 <a:defRPr/>
               </a:pPr>
               <a:endParaRPr kumimoji="0" lang="zh-CN" altLang="en-US" sz="1400" b="0" i="0" u="none" strike="noStrike" kern="1200" cap="none" spc="0" normalizeH="0" baseline="0" noProof="0">
@@ -19683,8 +19445,8 @@
                 <a:effectLst/>
                 <a:uLnTx/>
                 <a:uFillTx/>
-                <a:latin typeface="等线"/>
-                <a:ea typeface="等线" panose="02010600030101010101" pitchFamily="2" charset="-122"/>
+                <a:latin typeface="等线" panose="02010600030101010101" charset="-122"/>
+                <a:ea typeface="等线" panose="02010600030101010101" charset="-122"/>
                 <a:cs typeface="+mn-cs"/>
               </a:endParaRPr>
             </a:p>
@@ -19745,7 +19507,6 @@
                 <a:buSzTx/>
                 <a:buFontTx/>
                 <a:buNone/>
-                <a:tabLst/>
                 <a:defRPr/>
               </a:pPr>
               <a:endParaRPr kumimoji="0" lang="zh-CN" altLang="en-US" sz="1400" b="0" i="0" u="none" strike="noStrike" kern="1200" cap="none" spc="0" normalizeH="0" baseline="0" noProof="0">
@@ -19758,8 +19519,8 @@
                 <a:effectLst/>
                 <a:uLnTx/>
                 <a:uFillTx/>
-                <a:latin typeface="等线"/>
-                <a:ea typeface="等线" panose="02010600030101010101" pitchFamily="2" charset="-122"/>
+                <a:latin typeface="等线" panose="02010600030101010101" charset="-122"/>
+                <a:ea typeface="等线" panose="02010600030101010101" charset="-122"/>
                 <a:cs typeface="+mn-cs"/>
               </a:endParaRPr>
             </a:p>
@@ -19835,7 +19596,6 @@
                 <a:buSzTx/>
                 <a:buFontTx/>
                 <a:buNone/>
-                <a:tabLst/>
                 <a:defRPr/>
               </a:pPr>
               <a:endParaRPr kumimoji="0" lang="zh-CN" altLang="en-US" sz="1400" b="0" i="0" u="none" strike="noStrike" kern="1200" cap="none" spc="0" normalizeH="0" baseline="0" noProof="0">
@@ -19848,8 +19608,8 @@
                 <a:effectLst/>
                 <a:uLnTx/>
                 <a:uFillTx/>
-                <a:latin typeface="等线"/>
-                <a:ea typeface="等线" panose="02010600030101010101" pitchFamily="2" charset="-122"/>
+                <a:latin typeface="等线" panose="02010600030101010101" charset="-122"/>
+                <a:ea typeface="等线" panose="02010600030101010101" charset="-122"/>
                 <a:cs typeface="+mn-cs"/>
               </a:endParaRPr>
             </a:p>
@@ -19910,7 +19670,6 @@
                 <a:buSzTx/>
                 <a:buFontTx/>
                 <a:buNone/>
-                <a:tabLst/>
                 <a:defRPr/>
               </a:pPr>
               <a:endParaRPr kumimoji="0" lang="zh-CN" altLang="en-US" sz="1400" b="0" i="0" u="none" strike="noStrike" kern="1200" cap="none" spc="0" normalizeH="0" baseline="0" noProof="0" dirty="0">
@@ -19923,8 +19682,8 @@
                 <a:effectLst/>
                 <a:uLnTx/>
                 <a:uFillTx/>
-                <a:latin typeface="等线"/>
-                <a:ea typeface="等线" panose="02010600030101010101" pitchFamily="2" charset="-122"/>
+                <a:latin typeface="等线" panose="02010600030101010101" charset="-122"/>
+                <a:ea typeface="等线" panose="02010600030101010101" charset="-122"/>
                 <a:cs typeface="+mn-cs"/>
               </a:endParaRPr>
             </a:p>
@@ -19985,7 +19744,6 @@
                 <a:buSzTx/>
                 <a:buFontTx/>
                 <a:buNone/>
-                <a:tabLst/>
                 <a:defRPr/>
               </a:pPr>
               <a:endParaRPr kumimoji="0" lang="zh-CN" altLang="en-US" sz="1400" b="0" i="0" u="none" strike="noStrike" kern="1200" cap="none" spc="0" normalizeH="0" baseline="0" noProof="0" dirty="0">
@@ -19998,8 +19756,8 @@
                 <a:effectLst/>
                 <a:uLnTx/>
                 <a:uFillTx/>
-                <a:latin typeface="等线"/>
-                <a:ea typeface="等线" panose="02010600030101010101" pitchFamily="2" charset="-122"/>
+                <a:latin typeface="等线" panose="02010600030101010101" charset="-122"/>
+                <a:ea typeface="等线" panose="02010600030101010101" charset="-122"/>
                 <a:cs typeface="+mn-cs"/>
               </a:endParaRPr>
             </a:p>
@@ -20042,7 +19800,6 @@
               <a:buSzTx/>
               <a:buFontTx/>
               <a:buNone/>
-              <a:tabLst/>
               <a:defRPr/>
             </a:pPr>
             <a:r>
@@ -20210,7 +19967,6 @@
               <a:buSzTx/>
               <a:buFontTx/>
               <a:buNone/>
-              <a:tabLst/>
               <a:defRPr/>
             </a:pPr>
             <a:r>
@@ -20292,7 +20048,6 @@
               <a:buSzTx/>
               <a:buFontTx/>
               <a:buNone/>
-              <a:tabLst/>
               <a:defRPr/>
             </a:pPr>
             <a:r>
@@ -20306,24 +20061,32 @@
                 <a:effectLst/>
                 <a:uLnTx/>
                 <a:uFillTx/>
-                <a:latin typeface="华文细黑" pitchFamily="2" charset="-122"/>
-                <a:ea typeface="华文细黑" pitchFamily="2" charset="-122"/>
+                <a:latin typeface="华文细黑" panose="02010600040101010101" pitchFamily="2" charset="-122"/>
+                <a:ea typeface="华文细黑" panose="02010600040101010101" pitchFamily="2" charset="-122"/>
                 <a:cs typeface="+mn-cs"/>
               </a:rPr>
               <a:t>Welcome change and be brave and innovative </a:t>
             </a:r>
+            <a:endParaRPr kumimoji="0" lang="en-US" altLang="zh-CN" sz="1200" b="0" i="0" u="none" strike="noStrike" kern="1200" cap="none" spc="0" normalizeH="0" baseline="0" noProof="0" dirty="0">
+              <a:ln>
+                <a:noFill/>
+              </a:ln>
+              <a:solidFill>
+                <a:srgbClr val="000000"/>
+              </a:solidFill>
+              <a:effectLst/>
+              <a:uLnTx/>
+              <a:uFillTx/>
+              <a:latin typeface="华文细黑" panose="02010600040101010101" pitchFamily="2" charset="-122"/>
+              <a:ea typeface="华文细黑" panose="02010600040101010101" pitchFamily="2" charset="-122"/>
+              <a:cs typeface="+mn-cs"/>
+            </a:endParaRPr>
           </a:p>
         </p:txBody>
       </p:sp>
       <p:grpSp>
         <p:nvGrpSpPr>
-          <p:cNvPr id="9" name="组合 8">
-            <a:extLst>
-              <a:ext uri="{FF2B5EF4-FFF2-40B4-BE49-F238E27FC236}">
-                <a16:creationId xmlns:a16="http://schemas.microsoft.com/office/drawing/2014/main" id="{884CB751-D07D-4223-B931-C3D714FE6033}"/>
-              </a:ext>
-            </a:extLst>
-          </p:cNvPr>
+          <p:cNvPr id="9" name="组合 8"/>
           <p:cNvGrpSpPr/>
           <p:nvPr/>
         </p:nvGrpSpPr>
@@ -20404,7 +20167,6 @@
                   <a:buSzTx/>
                   <a:buFontTx/>
                   <a:buNone/>
-                  <a:tabLst/>
                   <a:defRPr/>
                 </a:pPr>
                 <a:endParaRPr kumimoji="0" lang="zh-CN" altLang="en-US" sz="1400" b="0" i="0" u="none" strike="noStrike" kern="1200" cap="none" spc="0" normalizeH="0" baseline="0" noProof="0">
@@ -20417,8 +20179,8 @@
                   <a:effectLst/>
                   <a:uLnTx/>
                   <a:uFillTx/>
-                  <a:latin typeface="等线"/>
-                  <a:ea typeface="等线" panose="02010600030101010101" pitchFamily="2" charset="-122"/>
+                  <a:latin typeface="等线" panose="02010600030101010101" charset="-122"/>
+                  <a:ea typeface="等线" panose="02010600030101010101" charset="-122"/>
                   <a:cs typeface="+mn-cs"/>
                 </a:endParaRPr>
               </a:p>
@@ -20460,7 +20222,6 @@
                   <a:buSzTx/>
                   <a:buFontTx/>
                   <a:buNone/>
-                  <a:tabLst/>
                   <a:defRPr/>
                 </a:pPr>
                 <a:r>
@@ -20474,10 +20235,10 @@
                     <a:effectLst/>
                     <a:uLnTx/>
                     <a:uFillTx/>
-                    <a:latin typeface="Verdana" pitchFamily="34" charset="0"/>
-                    <a:ea typeface="微软雅黑" pitchFamily="34" charset="-122"/>
+                    <a:latin typeface="Verdana" panose="020B0604030504040204" pitchFamily="34" charset="0"/>
+                    <a:ea typeface="微软雅黑" panose="020B0503020204020204" pitchFamily="34" charset="-122"/>
                     <a:cs typeface="+mn-cs"/>
-                    <a:sym typeface="微软雅黑" pitchFamily="34" charset="-122"/>
+                    <a:sym typeface="微软雅黑" panose="020B0503020204020204" pitchFamily="34" charset="-122"/>
                   </a:rPr>
                   <a:t>简洁实用 </a:t>
                 </a:r>
@@ -20492,10 +20253,10 @@
                     <a:effectLst/>
                     <a:uLnTx/>
                     <a:uFillTx/>
-                    <a:latin typeface="Verdana" pitchFamily="34" charset="0"/>
-                    <a:ea typeface="微软雅黑" pitchFamily="34" charset="-122"/>
+                    <a:latin typeface="Verdana" panose="020B0604030504040204" pitchFamily="34" charset="0"/>
+                    <a:ea typeface="微软雅黑" panose="020B0503020204020204" pitchFamily="34" charset="-122"/>
                     <a:cs typeface="+mn-cs"/>
-                    <a:sym typeface="微软雅黑" pitchFamily="34" charset="-122"/>
+                    <a:sym typeface="微软雅黑" panose="020B0503020204020204" pitchFamily="34" charset="-122"/>
                   </a:rPr>
                   <a:t>| </a:t>
                 </a:r>
@@ -20510,10 +20271,10 @@
                     <a:effectLst/>
                     <a:uLnTx/>
                     <a:uFillTx/>
-                    <a:latin typeface="Verdana" pitchFamily="34" charset="0"/>
-                    <a:ea typeface="微软雅黑" pitchFamily="34" charset="-122"/>
+                    <a:latin typeface="Verdana" panose="020B0604030504040204" pitchFamily="34" charset="0"/>
+                    <a:ea typeface="微软雅黑" panose="020B0503020204020204" pitchFamily="34" charset="-122"/>
                     <a:cs typeface="+mn-cs"/>
-                    <a:sym typeface="微软雅黑" pitchFamily="34" charset="-122"/>
+                    <a:sym typeface="微软雅黑" panose="020B0503020204020204" pitchFamily="34" charset="-122"/>
                   </a:rPr>
                   <a:t>框架完整 </a:t>
                 </a:r>
@@ -20528,10 +20289,10 @@
                     <a:effectLst/>
                     <a:uLnTx/>
                     <a:uFillTx/>
-                    <a:latin typeface="Verdana" pitchFamily="34" charset="0"/>
-                    <a:ea typeface="微软雅黑" pitchFamily="34" charset="-122"/>
+                    <a:latin typeface="Verdana" panose="020B0604030504040204" pitchFamily="34" charset="0"/>
+                    <a:ea typeface="微软雅黑" panose="020B0503020204020204" pitchFamily="34" charset="-122"/>
                     <a:cs typeface="+mn-cs"/>
-                    <a:sym typeface="微软雅黑" pitchFamily="34" charset="-122"/>
+                    <a:sym typeface="微软雅黑" panose="020B0503020204020204" pitchFamily="34" charset="-122"/>
                   </a:rPr>
                   <a:t>|</a:t>
                 </a:r>
@@ -20546,10 +20307,10 @@
                     <a:effectLst/>
                     <a:uLnTx/>
                     <a:uFillTx/>
-                    <a:latin typeface="Verdana" pitchFamily="34" charset="0"/>
-                    <a:ea typeface="微软雅黑" pitchFamily="34" charset="-122"/>
+                    <a:latin typeface="Verdana" panose="020B0604030504040204" pitchFamily="34" charset="0"/>
+                    <a:ea typeface="微软雅黑" panose="020B0503020204020204" pitchFamily="34" charset="-122"/>
                     <a:cs typeface="+mn-cs"/>
-                    <a:sym typeface="微软雅黑" pitchFamily="34" charset="-122"/>
+                    <a:sym typeface="微软雅黑" panose="020B0503020204020204" pitchFamily="34" charset="-122"/>
                   </a:rPr>
                   <a:t>工作总结 </a:t>
                 </a:r>
@@ -20564,10 +20325,10 @@
                     <a:effectLst/>
                     <a:uLnTx/>
                     <a:uFillTx/>
-                    <a:latin typeface="Verdana" pitchFamily="34" charset="0"/>
-                    <a:ea typeface="微软雅黑" pitchFamily="34" charset="-122"/>
+                    <a:latin typeface="Verdana" panose="020B0604030504040204" pitchFamily="34" charset="0"/>
+                    <a:ea typeface="微软雅黑" panose="020B0503020204020204" pitchFamily="34" charset="-122"/>
                     <a:cs typeface="+mn-cs"/>
-                    <a:sym typeface="微软雅黑" pitchFamily="34" charset="-122"/>
+                    <a:sym typeface="微软雅黑" panose="020B0503020204020204" pitchFamily="34" charset="-122"/>
                   </a:rPr>
                   <a:t>| </a:t>
                 </a:r>
@@ -20582,10 +20343,10 @@
                     <a:effectLst/>
                     <a:uLnTx/>
                     <a:uFillTx/>
-                    <a:latin typeface="Verdana" pitchFamily="34" charset="0"/>
-                    <a:ea typeface="微软雅黑" pitchFamily="34" charset="-122"/>
+                    <a:latin typeface="Verdana" panose="020B0604030504040204" pitchFamily="34" charset="0"/>
+                    <a:ea typeface="微软雅黑" panose="020B0503020204020204" pitchFamily="34" charset="-122"/>
                     <a:cs typeface="+mn-cs"/>
-                    <a:sym typeface="微软雅黑" pitchFamily="34" charset="-122"/>
+                    <a:sym typeface="微软雅黑" panose="020B0503020204020204" pitchFamily="34" charset="-122"/>
                   </a:rPr>
                   <a:t>工作汇报 </a:t>
                 </a:r>
@@ -20600,10 +20361,10 @@
                     <a:effectLst/>
                     <a:uLnTx/>
                     <a:uFillTx/>
-                    <a:latin typeface="Verdana" pitchFamily="34" charset="0"/>
-                    <a:ea typeface="微软雅黑" pitchFamily="34" charset="-122"/>
+                    <a:latin typeface="Verdana" panose="020B0604030504040204" pitchFamily="34" charset="0"/>
+                    <a:ea typeface="微软雅黑" panose="020B0503020204020204" pitchFamily="34" charset="-122"/>
                     <a:cs typeface="+mn-cs"/>
-                    <a:sym typeface="微软雅黑" pitchFamily="34" charset="-122"/>
+                    <a:sym typeface="微软雅黑" panose="020B0503020204020204" pitchFamily="34" charset="-122"/>
                   </a:rPr>
                   <a:t>| </a:t>
                 </a:r>
@@ -20618,26 +20379,35 @@
                     <a:effectLst/>
                     <a:uLnTx/>
                     <a:uFillTx/>
-                    <a:latin typeface="Verdana" pitchFamily="34" charset="0"/>
-                    <a:ea typeface="微软雅黑" pitchFamily="34" charset="-122"/>
+                    <a:latin typeface="Verdana" panose="020B0604030504040204" pitchFamily="34" charset="0"/>
+                    <a:ea typeface="微软雅黑" panose="020B0503020204020204" pitchFamily="34" charset="-122"/>
                     <a:cs typeface="+mn-cs"/>
-                    <a:sym typeface="微软雅黑" pitchFamily="34" charset="-122"/>
+                    <a:sym typeface="微软雅黑" panose="020B0503020204020204" pitchFamily="34" charset="-122"/>
                   </a:rPr>
                   <a:t>新工作计划</a:t>
                 </a:r>
+                <a:endParaRPr kumimoji="0" lang="zh-CN" altLang="en-US" sz="1100" b="0" i="0" u="none" strike="noStrike" kern="1200" cap="none" spc="0" normalizeH="0" baseline="0" noProof="0" dirty="0">
+                  <a:ln>
+                    <a:noFill/>
+                  </a:ln>
+                  <a:solidFill>
+                    <a:srgbClr val="000000"/>
+                  </a:solidFill>
+                  <a:effectLst/>
+                  <a:uLnTx/>
+                  <a:uFillTx/>
+                  <a:latin typeface="Verdana" panose="020B0604030504040204" pitchFamily="34" charset="0"/>
+                  <a:ea typeface="微软雅黑" panose="020B0503020204020204" pitchFamily="34" charset="-122"/>
+                  <a:cs typeface="+mn-cs"/>
+                  <a:sym typeface="微软雅黑" panose="020B0503020204020204" pitchFamily="34" charset="-122"/>
+                </a:endParaRPr>
               </a:p>
             </p:txBody>
           </p:sp>
         </p:grpSp>
         <p:sp>
           <p:nvSpPr>
-            <p:cNvPr id="20" name="矩形 19">
-              <a:extLst>
-                <a:ext uri="{FF2B5EF4-FFF2-40B4-BE49-F238E27FC236}">
-                  <a16:creationId xmlns:a16="http://schemas.microsoft.com/office/drawing/2014/main" id="{BA759070-9F64-4CDE-A32C-B8823C137383}"/>
-                </a:ext>
-              </a:extLst>
-            </p:cNvPr>
+            <p:cNvPr id="20" name="矩形 19"/>
             <p:cNvSpPr/>
             <p:nvPr/>
           </p:nvSpPr>
@@ -20690,7 +20460,6 @@
                 <a:buSzTx/>
                 <a:buFontTx/>
                 <a:buNone/>
-                <a:tabLst/>
                 <a:defRPr/>
               </a:pPr>
               <a:endParaRPr kumimoji="0" lang="zh-CN" altLang="en-US" sz="1400" b="0" i="0" u="none" strike="noStrike" kern="1200" cap="none" spc="0" normalizeH="0" baseline="0" noProof="0">
@@ -20703,8 +20472,8 @@
                 <a:effectLst/>
                 <a:uLnTx/>
                 <a:uFillTx/>
-                <a:latin typeface="等线"/>
-                <a:ea typeface="等线" panose="02010600030101010101" pitchFamily="2" charset="-122"/>
+                <a:latin typeface="等线" panose="02010600030101010101" charset="-122"/>
+                <a:ea typeface="等线" panose="02010600030101010101" charset="-122"/>
                 <a:cs typeface="+mn-cs"/>
               </a:endParaRPr>
             </a:p>
@@ -20713,24 +20482,19 @@
       </p:grpSp>
     </p:spTree>
     <p:custDataLst>
-      <p:tags r:id="rId1"/>
+      <p:tags r:id="rId2"/>
     </p:custDataLst>
-    <p:extLst>
-      <p:ext uri="{BB962C8B-B14F-4D97-AF65-F5344CB8AC3E}">
-        <p14:creationId xmlns:p14="http://schemas.microsoft.com/office/powerpoint/2010/main" val="6151341"/>
-      </p:ext>
-    </p:extLst>
   </p:cSld>
   <p:clrMapOvr>
     <a:masterClrMapping/>
   </p:clrMapOvr>
-  <mc:AlternateContent xmlns:mc="http://schemas.openxmlformats.org/markup-compatibility/2006" xmlns:p14="http://schemas.microsoft.com/office/powerpoint/2010/main">
-    <mc:Choice Requires="p14">
+  <mc:AlternateContent xmlns:mc="http://schemas.openxmlformats.org/markup-compatibility/2006">
+    <mc:Choice xmlns:p14="http://schemas.microsoft.com/office/powerpoint/2010/main" Requires="p14">
       <p:transition spd="med" p14:dur="700" advTm="3000">
         <p:push/>
       </p:transition>
     </mc:Choice>
-    <mc:Fallback xmlns="">
+    <mc:Fallback>
       <p:transition spd="med" advTm="3000">
         <p:push/>
       </p:transition>
@@ -20758,20 +20522,14 @@
       </p:grpSpPr>
       <p:pic>
         <p:nvPicPr>
-          <p:cNvPr id="18" name="图片 17">
-            <a:extLst>
-              <a:ext uri="{FF2B5EF4-FFF2-40B4-BE49-F238E27FC236}">
-                <a16:creationId xmlns:a16="http://schemas.microsoft.com/office/drawing/2014/main" id="{23502F70-475C-4258-82C5-F418EA03F3E7}"/>
-              </a:ext>
-            </a:extLst>
-          </p:cNvPr>
+          <p:cNvPr id="18" name="图片 17"/>
           <p:cNvPicPr>
             <a:picLocks noChangeAspect="1"/>
           </p:cNvPicPr>
           <p:nvPr/>
         </p:nvPicPr>
         <p:blipFill>
-          <a:blip r:embed="rId3" cstate="print">
+          <a:blip r:embed="rId1" cstate="print">
             <a:extLst>
               <a:ext uri="{28A0092B-C50C-407E-A947-70E740481C1C}">
                 <a14:useLocalDpi xmlns:a14="http://schemas.microsoft.com/office/drawing/2010/main" val="0"/>
@@ -20794,13 +20552,7 @@
       </p:pic>
       <p:sp>
         <p:nvSpPr>
-          <p:cNvPr id="14" name="Freeform 73">
-            <a:extLst>
-              <a:ext uri="{FF2B5EF4-FFF2-40B4-BE49-F238E27FC236}">
-                <a16:creationId xmlns:a16="http://schemas.microsoft.com/office/drawing/2014/main" id="{546379C8-1CCA-41B3-BDCE-6AD06DD1AA8C}"/>
-              </a:ext>
-            </a:extLst>
-          </p:cNvPr>
+          <p:cNvPr id="14" name="Freeform 73"/>
           <p:cNvSpPr/>
           <p:nvPr/>
         </p:nvSpPr>
@@ -20830,7 +20582,7 @@
           <a:bodyPr vert="horz" wrap="square" lIns="121920" tIns="60960" rIns="121920" bIns="60960" numCol="1" anchor="t" anchorCtr="0" compatLnSpc="1"/>
           <a:lstStyle/>
           <a:p>
-            <a:pPr defTabSz="913924"/>
+            <a:pPr defTabSz="913765"/>
             <a:endParaRPr lang="zh-CN" altLang="en-US" sz="1800" kern="0">
               <a:solidFill>
                 <a:sysClr val="windowText" lastClr="000000"/>
@@ -20895,7 +20647,7 @@
             <a:bodyPr vert="horz" wrap="square" lIns="121920" tIns="60960" rIns="121920" bIns="60960" numCol="1" anchor="t" anchorCtr="0" compatLnSpc="1"/>
             <a:lstStyle/>
             <a:p>
-              <a:pPr defTabSz="913924"/>
+              <a:pPr defTabSz="913765"/>
               <a:endParaRPr lang="zh-CN" altLang="en-US" sz="1800" kern="0">
                 <a:solidFill>
                   <a:sysClr val="windowText" lastClr="000000"/>
@@ -20940,7 +20692,7 @@
               </a:bodyPr>
               <a:lstStyle/>
               <a:p>
-                <a:pPr algn="ctr" defTabSz="913924"/>
+                <a:pPr algn="ctr" defTabSz="913765"/>
                 <a:r>
                   <a:rPr lang="en-US" altLang="zh-CN" sz="1800" kern="0" dirty="0">
                     <a:solidFill>
@@ -20951,6 +20703,13 @@
                   </a:rPr>
                   <a:t>Contents</a:t>
                 </a:r>
+                <a:endParaRPr lang="en-US" altLang="zh-CN" sz="1800" kern="0" dirty="0">
+                  <a:solidFill>
+                    <a:schemeClr val="bg1"/>
+                  </a:solidFill>
+                  <a:latin typeface="微软雅黑" panose="020B0503020204020204" pitchFamily="34" charset="-122"/>
+                  <a:ea typeface="微软雅黑" panose="020B0503020204020204" pitchFamily="34" charset="-122"/>
+                </a:endParaRPr>
               </a:p>
             </p:txBody>
           </p:sp>
@@ -20975,7 +20734,7 @@
               </a:bodyPr>
               <a:lstStyle/>
               <a:p>
-                <a:pPr algn="ctr" defTabSz="913924"/>
+                <a:pPr algn="ctr" defTabSz="913765"/>
                 <a:r>
                   <a:rPr lang="en-US" altLang="zh-CN" sz="4000" b="1" kern="0" dirty="0">
                     <a:solidFill>
@@ -21054,13 +20813,13 @@
   <p:clrMapOvr>
     <a:masterClrMapping/>
   </p:clrMapOvr>
-  <mc:AlternateContent xmlns:mc="http://schemas.openxmlformats.org/markup-compatibility/2006" xmlns:p14="http://schemas.microsoft.com/office/powerpoint/2010/main">
-    <mc:Choice Requires="p14">
+  <mc:AlternateContent xmlns:mc="http://schemas.openxmlformats.org/markup-compatibility/2006">
+    <mc:Choice xmlns:p14="http://schemas.microsoft.com/office/powerpoint/2010/main" Requires="p14">
       <p:transition spd="med" p14:dur="700" advTm="3000">
         <p:push/>
       </p:transition>
     </mc:Choice>
-    <mc:Fallback xmlns="">
+    <mc:Fallback>
       <p:transition spd="med" advTm="3000">
         <p:push/>
       </p:transition>
@@ -21461,9 +21220,7 @@
       <p:cxnSp>
         <p:nvCxnSpPr>
           <p:cNvPr id="37" name="Straight Connector 9"/>
-          <p:cNvCxnSpPr>
-            <a:cxnSpLocks/>
-          </p:cNvCxnSpPr>
+          <p:cNvCxnSpPr/>
           <p:nvPr/>
         </p:nvCxnSpPr>
         <p:spPr>
@@ -21559,9 +21316,7 @@
       <p:cxnSp>
         <p:nvCxnSpPr>
           <p:cNvPr id="49" name="Straight Connector 14"/>
-          <p:cNvCxnSpPr>
-            <a:cxnSpLocks/>
-          </p:cNvCxnSpPr>
+          <p:cNvCxnSpPr/>
           <p:nvPr/>
         </p:nvCxnSpPr>
         <p:spPr>
@@ -21635,9 +21390,7 @@
       <p:cxnSp>
         <p:nvCxnSpPr>
           <p:cNvPr id="51" name="Straight Connector 16"/>
-          <p:cNvCxnSpPr>
-            <a:cxnSpLocks/>
-          </p:cNvCxnSpPr>
+          <p:cNvCxnSpPr/>
           <p:nvPr/>
         </p:nvCxnSpPr>
         <p:spPr>
@@ -23862,18 +23615,12 @@
                     <a:srgbClr val="000000"/>
                   </a:solidFill>
                   <a:round/>
-                  <a:headEnd/>
-                  <a:tailEnd/>
                 </a14:hiddenLine>
               </a:ext>
             </a:extLst>
           </p:spPr>
           <p:txBody>
-            <a:bodyPr vert="horz" wrap="square" lIns="91440" tIns="45720" rIns="91440" bIns="45720" numCol="1" anchor="t" anchorCtr="0" compatLnSpc="1">
-              <a:prstTxWarp prst="textNoShape">
-                <a:avLst/>
-              </a:prstTxWarp>
-            </a:bodyPr>
+            <a:bodyPr vert="horz" wrap="square" lIns="91440" tIns="45720" rIns="91440" bIns="45720" numCol="1" anchor="t" anchorCtr="0" compatLnSpc="1"/>
             <a:lstStyle/>
             <a:p>
               <a:endParaRPr lang="id-ID">
@@ -23887,9 +23634,7 @@
         <p:sp>
           <p:nvSpPr>
             <p:cNvPr id="64" name="Freeform 6"/>
-            <p:cNvSpPr>
-              <a:spLocks/>
-            </p:cNvSpPr>
+            <p:cNvSpPr/>
             <p:nvPr/>
           </p:nvSpPr>
           <p:spPr bwMode="auto">
@@ -24741,18 +24486,12 @@
                     <a:srgbClr val="000000"/>
                   </a:solidFill>
                   <a:round/>
-                  <a:headEnd/>
-                  <a:tailEnd/>
                 </a14:hiddenLine>
               </a:ext>
             </a:extLst>
           </p:spPr>
           <p:txBody>
-            <a:bodyPr vert="horz" wrap="square" lIns="91440" tIns="45720" rIns="91440" bIns="45720" numCol="1" anchor="t" anchorCtr="0" compatLnSpc="1">
-              <a:prstTxWarp prst="textNoShape">
-                <a:avLst/>
-              </a:prstTxWarp>
-            </a:bodyPr>
+            <a:bodyPr vert="horz" wrap="square" lIns="91440" tIns="45720" rIns="91440" bIns="45720" numCol="1" anchor="t" anchorCtr="0" compatLnSpc="1"/>
             <a:lstStyle/>
             <a:p>
               <a:endParaRPr lang="id-ID">
@@ -26921,11 +26660,7 @@
           </a:ln>
         </p:spPr>
         <p:txBody>
-          <a:bodyPr vert="horz" wrap="square" lIns="68580" tIns="34290" rIns="68580" bIns="34290" numCol="1" anchor="t" anchorCtr="0" compatLnSpc="1">
-            <a:prstTxWarp prst="textNoShape">
-              <a:avLst/>
-            </a:prstTxWarp>
-          </a:bodyPr>
+          <a:bodyPr vert="horz" wrap="square" lIns="68580" tIns="34290" rIns="68580" bIns="34290" numCol="1" anchor="t" anchorCtr="0" compatLnSpc="1"/>
           <a:lstStyle/>
           <a:p>
             <a:endParaRPr lang="id-ID">
@@ -31105,18 +30840,12 @@
                     <a:srgbClr val="000000"/>
                   </a:solidFill>
                   <a:round/>
-                  <a:headEnd/>
-                  <a:tailEnd/>
                 </a14:hiddenLine>
               </a:ext>
             </a:extLst>
           </p:spPr>
           <p:txBody>
-            <a:bodyPr vert="horz" wrap="square" lIns="91440" tIns="45720" rIns="91440" bIns="45720" numCol="1" anchor="t" anchorCtr="0" compatLnSpc="1">
-              <a:prstTxWarp prst="textNoShape">
-                <a:avLst/>
-              </a:prstTxWarp>
-            </a:bodyPr>
+            <a:bodyPr vert="horz" wrap="square" lIns="91440" tIns="45720" rIns="91440" bIns="45720" numCol="1" anchor="t" anchorCtr="0" compatLnSpc="1"/>
             <a:lstStyle/>
             <a:p>
               <a:endParaRPr lang="id-ID">
@@ -32195,18 +31924,12 @@
                     <a:srgbClr val="000000"/>
                   </a:solidFill>
                   <a:round/>
-                  <a:headEnd/>
-                  <a:tailEnd/>
                 </a14:hiddenLine>
               </a:ext>
             </a:extLst>
           </p:spPr>
           <p:txBody>
-            <a:bodyPr vert="horz" wrap="square" lIns="91440" tIns="45720" rIns="91440" bIns="45720" numCol="1" anchor="t" anchorCtr="0" compatLnSpc="1">
-              <a:prstTxWarp prst="textNoShape">
-                <a:avLst/>
-              </a:prstTxWarp>
-            </a:bodyPr>
+            <a:bodyPr vert="horz" wrap="square" lIns="91440" tIns="45720" rIns="91440" bIns="45720" numCol="1" anchor="t" anchorCtr="0" compatLnSpc="1"/>
             <a:lstStyle/>
             <a:p>
               <a:endParaRPr lang="id-ID">
@@ -33285,18 +33008,12 @@
                     <a:srgbClr val="000000"/>
                   </a:solidFill>
                   <a:round/>
-                  <a:headEnd/>
-                  <a:tailEnd/>
                 </a14:hiddenLine>
               </a:ext>
             </a:extLst>
           </p:spPr>
           <p:txBody>
-            <a:bodyPr vert="horz" wrap="square" lIns="91440" tIns="45720" rIns="91440" bIns="45720" numCol="1" anchor="t" anchorCtr="0" compatLnSpc="1">
-              <a:prstTxWarp prst="textNoShape">
-                <a:avLst/>
-              </a:prstTxWarp>
-            </a:bodyPr>
+            <a:bodyPr vert="horz" wrap="square" lIns="91440" tIns="45720" rIns="91440" bIns="45720" numCol="1" anchor="t" anchorCtr="0" compatLnSpc="1"/>
             <a:lstStyle/>
             <a:p>
               <a:endParaRPr lang="id-ID">
@@ -34008,18 +33725,12 @@
                     <a:srgbClr val="000000"/>
                   </a:solidFill>
                   <a:round/>
-                  <a:headEnd/>
-                  <a:tailEnd/>
                 </a14:hiddenLine>
               </a:ext>
             </a:extLst>
           </p:spPr>
           <p:txBody>
-            <a:bodyPr vert="horz" wrap="square" lIns="91440" tIns="45720" rIns="91440" bIns="45720" numCol="1" anchor="t" anchorCtr="0" compatLnSpc="1">
-              <a:prstTxWarp prst="textNoShape">
-                <a:avLst/>
-              </a:prstTxWarp>
-            </a:bodyPr>
+            <a:bodyPr vert="horz" wrap="square" lIns="91440" tIns="45720" rIns="91440" bIns="45720" numCol="1" anchor="t" anchorCtr="0" compatLnSpc="1"/>
             <a:lstStyle/>
             <a:p>
               <a:endParaRPr lang="id-ID">
@@ -35560,18 +35271,12 @@
                     <a:srgbClr val="000000"/>
                   </a:solidFill>
                   <a:round/>
-                  <a:headEnd/>
-                  <a:tailEnd/>
                 </a14:hiddenLine>
               </a:ext>
             </a:extLst>
           </p:spPr>
           <p:txBody>
-            <a:bodyPr vert="horz" wrap="square" lIns="91440" tIns="45720" rIns="91440" bIns="45720" numCol="1" anchor="t" anchorCtr="0" compatLnSpc="1">
-              <a:prstTxWarp prst="textNoShape">
-                <a:avLst/>
-              </a:prstTxWarp>
-            </a:bodyPr>
+            <a:bodyPr vert="horz" wrap="square" lIns="91440" tIns="45720" rIns="91440" bIns="45720" numCol="1" anchor="t" anchorCtr="0" compatLnSpc="1"/>
             <a:lstStyle/>
             <a:p>
               <a:endParaRPr lang="id-ID">
@@ -37385,18 +37090,12 @@
                     <a:srgbClr val="000000"/>
                   </a:solidFill>
                   <a:round/>
-                  <a:headEnd/>
-                  <a:tailEnd/>
                 </a14:hiddenLine>
               </a:ext>
             </a:extLst>
           </p:spPr>
           <p:txBody>
-            <a:bodyPr vert="horz" wrap="square" lIns="91440" tIns="45720" rIns="91440" bIns="45720" numCol="1" anchor="t" anchorCtr="0" compatLnSpc="1">
-              <a:prstTxWarp prst="textNoShape">
-                <a:avLst/>
-              </a:prstTxWarp>
-            </a:bodyPr>
+            <a:bodyPr vert="horz" wrap="square" lIns="91440" tIns="45720" rIns="91440" bIns="45720" numCol="1" anchor="t" anchorCtr="0" compatLnSpc="1"/>
             <a:lstStyle/>
             <a:p>
               <a:endParaRPr lang="id-ID">
@@ -37410,9 +37109,7 @@
         <p:sp>
           <p:nvSpPr>
             <p:cNvPr id="75" name="Freeform 101"/>
-            <p:cNvSpPr>
-              <a:spLocks/>
-            </p:cNvSpPr>
+            <p:cNvSpPr/>
             <p:nvPr/>
           </p:nvSpPr>
           <p:spPr bwMode="auto">
@@ -38264,18 +37961,12 @@
                     <a:srgbClr val="000000"/>
                   </a:solidFill>
                   <a:round/>
-                  <a:headEnd/>
-                  <a:tailEnd/>
                 </a14:hiddenLine>
               </a:ext>
             </a:extLst>
           </p:spPr>
           <p:txBody>
-            <a:bodyPr vert="horz" wrap="square" lIns="91440" tIns="45720" rIns="91440" bIns="45720" numCol="1" anchor="t" anchorCtr="0" compatLnSpc="1">
-              <a:prstTxWarp prst="textNoShape">
-                <a:avLst/>
-              </a:prstTxWarp>
-            </a:bodyPr>
+            <a:bodyPr vert="horz" wrap="square" lIns="91440" tIns="45720" rIns="91440" bIns="45720" numCol="1" anchor="t" anchorCtr="0" compatLnSpc="1"/>
             <a:lstStyle/>
             <a:p>
               <a:endParaRPr lang="id-ID">
@@ -38404,6 +38095,10 @@
                   </a:rPr>
                   <a:t>功能描述</a:t>
                 </a:r>
+                <a:endParaRPr lang="zh-CN" altLang="en-US" sz="1800" b="1" dirty="0">
+                  <a:latin typeface="微软雅黑" panose="020B0503020204020204" pitchFamily="34" charset="-122"/>
+                  <a:ea typeface="微软雅黑" panose="020B0503020204020204" pitchFamily="34" charset="-122"/>
+                </a:endParaRPr>
               </a:p>
             </p:txBody>
           </p:sp>
@@ -38429,7 +38124,7 @@
               </a:bodyPr>
               <a:lstStyle/>
               <a:p>
-                <a:pPr defTabSz="914378">
+                <a:pPr defTabSz="914400">
                   <a:spcBef>
                     <a:spcPct val="20000"/>
                   </a:spcBef>
@@ -38518,16 +38213,8 @@
       </p:grpSp>
       <p:cxnSp>
         <p:nvCxnSpPr>
-          <p:cNvPr id="89" name="Straight Connector 16">
-            <a:extLst>
-              <a:ext uri="{FF2B5EF4-FFF2-40B4-BE49-F238E27FC236}">
-                <a16:creationId xmlns:a16="http://schemas.microsoft.com/office/drawing/2014/main" id="{B49CF528-1A8C-426F-ACE4-4E5C590CA3E0}"/>
-              </a:ext>
-            </a:extLst>
-          </p:cNvPr>
-          <p:cNvCxnSpPr>
-            <a:cxnSpLocks/>
-          </p:cNvCxnSpPr>
+          <p:cNvPr id="89" name="Straight Connector 16"/>
+          <p:cNvCxnSpPr/>
           <p:nvPr/>
         </p:nvCxnSpPr>
         <p:spPr>
@@ -38563,13 +38250,7 @@
       </p:cxnSp>
       <p:sp>
         <p:nvSpPr>
-          <p:cNvPr id="90" name="TextBox 29">
-            <a:extLst>
-              <a:ext uri="{FF2B5EF4-FFF2-40B4-BE49-F238E27FC236}">
-                <a16:creationId xmlns:a16="http://schemas.microsoft.com/office/drawing/2014/main" id="{23B757C1-B7DD-48C4-ACA2-E9F8E44250B7}"/>
-              </a:ext>
-            </a:extLst>
-          </p:cNvPr>
+          <p:cNvPr id="90" name="TextBox 29"/>
           <p:cNvSpPr txBox="1"/>
           <p:nvPr/>
         </p:nvSpPr>
@@ -38631,13 +38312,13 @@
   <p:clrMapOvr>
     <a:masterClrMapping/>
   </p:clrMapOvr>
-  <mc:AlternateContent xmlns:mc="http://schemas.openxmlformats.org/markup-compatibility/2006" xmlns:p14="http://schemas.microsoft.com/office/powerpoint/2010/main">
-    <mc:Choice Requires="p14">
+  <mc:AlternateContent xmlns:mc="http://schemas.openxmlformats.org/markup-compatibility/2006">
+    <mc:Choice xmlns:p14="http://schemas.microsoft.com/office/powerpoint/2010/main" Requires="p14">
       <p:transition spd="med" p14:dur="700" advTm="3000">
         <p:push/>
       </p:transition>
     </mc:Choice>
-    <mc:Fallback xmlns="">
+    <mc:Fallback>
       <p:transition spd="med" advTm="3000">
         <p:push/>
       </p:transition>
@@ -38707,6 +38388,10 @@
                 </a:rPr>
                 <a:t>界面展示</a:t>
               </a:r>
+              <a:endParaRPr lang="zh-CN" altLang="en-US" sz="1800" b="1" dirty="0">
+                <a:latin typeface="微软雅黑" panose="020B0503020204020204" pitchFamily="34" charset="-122"/>
+                <a:ea typeface="微软雅黑" panose="020B0503020204020204" pitchFamily="34" charset="-122"/>
+              </a:endParaRPr>
             </a:p>
           </p:txBody>
         </p:sp>
@@ -38785,13 +38470,7 @@
         <p:nvGraphicFramePr>
           <p:cNvPr id="179" name="图表 178"/>
           <p:cNvGraphicFramePr/>
-          <p:nvPr>
-            <p:extLst>
-              <p:ext uri="{D42A27DB-BD31-4B8C-83A1-F6EECF244321}">
-                <p14:modId xmlns:p14="http://schemas.microsoft.com/office/powerpoint/2010/main" val="3801217148"/>
-              </p:ext>
-            </p:extLst>
-          </p:nvPr>
+          <p:nvPr/>
         </p:nvGraphicFramePr>
         <p:xfrm>
           <a:off x="929194" y="1466026"/>
@@ -38799,7 +38478,7 @@
         </p:xfrm>
         <a:graphic>
           <a:graphicData uri="http://schemas.openxmlformats.org/drawingml/2006/chart">
-            <c:chart xmlns:c="http://schemas.openxmlformats.org/drawingml/2006/chart" xmlns:r="http://schemas.openxmlformats.org/officeDocument/2006/relationships" r:id="rId3"/>
+            <c:chart xmlns:c="http://schemas.openxmlformats.org/drawingml/2006/chart" xmlns:r="http://schemas.openxmlformats.org/officeDocument/2006/relationships" r:id="rId1"/>
           </a:graphicData>
         </a:graphic>
       </p:graphicFrame>
@@ -38844,6 +38523,17 @@
               </a:rPr>
               <a:t>点击添加标题</a:t>
             </a:r>
+            <a:endParaRPr lang="zh-CN" altLang="en-US" sz="1600" b="1" dirty="0">
+              <a:solidFill>
+                <a:schemeClr val="tx1">
+                  <a:lumMod val="75000"/>
+                  <a:lumOff val="25000"/>
+                </a:schemeClr>
+              </a:solidFill>
+              <a:latin typeface="微软雅黑" panose="020B0503020204020204" pitchFamily="34" charset="-122"/>
+              <a:ea typeface="微软雅黑" panose="020B0503020204020204" pitchFamily="34" charset="-122"/>
+              <a:cs typeface="华文黑体" charset="-122"/>
+            </a:endParaRPr>
           </a:p>
         </p:txBody>
       </p:sp>
@@ -38889,6 +38579,13 @@
               </a:rPr>
               <a:t>%</a:t>
             </a:r>
+            <a:endParaRPr lang="en-US" altLang="zh-CN" sz="1100" dirty="0">
+              <a:solidFill>
+                <a:srgbClr val="6F93C6"/>
+              </a:solidFill>
+              <a:latin typeface="Impact" panose="020B0806030902050204" pitchFamily="34" charset="0"/>
+              <a:ea typeface="微软雅黑" panose="020B0503020204020204" pitchFamily="34" charset="-122"/>
+            </a:endParaRPr>
           </a:p>
         </p:txBody>
       </p:sp>
@@ -38968,20 +38665,14 @@
       </p:cxnSp>
       <p:pic>
         <p:nvPicPr>
-          <p:cNvPr id="3" name="图片 2">
-            <a:extLst>
-              <a:ext uri="{FF2B5EF4-FFF2-40B4-BE49-F238E27FC236}">
-                <a16:creationId xmlns:a16="http://schemas.microsoft.com/office/drawing/2014/main" id="{F9C4E201-89CC-46A2-B9D2-20FF365AC7BF}"/>
-              </a:ext>
-            </a:extLst>
-          </p:cNvPr>
+          <p:cNvPr id="3" name="图片 2"/>
           <p:cNvPicPr>
             <a:picLocks noChangeAspect="1"/>
           </p:cNvPicPr>
           <p:nvPr/>
         </p:nvPicPr>
         <p:blipFill>
-          <a:blip r:embed="rId4" cstate="print">
+          <a:blip r:embed="rId2" cstate="print">
             <a:extLst>
               <a:ext uri="{28A0092B-C50C-407E-A947-70E740481C1C}">
                 <a14:useLocalDpi xmlns:a14="http://schemas.microsoft.com/office/drawing/2010/main" val="0"/>
@@ -39004,20 +38695,14 @@
       </p:pic>
       <p:pic>
         <p:nvPicPr>
-          <p:cNvPr id="5" name="图片 4">
-            <a:extLst>
-              <a:ext uri="{FF2B5EF4-FFF2-40B4-BE49-F238E27FC236}">
-                <a16:creationId xmlns:a16="http://schemas.microsoft.com/office/drawing/2014/main" id="{A463AF1B-13B5-49FE-8F25-D2F5BDAF1B7D}"/>
-              </a:ext>
-            </a:extLst>
-          </p:cNvPr>
+          <p:cNvPr id="5" name="图片 4"/>
           <p:cNvPicPr>
             <a:picLocks noChangeAspect="1"/>
           </p:cNvPicPr>
           <p:nvPr/>
         </p:nvPicPr>
         <p:blipFill>
-          <a:blip r:embed="rId5" cstate="print">
+          <a:blip r:embed="rId3" cstate="print">
             <a:extLst>
               <a:ext uri="{28A0092B-C50C-407E-A947-70E740481C1C}">
                 <a14:useLocalDpi xmlns:a14="http://schemas.microsoft.com/office/drawing/2010/main" val="0"/>
@@ -39040,20 +38725,14 @@
       </p:pic>
       <p:pic>
         <p:nvPicPr>
-          <p:cNvPr id="7" name="图片 6">
-            <a:extLst>
-              <a:ext uri="{FF2B5EF4-FFF2-40B4-BE49-F238E27FC236}">
-                <a16:creationId xmlns:a16="http://schemas.microsoft.com/office/drawing/2014/main" id="{F50D7B98-6F60-4934-A6D5-B1D77118416D}"/>
-              </a:ext>
-            </a:extLst>
-          </p:cNvPr>
+          <p:cNvPr id="7" name="图片 6"/>
           <p:cNvPicPr>
             <a:picLocks noChangeAspect="1"/>
           </p:cNvPicPr>
           <p:nvPr/>
         </p:nvPicPr>
         <p:blipFill>
-          <a:blip r:embed="rId6" cstate="print">
+          <a:blip r:embed="rId4" cstate="print">
             <a:extLst>
               <a:ext uri="{28A0092B-C50C-407E-A947-70E740481C1C}">
                 <a14:useLocalDpi xmlns:a14="http://schemas.microsoft.com/office/drawing/2010/main" val="0"/>
@@ -39076,13 +38755,7 @@
       </p:pic>
       <p:sp>
         <p:nvSpPr>
-          <p:cNvPr id="47" name="文本框 2">
-            <a:extLst>
-              <a:ext uri="{FF2B5EF4-FFF2-40B4-BE49-F238E27FC236}">
-                <a16:creationId xmlns:a16="http://schemas.microsoft.com/office/drawing/2014/main" id="{2E3D6A25-1063-4A22-B030-4F3179242295}"/>
-              </a:ext>
-            </a:extLst>
-          </p:cNvPr>
+          <p:cNvPr id="47" name="文本框 2"/>
           <p:cNvSpPr txBox="1"/>
           <p:nvPr/>
         </p:nvSpPr>
@@ -39110,18 +38783,16 @@
               </a:rPr>
               <a:t>登录注册界面</a:t>
             </a:r>
+            <a:endParaRPr lang="zh-CN" altLang="en-US" sz="1800" b="1" dirty="0">
+              <a:latin typeface="微软雅黑" panose="020B0503020204020204" pitchFamily="34" charset="-122"/>
+              <a:ea typeface="微软雅黑" panose="020B0503020204020204" pitchFamily="34" charset="-122"/>
+            </a:endParaRPr>
           </a:p>
         </p:txBody>
       </p:sp>
       <p:sp>
         <p:nvSpPr>
-          <p:cNvPr id="48" name="文本框 2">
-            <a:extLst>
-              <a:ext uri="{FF2B5EF4-FFF2-40B4-BE49-F238E27FC236}">
-                <a16:creationId xmlns:a16="http://schemas.microsoft.com/office/drawing/2014/main" id="{23FE5D32-82FA-48A2-9572-15A46519BE93}"/>
-              </a:ext>
-            </a:extLst>
-          </p:cNvPr>
+          <p:cNvPr id="48" name="文本框 2"/>
           <p:cNvSpPr txBox="1"/>
           <p:nvPr/>
         </p:nvSpPr>
@@ -39149,18 +38820,16 @@
               </a:rPr>
               <a:t>功能选择界面</a:t>
             </a:r>
+            <a:endParaRPr lang="zh-CN" altLang="en-US" sz="1800" b="1" dirty="0">
+              <a:latin typeface="微软雅黑" panose="020B0503020204020204" pitchFamily="34" charset="-122"/>
+              <a:ea typeface="微软雅黑" panose="020B0503020204020204" pitchFamily="34" charset="-122"/>
+            </a:endParaRPr>
           </a:p>
         </p:txBody>
       </p:sp>
       <p:sp>
         <p:nvSpPr>
-          <p:cNvPr id="49" name="文本框 2">
-            <a:extLst>
-              <a:ext uri="{FF2B5EF4-FFF2-40B4-BE49-F238E27FC236}">
-                <a16:creationId xmlns:a16="http://schemas.microsoft.com/office/drawing/2014/main" id="{A304AD51-CAB8-4AC3-BF2B-CAC20861577E}"/>
-              </a:ext>
-            </a:extLst>
-          </p:cNvPr>
+          <p:cNvPr id="49" name="文本框 2"/>
           <p:cNvSpPr txBox="1"/>
           <p:nvPr/>
         </p:nvSpPr>
@@ -39188,6 +38857,10 @@
               </a:rPr>
               <a:t>任务详情界面</a:t>
             </a:r>
+            <a:endParaRPr lang="zh-CN" altLang="en-US" sz="1800" b="1" dirty="0">
+              <a:latin typeface="微软雅黑" panose="020B0503020204020204" pitchFamily="34" charset="-122"/>
+              <a:ea typeface="微软雅黑" panose="020B0503020204020204" pitchFamily="34" charset="-122"/>
+            </a:endParaRPr>
           </a:p>
         </p:txBody>
       </p:sp>
@@ -39196,13 +38869,13 @@
   <p:clrMapOvr>
     <a:masterClrMapping/>
   </p:clrMapOvr>
-  <mc:AlternateContent xmlns:mc="http://schemas.openxmlformats.org/markup-compatibility/2006" xmlns:p14="http://schemas.microsoft.com/office/powerpoint/2010/main">
-    <mc:Choice Requires="p14">
+  <mc:AlternateContent xmlns:mc="http://schemas.openxmlformats.org/markup-compatibility/2006">
+    <mc:Choice xmlns:p14="http://schemas.microsoft.com/office/powerpoint/2010/main" Requires="p14">
       <p:transition spd="med" p14:dur="700" advTm="3000">
         <p:push/>
       </p:transition>
     </mc:Choice>
-    <mc:Fallback xmlns="">
+    <mc:Fallback>
       <p:transition spd="med" advTm="3000">
         <p:push/>
       </p:transition>
@@ -39230,20 +38903,14 @@
       </p:grpSpPr>
       <p:pic>
         <p:nvPicPr>
-          <p:cNvPr id="12" name="图片 11">
-            <a:extLst>
-              <a:ext uri="{FF2B5EF4-FFF2-40B4-BE49-F238E27FC236}">
-                <a16:creationId xmlns:a16="http://schemas.microsoft.com/office/drawing/2014/main" id="{C662F3B6-873E-4FD6-8BCF-EA0AF7EA7E90}"/>
-              </a:ext>
-            </a:extLst>
-          </p:cNvPr>
+          <p:cNvPr id="12" name="图片 11"/>
           <p:cNvPicPr>
             <a:picLocks noChangeAspect="1"/>
           </p:cNvPicPr>
           <p:nvPr/>
         </p:nvPicPr>
         <p:blipFill>
-          <a:blip r:embed="rId3" cstate="print">
+          <a:blip r:embed="rId1" cstate="print">
             <a:extLst>
               <a:ext uri="{28A0092B-C50C-407E-A947-70E740481C1C}">
                 <a14:useLocalDpi xmlns:a14="http://schemas.microsoft.com/office/drawing/2010/main" val="0"/>
@@ -39266,13 +38933,7 @@
       </p:pic>
       <p:sp>
         <p:nvSpPr>
-          <p:cNvPr id="10" name="Freeform 73">
-            <a:extLst>
-              <a:ext uri="{FF2B5EF4-FFF2-40B4-BE49-F238E27FC236}">
-                <a16:creationId xmlns:a16="http://schemas.microsoft.com/office/drawing/2014/main" id="{0816BC0C-3084-4394-8A92-75137CC84F57}"/>
-              </a:ext>
-            </a:extLst>
-          </p:cNvPr>
+          <p:cNvPr id="10" name="Freeform 73"/>
           <p:cNvSpPr/>
           <p:nvPr/>
         </p:nvSpPr>
@@ -39302,7 +38963,7 @@
           <a:bodyPr vert="horz" wrap="square" lIns="121920" tIns="60960" rIns="121920" bIns="60960" numCol="1" anchor="t" anchorCtr="0" compatLnSpc="1"/>
           <a:lstStyle/>
           <a:p>
-            <a:pPr defTabSz="913924"/>
+            <a:pPr defTabSz="913765"/>
             <a:endParaRPr lang="zh-CN" altLang="en-US" sz="1800" kern="0">
               <a:solidFill>
                 <a:sysClr val="windowText" lastClr="000000"/>
@@ -39367,7 +39028,7 @@
             <a:bodyPr vert="horz" wrap="square" lIns="121920" tIns="60960" rIns="121920" bIns="60960" numCol="1" anchor="t" anchorCtr="0" compatLnSpc="1"/>
             <a:lstStyle/>
             <a:p>
-              <a:pPr defTabSz="913924"/>
+              <a:pPr defTabSz="913765"/>
               <a:endParaRPr lang="zh-CN" altLang="en-US" sz="1800" kern="0">
                 <a:solidFill>
                   <a:sysClr val="windowText" lastClr="000000"/>
@@ -39412,7 +39073,7 @@
               </a:bodyPr>
               <a:lstStyle/>
               <a:p>
-                <a:pPr algn="ctr" defTabSz="913924"/>
+                <a:pPr algn="ctr" defTabSz="913765"/>
                 <a:r>
                   <a:rPr lang="en-US" altLang="zh-CN" sz="1800" kern="0" dirty="0">
                     <a:solidFill>
@@ -39423,6 +39084,13 @@
                   </a:rPr>
                   <a:t>Contents</a:t>
                 </a:r>
+                <a:endParaRPr lang="en-US" altLang="zh-CN" sz="1800" kern="0" dirty="0">
+                  <a:solidFill>
+                    <a:schemeClr val="bg1"/>
+                  </a:solidFill>
+                  <a:latin typeface="微软雅黑" panose="020B0503020204020204" pitchFamily="34" charset="-122"/>
+                  <a:ea typeface="微软雅黑" panose="020B0503020204020204" pitchFamily="34" charset="-122"/>
+                </a:endParaRPr>
               </a:p>
             </p:txBody>
           </p:sp>
@@ -39447,7 +39115,7 @@
               </a:bodyPr>
               <a:lstStyle/>
               <a:p>
-                <a:pPr algn="ctr" defTabSz="913924"/>
+                <a:pPr algn="ctr" defTabSz="913765"/>
                 <a:r>
                   <a:rPr lang="en-US" altLang="zh-CN" sz="4000" b="1" kern="0" dirty="0">
                     <a:solidFill>
@@ -39526,13 +39194,13 @@
   <p:clrMapOvr>
     <a:masterClrMapping/>
   </p:clrMapOvr>
-  <mc:AlternateContent xmlns:mc="http://schemas.openxmlformats.org/markup-compatibility/2006" xmlns:p14="http://schemas.microsoft.com/office/powerpoint/2010/main">
-    <mc:Choice Requires="p14">
+  <mc:AlternateContent xmlns:mc="http://schemas.openxmlformats.org/markup-compatibility/2006">
+    <mc:Choice xmlns:p14="http://schemas.microsoft.com/office/powerpoint/2010/main" Requires="p14">
       <p:transition spd="med" p14:dur="700" advTm="3000">
         <p:push/>
       </p:transition>
     </mc:Choice>
-    <mc:Fallback xmlns="">
+    <mc:Fallback>
       <p:transition spd="med" advTm="3000">
         <p:push/>
       </p:transition>
@@ -39601,6 +39269,10 @@
                 </a:rPr>
                 <a:t>技术难点概述</a:t>
               </a:r>
+              <a:endParaRPr lang="zh-CN" altLang="en-US" sz="1800" b="1" dirty="0">
+                <a:latin typeface="微软雅黑" panose="020B0503020204020204" pitchFamily="34" charset="-122"/>
+                <a:ea typeface="微软雅黑" panose="020B0503020204020204" pitchFamily="34" charset="-122"/>
+              </a:endParaRPr>
             </a:p>
           </p:txBody>
         </p:sp>
@@ -39706,9 +39378,7 @@
           <p:cxnSp>
             <p:nvCxnSpPr>
               <p:cNvPr id="79" name="直接连接符 78"/>
-              <p:cNvCxnSpPr>
-                <a:cxnSpLocks/>
-              </p:cNvCxnSpPr>
+              <p:cNvCxnSpPr/>
               <p:nvPr/>
             </p:nvCxnSpPr>
             <p:spPr>
@@ -40900,9 +40570,6 @@
           </p:style>
           <p:txBody>
             <a:bodyPr rot="0" spcFirstLastPara="0" vert="horz" wrap="square" lIns="91440" tIns="45720" rIns="91440" bIns="45720" numCol="1" spcCol="0" rtlCol="0" fromWordArt="0" anchor="ctr" anchorCtr="0" forceAA="0" compatLnSpc="1">
-              <a:prstTxWarp prst="textNoShape">
-                <a:avLst/>
-              </a:prstTxWarp>
               <a:noAutofit/>
             </a:bodyPr>
             <a:lstStyle>
@@ -41098,9 +40765,7 @@
           <p:cxnSp>
             <p:nvCxnSpPr>
               <p:cNvPr id="95" name="直接连接符 94"/>
-              <p:cNvCxnSpPr>
-                <a:cxnSpLocks/>
-              </p:cNvCxnSpPr>
+              <p:cNvCxnSpPr/>
               <p:nvPr/>
             </p:nvCxnSpPr>
             <p:spPr>
@@ -42521,9 +42186,6 @@
           </p:style>
           <p:txBody>
             <a:bodyPr rot="0" spcFirstLastPara="0" vert="horz" wrap="square" lIns="91440" tIns="45720" rIns="91440" bIns="45720" numCol="1" spcCol="0" rtlCol="0" fromWordArt="0" anchor="ctr" anchorCtr="0" forceAA="0" compatLnSpc="1">
-              <a:prstTxWarp prst="textNoShape">
-                <a:avLst/>
-              </a:prstTxWarp>
               <a:noAutofit/>
             </a:bodyPr>
             <a:lstStyle>
@@ -42697,7 +42359,7 @@
           <p:nvPr/>
         </p:nvPicPr>
         <p:blipFill>
-          <a:blip r:embed="rId3" cstate="print">
+          <a:blip r:embed="rId1" cstate="print">
             <a:extLst>
               <a:ext uri="{28A0092B-C50C-407E-A947-70E740481C1C}">
                 <a14:useLocalDpi xmlns:a14="http://schemas.microsoft.com/office/drawing/2010/main" val="0"/>
@@ -42720,13 +42382,7 @@
       </p:pic>
       <p:sp>
         <p:nvSpPr>
-          <p:cNvPr id="42" name="TextBox 19">
-            <a:extLst>
-              <a:ext uri="{FF2B5EF4-FFF2-40B4-BE49-F238E27FC236}">
-                <a16:creationId xmlns:a16="http://schemas.microsoft.com/office/drawing/2014/main" id="{2F5B827D-F70B-4A6E-A162-CCA33C0D0BAA}"/>
-              </a:ext>
-            </a:extLst>
-          </p:cNvPr>
+          <p:cNvPr id="42" name="TextBox 19"/>
           <p:cNvSpPr txBox="1"/>
           <p:nvPr/>
         </p:nvSpPr>
@@ -42789,13 +42445,13 @@
   <p:clrMapOvr>
     <a:masterClrMapping/>
   </p:clrMapOvr>
-  <mc:AlternateContent xmlns:mc="http://schemas.openxmlformats.org/markup-compatibility/2006" xmlns:p14="http://schemas.microsoft.com/office/powerpoint/2010/main">
-    <mc:Choice Requires="p14">
+  <mc:AlternateContent xmlns:mc="http://schemas.openxmlformats.org/markup-compatibility/2006">
+    <mc:Choice xmlns:p14="http://schemas.microsoft.com/office/powerpoint/2010/main" Requires="p14">
       <p:transition spd="med" p14:dur="700" advTm="3000">
         <p:push/>
       </p:transition>
     </mc:Choice>
-    <mc:Fallback xmlns="">
+    <mc:Fallback>
       <p:transition spd="med" advTm="3000">
         <p:push/>
       </p:transition>
@@ -42951,20 +42607,14 @@
       </p:grpSp>
       <p:pic>
         <p:nvPicPr>
-          <p:cNvPr id="3" name="图片 2">
-            <a:extLst>
-              <a:ext uri="{FF2B5EF4-FFF2-40B4-BE49-F238E27FC236}">
-                <a16:creationId xmlns:a16="http://schemas.microsoft.com/office/drawing/2014/main" id="{22A1CA0E-34A8-4670-9532-07E991F3F779}"/>
-              </a:ext>
-            </a:extLst>
-          </p:cNvPr>
+          <p:cNvPr id="3" name="图片 2"/>
           <p:cNvPicPr>
             <a:picLocks noChangeAspect="1"/>
           </p:cNvPicPr>
           <p:nvPr/>
         </p:nvPicPr>
         <p:blipFill>
-          <a:blip r:embed="rId3"/>
+          <a:blip r:embed="rId1"/>
           <a:stretch>
             <a:fillRect/>
           </a:stretch>
@@ -42981,20 +42631,14 @@
       </p:pic>
       <p:pic>
         <p:nvPicPr>
-          <p:cNvPr id="5" name="图片 4">
-            <a:extLst>
-              <a:ext uri="{FF2B5EF4-FFF2-40B4-BE49-F238E27FC236}">
-                <a16:creationId xmlns:a16="http://schemas.microsoft.com/office/drawing/2014/main" id="{79F7E0C4-61BA-416A-B90A-69B72D546918}"/>
-              </a:ext>
-            </a:extLst>
-          </p:cNvPr>
+          <p:cNvPr id="5" name="图片 4"/>
           <p:cNvPicPr>
             <a:picLocks noChangeAspect="1"/>
           </p:cNvPicPr>
           <p:nvPr/>
         </p:nvPicPr>
         <p:blipFill>
-          <a:blip r:embed="rId4"/>
+          <a:blip r:embed="rId2"/>
           <a:stretch>
             <a:fillRect/>
           </a:stretch>
@@ -43014,13 +42658,13 @@
   <p:clrMapOvr>
     <a:masterClrMapping/>
   </p:clrMapOvr>
-  <mc:AlternateContent xmlns:mc="http://schemas.openxmlformats.org/markup-compatibility/2006" xmlns:p14="http://schemas.microsoft.com/office/powerpoint/2010/main">
-    <mc:Choice Requires="p14">
+  <mc:AlternateContent xmlns:mc="http://schemas.openxmlformats.org/markup-compatibility/2006">
+    <mc:Choice xmlns:p14="http://schemas.microsoft.com/office/powerpoint/2010/main" Requires="p14">
       <p:transition spd="med" p14:dur="700" advTm="3000">
         <p:push/>
       </p:transition>
     </mc:Choice>
-    <mc:Fallback xmlns="">
+    <mc:Fallback>
       <p:transition spd="med" advTm="3000">
         <p:push/>
       </p:transition>
@@ -43090,6 +42734,10 @@
                 </a:rPr>
                 <a:t>功能实现</a:t>
               </a:r>
+              <a:endParaRPr lang="zh-CN" altLang="en-US" sz="1800" b="1" dirty="0">
+                <a:latin typeface="微软雅黑" panose="020B0503020204020204" pitchFamily="34" charset="-122"/>
+                <a:ea typeface="微软雅黑" panose="020B0503020204020204" pitchFamily="34" charset="-122"/>
+              </a:endParaRPr>
             </a:p>
           </p:txBody>
         </p:sp>
@@ -43166,13 +42814,7 @@
       </p:grpSp>
       <p:sp>
         <p:nvSpPr>
-          <p:cNvPr id="2" name="文本框 1">
-            <a:extLst>
-              <a:ext uri="{FF2B5EF4-FFF2-40B4-BE49-F238E27FC236}">
-                <a16:creationId xmlns:a16="http://schemas.microsoft.com/office/drawing/2014/main" id="{38121B65-4404-491B-8835-86DD2BF99148}"/>
-              </a:ext>
-            </a:extLst>
-          </p:cNvPr>
+          <p:cNvPr id="2" name="文本框 1"/>
           <p:cNvSpPr txBox="1"/>
           <p:nvPr/>
         </p:nvSpPr>
@@ -43204,18 +42846,13 @@
               <a:rPr lang="zh-CN" altLang="en-US" dirty="0"/>
               <a:t>任务信息表</a:t>
             </a:r>
+            <a:endParaRPr lang="zh-CN" altLang="en-US" dirty="0"/>
           </a:p>
         </p:txBody>
       </p:sp>
       <p:sp>
         <p:nvSpPr>
-          <p:cNvPr id="38" name="文本框 37">
-            <a:extLst>
-              <a:ext uri="{FF2B5EF4-FFF2-40B4-BE49-F238E27FC236}">
-                <a16:creationId xmlns:a16="http://schemas.microsoft.com/office/drawing/2014/main" id="{99945414-46C3-4690-8F3D-7E3E17741BAF}"/>
-              </a:ext>
-            </a:extLst>
-          </p:cNvPr>
+          <p:cNvPr id="38" name="文本框 37"/>
           <p:cNvSpPr txBox="1"/>
           <p:nvPr/>
         </p:nvSpPr>
@@ -43247,18 +42884,13 @@
               <a:rPr lang="zh-CN" altLang="en-US" dirty="0"/>
               <a:t>任务信息表，修改承接标志</a:t>
             </a:r>
+            <a:endParaRPr lang="zh-CN" altLang="en-US" dirty="0"/>
           </a:p>
         </p:txBody>
       </p:sp>
       <p:sp>
         <p:nvSpPr>
-          <p:cNvPr id="39" name="文本框 38">
-            <a:extLst>
-              <a:ext uri="{FF2B5EF4-FFF2-40B4-BE49-F238E27FC236}">
-                <a16:creationId xmlns:a16="http://schemas.microsoft.com/office/drawing/2014/main" id="{4D49310E-ED12-40C0-890F-4A0641EAA439}"/>
-              </a:ext>
-            </a:extLst>
-          </p:cNvPr>
+          <p:cNvPr id="39" name="文本框 38"/>
           <p:cNvSpPr txBox="1"/>
           <p:nvPr/>
         </p:nvSpPr>
@@ -43290,18 +42922,13 @@
               <a:rPr lang="zh-CN" altLang="en-US" dirty="0"/>
               <a:t>任务信息表，修改完成标志</a:t>
             </a:r>
+            <a:endParaRPr lang="zh-CN" altLang="en-US" dirty="0"/>
           </a:p>
         </p:txBody>
       </p:sp>
       <p:sp>
         <p:nvSpPr>
-          <p:cNvPr id="40" name="文本框 39">
-            <a:extLst>
-              <a:ext uri="{FF2B5EF4-FFF2-40B4-BE49-F238E27FC236}">
-                <a16:creationId xmlns:a16="http://schemas.microsoft.com/office/drawing/2014/main" id="{0BD86681-732F-40F0-A91E-022949F51A6C}"/>
-              </a:ext>
-            </a:extLst>
-          </p:cNvPr>
+          <p:cNvPr id="40" name="文本框 39"/>
           <p:cNvSpPr txBox="1"/>
           <p:nvPr/>
         </p:nvSpPr>
@@ -43341,6 +42968,7 @@
               <a:rPr lang="zh-CN" altLang="en-US" dirty="0"/>
               <a:t>任务信息表，显示任务内容</a:t>
             </a:r>
+            <a:endParaRPr lang="zh-CN" altLang="en-US" dirty="0"/>
           </a:p>
         </p:txBody>
       </p:sp>
@@ -43349,13 +42977,13 @@
   <p:clrMapOvr>
     <a:masterClrMapping/>
   </p:clrMapOvr>
-  <mc:AlternateContent xmlns:mc="http://schemas.openxmlformats.org/markup-compatibility/2006" xmlns:p14="http://schemas.microsoft.com/office/powerpoint/2010/main">
-    <mc:Choice Requires="p14">
+  <mc:AlternateContent xmlns:mc="http://schemas.openxmlformats.org/markup-compatibility/2006">
+    <mc:Choice xmlns:p14="http://schemas.microsoft.com/office/powerpoint/2010/main" Requires="p14">
       <p:transition spd="med" p14:dur="700" advTm="3000">
         <p:push/>
       </p:transition>
     </mc:Choice>
-    <mc:Fallback xmlns="">
+    <mc:Fallback>
       <p:transition spd="med" advTm="3000">
         <p:push/>
       </p:transition>
@@ -43365,13 +42993,17 @@
 </file>
 
 <file path=ppt/tags/tag1.xml><?xml version="1.0" encoding="utf-8"?>
-<p:tagLst xmlns:a="http://schemas.openxmlformats.org/drawingml/2006/main" xmlns:r="http://schemas.openxmlformats.org/officeDocument/2006/relationships" xmlns:p="http://schemas.openxmlformats.org/presentationml/2006/main">
-  <p:tag name="ISPRING_PRESENTATION_TITLE" val="简约工作汇报总结述职报告ppt模板"/>
+<p:tagLst xmlns:p="http://schemas.openxmlformats.org/presentationml/2006/main">
+  <p:tag name="KSO_WM_TEMPLATE_TOPIC_ID" val="2869567"/>
+  <p:tag name="KSO_WM_TEMPLATE_OUTLINE_ID" val="15"/>
+  <p:tag name="KSO_WM_TEMPLATE_SCENE_ID" val="1"/>
+  <p:tag name="KSO_WM_TEMPLATE_JOB_ID" val="2"/>
+  <p:tag name="KSO_WM_TEMPLATE_TOPIC_DEFAULT" val="1"/>
 </p:tagLst>
 </file>
 
 <file path=ppt/tags/tag2.xml><?xml version="1.0" encoding="utf-8"?>
-<p:tagLst xmlns:a="http://schemas.openxmlformats.org/drawingml/2006/main" xmlns:r="http://schemas.openxmlformats.org/officeDocument/2006/relationships" xmlns:p="http://schemas.openxmlformats.org/presentationml/2006/main">
+<p:tagLst xmlns:p="http://schemas.openxmlformats.org/presentationml/2006/main">
   <p:tag name="KSO_WM_TEMPLATE_TOPIC_ID" val="2869567"/>
   <p:tag name="KSO_WM_TEMPLATE_OUTLINE_ID" val="15"/>
   <p:tag name="KSO_WM_TEMPLATE_SCENE_ID" val="1"/>
@@ -43381,12 +43013,8 @@
 </file>
 
 <file path=ppt/tags/tag3.xml><?xml version="1.0" encoding="utf-8"?>
-<p:tagLst xmlns:a="http://schemas.openxmlformats.org/drawingml/2006/main" xmlns:r="http://schemas.openxmlformats.org/officeDocument/2006/relationships" xmlns:p="http://schemas.openxmlformats.org/presentationml/2006/main">
-  <p:tag name="KSO_WM_TEMPLATE_TOPIC_ID" val="2869567"/>
-  <p:tag name="KSO_WM_TEMPLATE_OUTLINE_ID" val="15"/>
-  <p:tag name="KSO_WM_TEMPLATE_SCENE_ID" val="1"/>
-  <p:tag name="KSO_WM_TEMPLATE_JOB_ID" val="2"/>
-  <p:tag name="KSO_WM_TEMPLATE_TOPIC_DEFAULT" val="1"/>
+<p:tagLst xmlns:p="http://schemas.openxmlformats.org/presentationml/2006/main">
+  <p:tag name="ISPRING_PRESENTATION_TITLE" val="简约工作汇报总结述职报告ppt模板"/>
 </p:tagLst>
 </file>
 
@@ -43641,8 +43269,6 @@
       </a:bgFillStyleLst>
     </a:fmtScheme>
   </a:themeElements>
-  <a:objectDefaults/>
-  <a:extraClrSchemeLst/>
   <a:extLst>
     <a:ext uri="{05A4C25C-085E-4340-85A3-A5531E510DB2}">
       <thm15:themeFamily xmlns:thm15="http://schemas.microsoft.com/office/thememl/2012/main" name="Office Theme" id="{62F939B6-93AF-4DB8-9C6B-D6C7DFDC589F}" vid="{4A3C46E8-61CC-4603-A589-7422A47A8E4A}"/>
@@ -43902,8 +43528,6 @@
       </a:bgFillStyleLst>
     </a:fmtScheme>
   </a:themeElements>
-  <a:objectDefaults/>
-  <a:extraClrSchemeLst/>
   <a:extLst>
     <a:ext uri="{05A4C25C-085E-4340-85A3-A5531E510DB2}">
       <thm15:themeFamily xmlns:thm15="http://schemas.microsoft.com/office/thememl/2012/main" name="Office Theme" id="{62F939B6-93AF-4DB8-9C6B-D6C7DFDC589F}" vid="{4A3C46E8-61CC-4603-A589-7422A47A8E4A}"/>
